--- a/python.pptx
+++ b/python.pptx
@@ -22,6 +22,17 @@
     <p:sldId id="270" r:id="rId16"/>
     <p:sldId id="271" r:id="rId17"/>
     <p:sldId id="272" r:id="rId18"/>
+    <p:sldId id="273" r:id="rId19"/>
+    <p:sldId id="274" r:id="rId20"/>
+    <p:sldId id="275" r:id="rId21"/>
+    <p:sldId id="276" r:id="rId22"/>
+    <p:sldId id="277" r:id="rId23"/>
+    <p:sldId id="278" r:id="rId24"/>
+    <p:sldId id="279" r:id="rId25"/>
+    <p:sldId id="280" r:id="rId26"/>
+    <p:sldId id="281" r:id="rId27"/>
+    <p:sldId id="282" r:id="rId28"/>
+    <p:sldId id="283" r:id="rId29"/>
   </p:sldIdLst>
   <p:sldSz cx="12192000" cy="6858000"/>
   <p:notesSz cx="6858000" cy="9144000"/>
@@ -120,6 +131,11 @@
       </a:defRPr>
     </a:lvl9pPr>
   </p:defaultTextStyle>
+  <p:extLst>
+    <p:ext uri="{EFAFB233-063F-42B5-8137-9DF3F51BA10A}">
+      <p15:sldGuideLst xmlns:p15="http://schemas.microsoft.com/office/powerpoint/2012/main"/>
+    </p:ext>
+  </p:extLst>
 </p:presentation>
 </file>
 
@@ -254,7 +270,7 @@
           <a:p>
             <a:fld id="{720523C8-4933-4350-97E9-A1896E02F636}" type="datetimeFigureOut">
               <a:rPr lang="zh-CN" altLang="en-US" smtClean="0"/>
-              <a:t>2018/4/4</a:t>
+              <a:t>2018/4/6</a:t>
             </a:fld>
             <a:endParaRPr lang="zh-CN" altLang="en-US"/>
           </a:p>
@@ -424,7 +440,7 @@
           <a:p>
             <a:fld id="{720523C8-4933-4350-97E9-A1896E02F636}" type="datetimeFigureOut">
               <a:rPr lang="zh-CN" altLang="en-US" smtClean="0"/>
-              <a:t>2018/4/4</a:t>
+              <a:t>2018/4/6</a:t>
             </a:fld>
             <a:endParaRPr lang="zh-CN" altLang="en-US"/>
           </a:p>
@@ -604,7 +620,7 @@
           <a:p>
             <a:fld id="{720523C8-4933-4350-97E9-A1896E02F636}" type="datetimeFigureOut">
               <a:rPr lang="zh-CN" altLang="en-US" smtClean="0"/>
-              <a:t>2018/4/4</a:t>
+              <a:t>2018/4/6</a:t>
             </a:fld>
             <a:endParaRPr lang="zh-CN" altLang="en-US"/>
           </a:p>
@@ -774,7 +790,7 @@
           <a:p>
             <a:fld id="{720523C8-4933-4350-97E9-A1896E02F636}" type="datetimeFigureOut">
               <a:rPr lang="zh-CN" altLang="en-US" smtClean="0"/>
-              <a:t>2018/4/4</a:t>
+              <a:t>2018/4/6</a:t>
             </a:fld>
             <a:endParaRPr lang="zh-CN" altLang="en-US"/>
           </a:p>
@@ -1020,7 +1036,7 @@
           <a:p>
             <a:fld id="{720523C8-4933-4350-97E9-A1896E02F636}" type="datetimeFigureOut">
               <a:rPr lang="zh-CN" altLang="en-US" smtClean="0"/>
-              <a:t>2018/4/4</a:t>
+              <a:t>2018/4/6</a:t>
             </a:fld>
             <a:endParaRPr lang="zh-CN" altLang="en-US"/>
           </a:p>
@@ -1252,7 +1268,7 @@
           <a:p>
             <a:fld id="{720523C8-4933-4350-97E9-A1896E02F636}" type="datetimeFigureOut">
               <a:rPr lang="zh-CN" altLang="en-US" smtClean="0"/>
-              <a:t>2018/4/4</a:t>
+              <a:t>2018/4/6</a:t>
             </a:fld>
             <a:endParaRPr lang="zh-CN" altLang="en-US"/>
           </a:p>
@@ -1619,7 +1635,7 @@
           <a:p>
             <a:fld id="{720523C8-4933-4350-97E9-A1896E02F636}" type="datetimeFigureOut">
               <a:rPr lang="zh-CN" altLang="en-US" smtClean="0"/>
-              <a:t>2018/4/4</a:t>
+              <a:t>2018/4/6</a:t>
             </a:fld>
             <a:endParaRPr lang="zh-CN" altLang="en-US"/>
           </a:p>
@@ -1737,7 +1753,7 @@
           <a:p>
             <a:fld id="{720523C8-4933-4350-97E9-A1896E02F636}" type="datetimeFigureOut">
               <a:rPr lang="zh-CN" altLang="en-US" smtClean="0"/>
-              <a:t>2018/4/4</a:t>
+              <a:t>2018/4/6</a:t>
             </a:fld>
             <a:endParaRPr lang="zh-CN" altLang="en-US"/>
           </a:p>
@@ -1832,7 +1848,7 @@
           <a:p>
             <a:fld id="{720523C8-4933-4350-97E9-A1896E02F636}" type="datetimeFigureOut">
               <a:rPr lang="zh-CN" altLang="en-US" smtClean="0"/>
-              <a:t>2018/4/4</a:t>
+              <a:t>2018/4/6</a:t>
             </a:fld>
             <a:endParaRPr lang="zh-CN" altLang="en-US"/>
           </a:p>
@@ -2109,7 +2125,7 @@
           <a:p>
             <a:fld id="{720523C8-4933-4350-97E9-A1896E02F636}" type="datetimeFigureOut">
               <a:rPr lang="zh-CN" altLang="en-US" smtClean="0"/>
-              <a:t>2018/4/4</a:t>
+              <a:t>2018/4/6</a:t>
             </a:fld>
             <a:endParaRPr lang="zh-CN" altLang="en-US"/>
           </a:p>
@@ -2362,7 +2378,7 @@
           <a:p>
             <a:fld id="{720523C8-4933-4350-97E9-A1896E02F636}" type="datetimeFigureOut">
               <a:rPr lang="zh-CN" altLang="en-US" smtClean="0"/>
-              <a:t>2018/4/4</a:t>
+              <a:t>2018/4/6</a:t>
             </a:fld>
             <a:endParaRPr lang="zh-CN" altLang="en-US"/>
           </a:p>
@@ -2575,7 +2591,7 @@
           <a:p>
             <a:fld id="{720523C8-4933-4350-97E9-A1896E02F636}" type="datetimeFigureOut">
               <a:rPr lang="zh-CN" altLang="en-US" smtClean="0"/>
-              <a:t>2018/4/4</a:t>
+              <a:t>2018/4/6</a:t>
             </a:fld>
             <a:endParaRPr lang="zh-CN" altLang="en-US"/>
           </a:p>
@@ -5471,6 +5487,555 @@
 </p:sld>
 </file>
 
+<file path=ppt/slides/slide18.xml><?xml version="1.0" encoding="utf-8"?>
+<p:sld xmlns:a="http://schemas.openxmlformats.org/drawingml/2006/main" xmlns:r="http://schemas.openxmlformats.org/officeDocument/2006/relationships" xmlns:p="http://schemas.openxmlformats.org/presentationml/2006/main">
+  <p:cSld>
+    <p:spTree>
+      <p:nvGrpSpPr>
+        <p:cNvPr id="1" name=""/>
+        <p:cNvGrpSpPr/>
+        <p:nvPr/>
+      </p:nvGrpSpPr>
+      <p:grpSpPr>
+        <a:xfrm>
+          <a:off x="0" y="0"/>
+          <a:ext cx="0" cy="0"/>
+          <a:chOff x="0" y="0"/>
+          <a:chExt cx="0" cy="0"/>
+        </a:xfrm>
+      </p:grpSpPr>
+      <p:sp>
+        <p:nvSpPr>
+          <p:cNvPr id="2" name="标题 1"/>
+          <p:cNvSpPr>
+            <a:spLocks noGrp="1"/>
+          </p:cNvSpPr>
+          <p:nvPr>
+            <p:ph type="title"/>
+          </p:nvPr>
+        </p:nvSpPr>
+        <p:spPr/>
+        <p:txBody>
+          <a:bodyPr/>
+          <a:lstStyle/>
+          <a:p>
+            <a:r>
+              <a:rPr lang="en-US" altLang="zh-CN" dirty="0"/>
+              <a:t>Modules</a:t>
+            </a:r>
+            <a:br>
+              <a:rPr lang="en-US" altLang="zh-CN" dirty="0"/>
+            </a:br>
+            <a:endParaRPr lang="zh-CN" altLang="en-US" dirty="0"/>
+          </a:p>
+        </p:txBody>
+      </p:sp>
+      <p:sp>
+        <p:nvSpPr>
+          <p:cNvPr id="4" name="Rectangle 1"/>
+          <p:cNvSpPr>
+            <a:spLocks noChangeArrowheads="1"/>
+          </p:cNvSpPr>
+          <p:nvPr/>
+        </p:nvSpPr>
+        <p:spPr bwMode="auto">
+          <a:xfrm>
+            <a:off x="838200" y="1451295"/>
+            <a:ext cx="12192000" cy="0"/>
+          </a:xfrm>
+          <a:prstGeom prst="rect">
+            <a:avLst/>
+          </a:prstGeom>
+          <a:solidFill>
+            <a:srgbClr val="ECF0F3"/>
+          </a:solidFill>
+          <a:ln>
+            <a:noFill/>
+          </a:ln>
+          <a:effectLst/>
+          <a:extLst>
+            <a:ext uri="{91240B29-F687-4F45-9708-019B960494DF}">
+              <a14:hiddenLine xmlns:a14="http://schemas.microsoft.com/office/drawing/2010/main" w="9525">
+                <a:solidFill>
+                  <a:schemeClr val="tx1"/>
+                </a:solidFill>
+                <a:miter lim="800000"/>
+                <a:headEnd/>
+                <a:tailEnd/>
+              </a14:hiddenLine>
+            </a:ext>
+            <a:ext uri="{AF507438-7753-43E0-B8FC-AC1667EBCBE1}">
+              <a14:hiddenEffects xmlns:a14="http://schemas.microsoft.com/office/drawing/2010/main">
+                <a:effectLst>
+                  <a:outerShdw dist="35921" dir="2700000" algn="ctr" rotWithShape="0">
+                    <a:schemeClr val="bg2"/>
+                  </a:outerShdw>
+                </a:effectLst>
+              </a14:hiddenEffects>
+            </a:ext>
+          </a:extLst>
+        </p:spPr>
+        <p:txBody>
+          <a:bodyPr vert="horz" wrap="none" lIns="91440" tIns="45720" rIns="91440" bIns="45720" numCol="1" anchor="ctr" anchorCtr="0" compatLnSpc="1">
+            <a:prstTxWarp prst="textNoShape">
+              <a:avLst/>
+            </a:prstTxWarp>
+            <a:spAutoFit/>
+          </a:bodyPr>
+          <a:lstStyle>
+            <a:lvl1pPr eaLnBrk="0" fontAlgn="base" hangingPunct="0">
+              <a:spcBef>
+                <a:spcPct val="0"/>
+              </a:spcBef>
+              <a:spcAft>
+                <a:spcPct val="0"/>
+              </a:spcAft>
+              <a:defRPr>
+                <a:solidFill>
+                  <a:schemeClr val="tx1"/>
+                </a:solidFill>
+                <a:latin typeface="Arial" panose="020B0604020202020204" pitchFamily="34" charset="0"/>
+              </a:defRPr>
+            </a:lvl1pPr>
+            <a:lvl2pPr eaLnBrk="0" fontAlgn="base" hangingPunct="0">
+              <a:spcBef>
+                <a:spcPct val="0"/>
+              </a:spcBef>
+              <a:spcAft>
+                <a:spcPct val="0"/>
+              </a:spcAft>
+              <a:defRPr>
+                <a:solidFill>
+                  <a:schemeClr val="tx1"/>
+                </a:solidFill>
+                <a:latin typeface="Arial" panose="020B0604020202020204" pitchFamily="34" charset="0"/>
+              </a:defRPr>
+            </a:lvl2pPr>
+            <a:lvl3pPr eaLnBrk="0" fontAlgn="base" hangingPunct="0">
+              <a:spcBef>
+                <a:spcPct val="0"/>
+              </a:spcBef>
+              <a:spcAft>
+                <a:spcPct val="0"/>
+              </a:spcAft>
+              <a:defRPr>
+                <a:solidFill>
+                  <a:schemeClr val="tx1"/>
+                </a:solidFill>
+                <a:latin typeface="Arial" panose="020B0604020202020204" pitchFamily="34" charset="0"/>
+              </a:defRPr>
+            </a:lvl3pPr>
+            <a:lvl4pPr eaLnBrk="0" fontAlgn="base" hangingPunct="0">
+              <a:spcBef>
+                <a:spcPct val="0"/>
+              </a:spcBef>
+              <a:spcAft>
+                <a:spcPct val="0"/>
+              </a:spcAft>
+              <a:defRPr>
+                <a:solidFill>
+                  <a:schemeClr val="tx1"/>
+                </a:solidFill>
+                <a:latin typeface="Arial" panose="020B0604020202020204" pitchFamily="34" charset="0"/>
+              </a:defRPr>
+            </a:lvl4pPr>
+            <a:lvl5pPr eaLnBrk="0" fontAlgn="base" hangingPunct="0">
+              <a:spcBef>
+                <a:spcPct val="0"/>
+              </a:spcBef>
+              <a:spcAft>
+                <a:spcPct val="0"/>
+              </a:spcAft>
+              <a:defRPr>
+                <a:solidFill>
+                  <a:schemeClr val="tx1"/>
+                </a:solidFill>
+                <a:latin typeface="Arial" panose="020B0604020202020204" pitchFamily="34" charset="0"/>
+              </a:defRPr>
+            </a:lvl5pPr>
+            <a:lvl6pPr eaLnBrk="0" fontAlgn="base" hangingPunct="0">
+              <a:spcBef>
+                <a:spcPct val="0"/>
+              </a:spcBef>
+              <a:spcAft>
+                <a:spcPct val="0"/>
+              </a:spcAft>
+              <a:defRPr>
+                <a:solidFill>
+                  <a:schemeClr val="tx1"/>
+                </a:solidFill>
+                <a:latin typeface="Arial" panose="020B0604020202020204" pitchFamily="34" charset="0"/>
+              </a:defRPr>
+            </a:lvl6pPr>
+            <a:lvl7pPr eaLnBrk="0" fontAlgn="base" hangingPunct="0">
+              <a:spcBef>
+                <a:spcPct val="0"/>
+              </a:spcBef>
+              <a:spcAft>
+                <a:spcPct val="0"/>
+              </a:spcAft>
+              <a:defRPr>
+                <a:solidFill>
+                  <a:schemeClr val="tx1"/>
+                </a:solidFill>
+                <a:latin typeface="Arial" panose="020B0604020202020204" pitchFamily="34" charset="0"/>
+              </a:defRPr>
+            </a:lvl7pPr>
+            <a:lvl8pPr eaLnBrk="0" fontAlgn="base" hangingPunct="0">
+              <a:spcBef>
+                <a:spcPct val="0"/>
+              </a:spcBef>
+              <a:spcAft>
+                <a:spcPct val="0"/>
+              </a:spcAft>
+              <a:defRPr>
+                <a:solidFill>
+                  <a:schemeClr val="tx1"/>
+                </a:solidFill>
+                <a:latin typeface="Arial" panose="020B0604020202020204" pitchFamily="34" charset="0"/>
+              </a:defRPr>
+            </a:lvl8pPr>
+            <a:lvl9pPr eaLnBrk="0" fontAlgn="base" hangingPunct="0">
+              <a:spcBef>
+                <a:spcPct val="0"/>
+              </a:spcBef>
+              <a:spcAft>
+                <a:spcPct val="0"/>
+              </a:spcAft>
+              <a:defRPr>
+                <a:solidFill>
+                  <a:schemeClr val="tx1"/>
+                </a:solidFill>
+                <a:latin typeface="Arial" panose="020B0604020202020204" pitchFamily="34" charset="0"/>
+              </a:defRPr>
+            </a:lvl9pPr>
+          </a:lstStyle>
+          <a:p>
+            <a:pPr marL="0" marR="0" lvl="0" indent="0" algn="just" defTabSz="914400" rtl="0" eaLnBrk="0" fontAlgn="base" latinLnBrk="0" hangingPunct="0">
+              <a:lnSpc>
+                <a:spcPct val="100000"/>
+              </a:lnSpc>
+              <a:spcBef>
+                <a:spcPct val="0"/>
+              </a:spcBef>
+              <a:spcAft>
+                <a:spcPct val="0"/>
+              </a:spcAft>
+              <a:buClrTx/>
+              <a:buSzTx/>
+              <a:buFontTx/>
+              <a:buNone/>
+              <a:tabLst/>
+            </a:pPr>
+            <a:r>
+              <a:rPr kumimoji="0" lang="zh-CN" altLang="zh-CN" sz="1200" b="0" i="0" u="none" strike="noStrike" cap="none" normalizeH="0" baseline="0" smtClean="0">
+                <a:ln>
+                  <a:noFill/>
+                </a:ln>
+                <a:solidFill>
+                  <a:srgbClr val="222222"/>
+                </a:solidFill>
+                <a:effectLst/>
+                <a:latin typeface="Arial" panose="020B0604020202020204" pitchFamily="34" charset="0"/>
+                <a:ea typeface="Lucida Grande"/>
+              </a:rPr>
+              <a:t>the module’s name (as a string) is available as the value of the global variable </a:t>
+            </a:r>
+            <a:r>
+              <a:rPr kumimoji="0" lang="zh-CN" altLang="zh-CN" sz="1100" b="0" i="0" u="none" strike="noStrike" cap="none" normalizeH="0" baseline="0" smtClean="0">
+                <a:ln>
+                  <a:noFill/>
+                </a:ln>
+                <a:solidFill>
+                  <a:srgbClr val="222222"/>
+                </a:solidFill>
+                <a:effectLst/>
+                <a:latin typeface="Courier New" panose="02070309020205020404" pitchFamily="49" charset="0"/>
+                <a:cs typeface="Courier New" panose="02070309020205020404" pitchFamily="49" charset="0"/>
+              </a:rPr>
+              <a:t>__name__</a:t>
+            </a:r>
+            <a:r>
+              <a:rPr kumimoji="0" lang="zh-CN" altLang="zh-CN" sz="1200" b="0" i="0" u="none" strike="noStrike" cap="none" normalizeH="0" baseline="0" smtClean="0">
+                <a:ln>
+                  <a:noFill/>
+                </a:ln>
+                <a:solidFill>
+                  <a:srgbClr val="222222"/>
+                </a:solidFill>
+                <a:effectLst/>
+                <a:ea typeface="Lucida Grande"/>
+              </a:rPr>
+              <a:t>.</a:t>
+            </a:r>
+            <a:r>
+              <a:rPr kumimoji="0" lang="zh-CN" altLang="zh-CN" sz="1200" b="0" i="0" u="none" strike="noStrike" cap="none" normalizeH="0" baseline="0" smtClean="0">
+                <a:ln>
+                  <a:noFill/>
+                </a:ln>
+                <a:solidFill>
+                  <a:srgbClr val="222222"/>
+                </a:solidFill>
+                <a:effectLst/>
+                <a:latin typeface="Arial" panose="020B0604020202020204" pitchFamily="34" charset="0"/>
+                <a:ea typeface="Lucida Grande"/>
+              </a:rPr>
+              <a:t> </a:t>
+            </a:r>
+            <a:r>
+              <a:rPr kumimoji="0" lang="zh-CN" altLang="zh-CN" sz="800" b="0" i="0" u="none" strike="noStrike" cap="none" normalizeH="0" baseline="0" smtClean="0">
+                <a:ln>
+                  <a:noFill/>
+                </a:ln>
+                <a:solidFill>
+                  <a:schemeClr val="tx1"/>
+                </a:solidFill>
+                <a:effectLst/>
+                <a:latin typeface="Arial" panose="020B0604020202020204" pitchFamily="34" charset="0"/>
+              </a:rPr>
+              <a:t> </a:t>
+            </a:r>
+            <a:endParaRPr kumimoji="0" lang="zh-CN" altLang="zh-CN" sz="1800" b="0" i="0" u="none" strike="noStrike" cap="none" normalizeH="0" baseline="0" smtClean="0">
+              <a:ln>
+                <a:noFill/>
+              </a:ln>
+              <a:solidFill>
+                <a:schemeClr val="tx1"/>
+              </a:solidFill>
+              <a:effectLst/>
+              <a:latin typeface="Arial" panose="020B0604020202020204" pitchFamily="34" charset="0"/>
+            </a:endParaRPr>
+          </a:p>
+        </p:txBody>
+      </p:sp>
+      <p:sp>
+        <p:nvSpPr>
+          <p:cNvPr id="5" name="矩形 4"/>
+          <p:cNvSpPr/>
+          <p:nvPr/>
+        </p:nvSpPr>
+        <p:spPr>
+          <a:xfrm>
+            <a:off x="838199" y="1805541"/>
+            <a:ext cx="10411437" cy="369332"/>
+          </a:xfrm>
+          <a:prstGeom prst="rect">
+            <a:avLst/>
+          </a:prstGeom>
+        </p:spPr>
+        <p:txBody>
+          <a:bodyPr wrap="square">
+            <a:spAutoFit/>
+          </a:bodyPr>
+          <a:lstStyle/>
+          <a:p>
+            <a:r>
+              <a:rPr lang="en-US" altLang="zh-CN" dirty="0">
+                <a:solidFill>
+                  <a:srgbClr val="222222"/>
+                </a:solidFill>
+                <a:latin typeface="Lucida Grande"/>
+              </a:rPr>
+              <a:t>The imported module names are placed in the importing module’s global symbol table.</a:t>
+            </a:r>
+            <a:endParaRPr lang="zh-CN" altLang="en-US" dirty="0"/>
+          </a:p>
+        </p:txBody>
+      </p:sp>
+      <p:pic>
+        <p:nvPicPr>
+          <p:cNvPr id="6" name="图片 5"/>
+          <p:cNvPicPr>
+            <a:picLocks noChangeAspect="1"/>
+          </p:cNvPicPr>
+          <p:nvPr/>
+        </p:nvPicPr>
+        <p:blipFill>
+          <a:blip r:embed="rId2"/>
+          <a:stretch>
+            <a:fillRect/>
+          </a:stretch>
+        </p:blipFill>
+        <p:spPr>
+          <a:xfrm>
+            <a:off x="838199" y="2343657"/>
+            <a:ext cx="5889772" cy="1314681"/>
+          </a:xfrm>
+          <a:prstGeom prst="rect">
+            <a:avLst/>
+          </a:prstGeom>
+        </p:spPr>
+      </p:pic>
+      <p:pic>
+        <p:nvPicPr>
+          <p:cNvPr id="7" name="图片 6"/>
+          <p:cNvPicPr>
+            <a:picLocks noChangeAspect="1"/>
+          </p:cNvPicPr>
+          <p:nvPr/>
+        </p:nvPicPr>
+        <p:blipFill>
+          <a:blip r:embed="rId3"/>
+          <a:stretch>
+            <a:fillRect/>
+          </a:stretch>
+        </p:blipFill>
+        <p:spPr>
+          <a:xfrm>
+            <a:off x="838199" y="3827123"/>
+            <a:ext cx="3809703" cy="987441"/>
+          </a:xfrm>
+          <a:prstGeom prst="rect">
+            <a:avLst/>
+          </a:prstGeom>
+        </p:spPr>
+      </p:pic>
+      <p:pic>
+        <p:nvPicPr>
+          <p:cNvPr id="8" name="图片 7"/>
+          <p:cNvPicPr>
+            <a:picLocks noChangeAspect="1"/>
+          </p:cNvPicPr>
+          <p:nvPr/>
+        </p:nvPicPr>
+        <p:blipFill>
+          <a:blip r:embed="rId4"/>
+          <a:stretch>
+            <a:fillRect/>
+          </a:stretch>
+        </p:blipFill>
+        <p:spPr>
+          <a:xfrm>
+            <a:off x="838199" y="5159781"/>
+            <a:ext cx="8767195" cy="913721"/>
+          </a:xfrm>
+          <a:prstGeom prst="rect">
+            <a:avLst/>
+          </a:prstGeom>
+        </p:spPr>
+      </p:pic>
+    </p:spTree>
+    <p:extLst>
+      <p:ext uri="{BB962C8B-B14F-4D97-AF65-F5344CB8AC3E}">
+        <p14:creationId xmlns:p14="http://schemas.microsoft.com/office/powerpoint/2010/main" val="2716389012"/>
+      </p:ext>
+    </p:extLst>
+  </p:cSld>
+  <p:clrMapOvr>
+    <a:masterClrMapping/>
+  </p:clrMapOvr>
+</p:sld>
+</file>
+
+<file path=ppt/slides/slide19.xml><?xml version="1.0" encoding="utf-8"?>
+<p:sld xmlns:a="http://schemas.openxmlformats.org/drawingml/2006/main" xmlns:r="http://schemas.openxmlformats.org/officeDocument/2006/relationships" xmlns:p="http://schemas.openxmlformats.org/presentationml/2006/main">
+  <p:cSld>
+    <p:spTree>
+      <p:nvGrpSpPr>
+        <p:cNvPr id="1" name=""/>
+        <p:cNvGrpSpPr/>
+        <p:nvPr/>
+      </p:nvGrpSpPr>
+      <p:grpSpPr>
+        <a:xfrm>
+          <a:off x="0" y="0"/>
+          <a:ext cx="0" cy="0"/>
+          <a:chOff x="0" y="0"/>
+          <a:chExt cx="0" cy="0"/>
+        </a:xfrm>
+      </p:grpSpPr>
+      <p:pic>
+        <p:nvPicPr>
+          <p:cNvPr id="3" name="图片 2"/>
+          <p:cNvPicPr>
+            <a:picLocks noChangeAspect="1"/>
+          </p:cNvPicPr>
+          <p:nvPr/>
+        </p:nvPicPr>
+        <p:blipFill>
+          <a:blip r:embed="rId2"/>
+          <a:stretch>
+            <a:fillRect/>
+          </a:stretch>
+        </p:blipFill>
+        <p:spPr>
+          <a:xfrm>
+            <a:off x="679508" y="116808"/>
+            <a:ext cx="10326482" cy="3138978"/>
+          </a:xfrm>
+          <a:prstGeom prst="rect">
+            <a:avLst/>
+          </a:prstGeom>
+        </p:spPr>
+      </p:pic>
+      <p:pic>
+        <p:nvPicPr>
+          <p:cNvPr id="4" name="图片 3"/>
+          <p:cNvPicPr>
+            <a:picLocks noChangeAspect="1"/>
+          </p:cNvPicPr>
+          <p:nvPr/>
+        </p:nvPicPr>
+        <p:blipFill>
+          <a:blip r:embed="rId3"/>
+          <a:stretch>
+            <a:fillRect/>
+          </a:stretch>
+        </p:blipFill>
+        <p:spPr>
+          <a:xfrm>
+            <a:off x="679508" y="3732155"/>
+            <a:ext cx="10719609" cy="942070"/>
+          </a:xfrm>
+          <a:prstGeom prst="rect">
+            <a:avLst/>
+          </a:prstGeom>
+        </p:spPr>
+      </p:pic>
+      <p:pic>
+        <p:nvPicPr>
+          <p:cNvPr id="5" name="图片 4"/>
+          <p:cNvPicPr>
+            <a:picLocks noChangeAspect="1"/>
+          </p:cNvPicPr>
+          <p:nvPr/>
+        </p:nvPicPr>
+        <p:blipFill>
+          <a:blip r:embed="rId4"/>
+          <a:stretch>
+            <a:fillRect/>
+          </a:stretch>
+        </p:blipFill>
+        <p:spPr>
+          <a:xfrm>
+            <a:off x="679508" y="4998351"/>
+            <a:ext cx="10956022" cy="1612058"/>
+          </a:xfrm>
+          <a:prstGeom prst="rect">
+            <a:avLst/>
+          </a:prstGeom>
+        </p:spPr>
+      </p:pic>
+    </p:spTree>
+    <p:extLst>
+      <p:ext uri="{BB962C8B-B14F-4D97-AF65-F5344CB8AC3E}">
+        <p14:creationId xmlns:p14="http://schemas.microsoft.com/office/powerpoint/2010/main" val="3325629744"/>
+      </p:ext>
+    </p:extLst>
+  </p:cSld>
+  <p:clrMapOvr>
+    <a:masterClrMapping/>
+  </p:clrMapOvr>
+  <p:timing>
+    <p:tnLst>
+      <p:par>
+        <p:cTn id="1" dur="indefinite" restart="never" nodeType="tmRoot"/>
+      </p:par>
+    </p:tnLst>
+  </p:timing>
+</p:sld>
+</file>
+
 <file path=ppt/slides/slide2.xml><?xml version="1.0" encoding="utf-8"?>
 <p:sld xmlns:a="http://schemas.openxmlformats.org/drawingml/2006/main" xmlns:r="http://schemas.openxmlformats.org/officeDocument/2006/relationships" xmlns:p="http://schemas.openxmlformats.org/presentationml/2006/main">
   <p:cSld>
@@ -5959,6 +6524,1770 @@
       </p:par>
     </p:tnLst>
   </p:timing>
+</p:sld>
+</file>
+
+<file path=ppt/slides/slide20.xml><?xml version="1.0" encoding="utf-8"?>
+<p:sld xmlns:a="http://schemas.openxmlformats.org/drawingml/2006/main" xmlns:r="http://schemas.openxmlformats.org/officeDocument/2006/relationships" xmlns:p="http://schemas.openxmlformats.org/presentationml/2006/main">
+  <p:cSld>
+    <p:spTree>
+      <p:nvGrpSpPr>
+        <p:cNvPr id="1" name=""/>
+        <p:cNvGrpSpPr/>
+        <p:nvPr/>
+      </p:nvGrpSpPr>
+      <p:grpSpPr>
+        <a:xfrm>
+          <a:off x="0" y="0"/>
+          <a:ext cx="0" cy="0"/>
+          <a:chOff x="0" y="0"/>
+          <a:chExt cx="0" cy="0"/>
+        </a:xfrm>
+      </p:grpSpPr>
+      <p:sp>
+        <p:nvSpPr>
+          <p:cNvPr id="2" name="Rectangle 1"/>
+          <p:cNvSpPr>
+            <a:spLocks noChangeArrowheads="1"/>
+          </p:cNvSpPr>
+          <p:nvPr/>
+        </p:nvSpPr>
+        <p:spPr bwMode="auto">
+          <a:xfrm>
+            <a:off x="755010" y="713064"/>
+            <a:ext cx="12192000" cy="0"/>
+          </a:xfrm>
+          <a:prstGeom prst="rect">
+            <a:avLst/>
+          </a:prstGeom>
+          <a:solidFill>
+            <a:srgbClr val="FFFFFF"/>
+          </a:solidFill>
+          <a:ln>
+            <a:noFill/>
+          </a:ln>
+          <a:effectLst/>
+          <a:extLst>
+            <a:ext uri="{91240B29-F687-4F45-9708-019B960494DF}">
+              <a14:hiddenLine xmlns:a14="http://schemas.microsoft.com/office/drawing/2010/main" w="9525">
+                <a:solidFill>
+                  <a:schemeClr val="tx1"/>
+                </a:solidFill>
+                <a:miter lim="800000"/>
+                <a:headEnd/>
+                <a:tailEnd/>
+              </a14:hiddenLine>
+            </a:ext>
+            <a:ext uri="{AF507438-7753-43E0-B8FC-AC1667EBCBE1}">
+              <a14:hiddenEffects xmlns:a14="http://schemas.microsoft.com/office/drawing/2010/main">
+                <a:effectLst>
+                  <a:outerShdw dist="35921" dir="2700000" algn="ctr" rotWithShape="0">
+                    <a:schemeClr val="bg2"/>
+                  </a:outerShdw>
+                </a:effectLst>
+              </a14:hiddenEffects>
+            </a:ext>
+          </a:extLst>
+        </p:spPr>
+        <p:txBody>
+          <a:bodyPr vert="horz" wrap="none" lIns="91440" tIns="45720" rIns="91440" bIns="45720" numCol="1" anchor="ctr" anchorCtr="0" compatLnSpc="1">
+            <a:prstTxWarp prst="textNoShape">
+              <a:avLst/>
+            </a:prstTxWarp>
+            <a:spAutoFit/>
+          </a:bodyPr>
+          <a:lstStyle>
+            <a:lvl1pPr eaLnBrk="0" fontAlgn="base" hangingPunct="0">
+              <a:spcBef>
+                <a:spcPct val="0"/>
+              </a:spcBef>
+              <a:spcAft>
+                <a:spcPct val="0"/>
+              </a:spcAft>
+              <a:defRPr>
+                <a:solidFill>
+                  <a:schemeClr val="tx1"/>
+                </a:solidFill>
+                <a:latin typeface="Arial" panose="020B0604020202020204" pitchFamily="34" charset="0"/>
+              </a:defRPr>
+            </a:lvl1pPr>
+            <a:lvl2pPr eaLnBrk="0" fontAlgn="base" hangingPunct="0">
+              <a:spcBef>
+                <a:spcPct val="0"/>
+              </a:spcBef>
+              <a:spcAft>
+                <a:spcPct val="0"/>
+              </a:spcAft>
+              <a:defRPr>
+                <a:solidFill>
+                  <a:schemeClr val="tx1"/>
+                </a:solidFill>
+                <a:latin typeface="Arial" panose="020B0604020202020204" pitchFamily="34" charset="0"/>
+              </a:defRPr>
+            </a:lvl2pPr>
+            <a:lvl3pPr eaLnBrk="0" fontAlgn="base" hangingPunct="0">
+              <a:spcBef>
+                <a:spcPct val="0"/>
+              </a:spcBef>
+              <a:spcAft>
+                <a:spcPct val="0"/>
+              </a:spcAft>
+              <a:defRPr>
+                <a:solidFill>
+                  <a:schemeClr val="tx1"/>
+                </a:solidFill>
+                <a:latin typeface="Arial" panose="020B0604020202020204" pitchFamily="34" charset="0"/>
+              </a:defRPr>
+            </a:lvl3pPr>
+            <a:lvl4pPr eaLnBrk="0" fontAlgn="base" hangingPunct="0">
+              <a:spcBef>
+                <a:spcPct val="0"/>
+              </a:spcBef>
+              <a:spcAft>
+                <a:spcPct val="0"/>
+              </a:spcAft>
+              <a:defRPr>
+                <a:solidFill>
+                  <a:schemeClr val="tx1"/>
+                </a:solidFill>
+                <a:latin typeface="Arial" panose="020B0604020202020204" pitchFamily="34" charset="0"/>
+              </a:defRPr>
+            </a:lvl4pPr>
+            <a:lvl5pPr eaLnBrk="0" fontAlgn="base" hangingPunct="0">
+              <a:spcBef>
+                <a:spcPct val="0"/>
+              </a:spcBef>
+              <a:spcAft>
+                <a:spcPct val="0"/>
+              </a:spcAft>
+              <a:defRPr>
+                <a:solidFill>
+                  <a:schemeClr val="tx1"/>
+                </a:solidFill>
+                <a:latin typeface="Arial" panose="020B0604020202020204" pitchFamily="34" charset="0"/>
+              </a:defRPr>
+            </a:lvl5pPr>
+            <a:lvl6pPr eaLnBrk="0" fontAlgn="base" hangingPunct="0">
+              <a:spcBef>
+                <a:spcPct val="0"/>
+              </a:spcBef>
+              <a:spcAft>
+                <a:spcPct val="0"/>
+              </a:spcAft>
+              <a:defRPr>
+                <a:solidFill>
+                  <a:schemeClr val="tx1"/>
+                </a:solidFill>
+                <a:latin typeface="Arial" panose="020B0604020202020204" pitchFamily="34" charset="0"/>
+              </a:defRPr>
+            </a:lvl6pPr>
+            <a:lvl7pPr eaLnBrk="0" fontAlgn="base" hangingPunct="0">
+              <a:spcBef>
+                <a:spcPct val="0"/>
+              </a:spcBef>
+              <a:spcAft>
+                <a:spcPct val="0"/>
+              </a:spcAft>
+              <a:defRPr>
+                <a:solidFill>
+                  <a:schemeClr val="tx1"/>
+                </a:solidFill>
+                <a:latin typeface="Arial" panose="020B0604020202020204" pitchFamily="34" charset="0"/>
+              </a:defRPr>
+            </a:lvl7pPr>
+            <a:lvl8pPr eaLnBrk="0" fontAlgn="base" hangingPunct="0">
+              <a:spcBef>
+                <a:spcPct val="0"/>
+              </a:spcBef>
+              <a:spcAft>
+                <a:spcPct val="0"/>
+              </a:spcAft>
+              <a:defRPr>
+                <a:solidFill>
+                  <a:schemeClr val="tx1"/>
+                </a:solidFill>
+                <a:latin typeface="Arial" panose="020B0604020202020204" pitchFamily="34" charset="0"/>
+              </a:defRPr>
+            </a:lvl8pPr>
+            <a:lvl9pPr eaLnBrk="0" fontAlgn="base" hangingPunct="0">
+              <a:spcBef>
+                <a:spcPct val="0"/>
+              </a:spcBef>
+              <a:spcAft>
+                <a:spcPct val="0"/>
+              </a:spcAft>
+              <a:defRPr>
+                <a:solidFill>
+                  <a:schemeClr val="tx1"/>
+                </a:solidFill>
+                <a:latin typeface="Arial" panose="020B0604020202020204" pitchFamily="34" charset="0"/>
+              </a:defRPr>
+            </a:lvl9pPr>
+          </a:lstStyle>
+          <a:p>
+            <a:pPr marL="0" marR="0" lvl="0" indent="0" algn="just" defTabSz="914400" rtl="0" eaLnBrk="0" fontAlgn="base" latinLnBrk="0" hangingPunct="0">
+              <a:lnSpc>
+                <a:spcPct val="100000"/>
+              </a:lnSpc>
+              <a:spcBef>
+                <a:spcPct val="0"/>
+              </a:spcBef>
+              <a:spcAft>
+                <a:spcPct val="0"/>
+              </a:spcAft>
+              <a:buClrTx/>
+              <a:buSzTx/>
+              <a:buFontTx/>
+              <a:buNone/>
+              <a:tabLst/>
+            </a:pPr>
+            <a:r>
+              <a:rPr kumimoji="0" lang="zh-CN" altLang="zh-CN" sz="1200" b="0" i="0" u="none" strike="noStrike" cap="none" normalizeH="0" baseline="0" dirty="0" smtClean="0">
+                <a:ln>
+                  <a:noFill/>
+                </a:ln>
+                <a:solidFill>
+                  <a:srgbClr val="222222"/>
+                </a:solidFill>
+                <a:effectLst/>
+                <a:latin typeface="Arial" panose="020B0604020202020204" pitchFamily="34" charset="0"/>
+                <a:ea typeface="Lucida Grande"/>
+              </a:rPr>
+              <a:t>The built-in function </a:t>
+            </a:r>
+            <a:r>
+              <a:rPr kumimoji="0" lang="zh-CN" altLang="zh-CN" sz="1100" b="0" i="0" u="none" strike="noStrike" cap="none" normalizeH="0" baseline="0" dirty="0" smtClean="0">
+                <a:ln>
+                  <a:noFill/>
+                </a:ln>
+                <a:solidFill>
+                  <a:srgbClr val="6363BB"/>
+                </a:solidFill>
+                <a:effectLst/>
+                <a:latin typeface="Courier New" panose="02070309020205020404" pitchFamily="49" charset="0"/>
+                <a:ea typeface="Lucida Grande"/>
+                <a:cs typeface="Courier New" panose="02070309020205020404" pitchFamily="49" charset="0"/>
+                <a:hlinkClick r:id="rId2" tooltip="dir"/>
+              </a:rPr>
+              <a:t>dir()</a:t>
+            </a:r>
+            <a:r>
+              <a:rPr kumimoji="0" lang="zh-CN" altLang="zh-CN" sz="1200" b="0" i="0" u="none" strike="noStrike" cap="none" normalizeH="0" baseline="0" dirty="0" smtClean="0">
+                <a:ln>
+                  <a:noFill/>
+                </a:ln>
+                <a:solidFill>
+                  <a:srgbClr val="222222"/>
+                </a:solidFill>
+                <a:effectLst/>
+                <a:ea typeface="Lucida Grande"/>
+              </a:rPr>
+              <a:t> </a:t>
+            </a:r>
+            <a:r>
+              <a:rPr kumimoji="0" lang="zh-CN" altLang="zh-CN" sz="1200" b="0" i="0" u="none" strike="noStrike" cap="none" normalizeH="0" baseline="0" dirty="0" smtClean="0">
+                <a:ln>
+                  <a:noFill/>
+                </a:ln>
+                <a:solidFill>
+                  <a:srgbClr val="222222"/>
+                </a:solidFill>
+                <a:effectLst/>
+                <a:latin typeface="Arial" panose="020B0604020202020204" pitchFamily="34" charset="0"/>
+                <a:ea typeface="Lucida Grande"/>
+              </a:rPr>
+              <a:t>is used to find out which names a module defines. It returns a sorted list of strings</a:t>
+            </a:r>
+            <a:r>
+              <a:rPr kumimoji="0" lang="zh-CN" altLang="zh-CN" sz="800" b="0" i="0" u="none" strike="noStrike" cap="none" normalizeH="0" baseline="0" dirty="0" smtClean="0">
+                <a:ln>
+                  <a:noFill/>
+                </a:ln>
+                <a:solidFill>
+                  <a:schemeClr val="tx1"/>
+                </a:solidFill>
+                <a:effectLst/>
+                <a:latin typeface="Arial" panose="020B0604020202020204" pitchFamily="34" charset="0"/>
+              </a:rPr>
+              <a:t> </a:t>
+            </a:r>
+            <a:endParaRPr kumimoji="0" lang="zh-CN" altLang="zh-CN" sz="1800" b="0" i="0" u="none" strike="noStrike" cap="none" normalizeH="0" baseline="0" dirty="0" smtClean="0">
+              <a:ln>
+                <a:noFill/>
+              </a:ln>
+              <a:solidFill>
+                <a:schemeClr val="tx1"/>
+              </a:solidFill>
+              <a:effectLst/>
+              <a:latin typeface="Arial" panose="020B0604020202020204" pitchFamily="34" charset="0"/>
+            </a:endParaRPr>
+          </a:p>
+        </p:txBody>
+      </p:sp>
+      <p:sp>
+        <p:nvSpPr>
+          <p:cNvPr id="3" name="Rectangle 2"/>
+          <p:cNvSpPr>
+            <a:spLocks noChangeArrowheads="1"/>
+          </p:cNvSpPr>
+          <p:nvPr/>
+        </p:nvSpPr>
+        <p:spPr bwMode="auto">
+          <a:xfrm>
+            <a:off x="755010" y="1149292"/>
+            <a:ext cx="12192000" cy="0"/>
+          </a:xfrm>
+          <a:prstGeom prst="rect">
+            <a:avLst/>
+          </a:prstGeom>
+          <a:solidFill>
+            <a:srgbClr val="FFFFFF"/>
+          </a:solidFill>
+          <a:ln>
+            <a:noFill/>
+          </a:ln>
+          <a:effectLst/>
+          <a:extLst>
+            <a:ext uri="{91240B29-F687-4F45-9708-019B960494DF}">
+              <a14:hiddenLine xmlns:a14="http://schemas.microsoft.com/office/drawing/2010/main" w="9525">
+                <a:solidFill>
+                  <a:schemeClr val="tx1"/>
+                </a:solidFill>
+                <a:miter lim="800000"/>
+                <a:headEnd/>
+                <a:tailEnd/>
+              </a14:hiddenLine>
+            </a:ext>
+            <a:ext uri="{AF507438-7753-43E0-B8FC-AC1667EBCBE1}">
+              <a14:hiddenEffects xmlns:a14="http://schemas.microsoft.com/office/drawing/2010/main">
+                <a:effectLst>
+                  <a:outerShdw dist="35921" dir="2700000" algn="ctr" rotWithShape="0">
+                    <a:schemeClr val="bg2"/>
+                  </a:outerShdw>
+                </a:effectLst>
+              </a14:hiddenEffects>
+            </a:ext>
+          </a:extLst>
+        </p:spPr>
+        <p:txBody>
+          <a:bodyPr vert="horz" wrap="none" lIns="91440" tIns="45720" rIns="91440" bIns="45720" numCol="1" anchor="ctr" anchorCtr="0" compatLnSpc="1">
+            <a:prstTxWarp prst="textNoShape">
+              <a:avLst/>
+            </a:prstTxWarp>
+            <a:spAutoFit/>
+          </a:bodyPr>
+          <a:lstStyle>
+            <a:lvl1pPr eaLnBrk="0" fontAlgn="base" hangingPunct="0">
+              <a:spcBef>
+                <a:spcPct val="0"/>
+              </a:spcBef>
+              <a:spcAft>
+                <a:spcPct val="0"/>
+              </a:spcAft>
+              <a:defRPr>
+                <a:solidFill>
+                  <a:schemeClr val="tx1"/>
+                </a:solidFill>
+                <a:latin typeface="Arial" panose="020B0604020202020204" pitchFamily="34" charset="0"/>
+              </a:defRPr>
+            </a:lvl1pPr>
+            <a:lvl2pPr eaLnBrk="0" fontAlgn="base" hangingPunct="0">
+              <a:spcBef>
+                <a:spcPct val="0"/>
+              </a:spcBef>
+              <a:spcAft>
+                <a:spcPct val="0"/>
+              </a:spcAft>
+              <a:defRPr>
+                <a:solidFill>
+                  <a:schemeClr val="tx1"/>
+                </a:solidFill>
+                <a:latin typeface="Arial" panose="020B0604020202020204" pitchFamily="34" charset="0"/>
+              </a:defRPr>
+            </a:lvl2pPr>
+            <a:lvl3pPr eaLnBrk="0" fontAlgn="base" hangingPunct="0">
+              <a:spcBef>
+                <a:spcPct val="0"/>
+              </a:spcBef>
+              <a:spcAft>
+                <a:spcPct val="0"/>
+              </a:spcAft>
+              <a:defRPr>
+                <a:solidFill>
+                  <a:schemeClr val="tx1"/>
+                </a:solidFill>
+                <a:latin typeface="Arial" panose="020B0604020202020204" pitchFamily="34" charset="0"/>
+              </a:defRPr>
+            </a:lvl3pPr>
+            <a:lvl4pPr eaLnBrk="0" fontAlgn="base" hangingPunct="0">
+              <a:spcBef>
+                <a:spcPct val="0"/>
+              </a:spcBef>
+              <a:spcAft>
+                <a:spcPct val="0"/>
+              </a:spcAft>
+              <a:defRPr>
+                <a:solidFill>
+                  <a:schemeClr val="tx1"/>
+                </a:solidFill>
+                <a:latin typeface="Arial" panose="020B0604020202020204" pitchFamily="34" charset="0"/>
+              </a:defRPr>
+            </a:lvl4pPr>
+            <a:lvl5pPr eaLnBrk="0" fontAlgn="base" hangingPunct="0">
+              <a:spcBef>
+                <a:spcPct val="0"/>
+              </a:spcBef>
+              <a:spcAft>
+                <a:spcPct val="0"/>
+              </a:spcAft>
+              <a:defRPr>
+                <a:solidFill>
+                  <a:schemeClr val="tx1"/>
+                </a:solidFill>
+                <a:latin typeface="Arial" panose="020B0604020202020204" pitchFamily="34" charset="0"/>
+              </a:defRPr>
+            </a:lvl5pPr>
+            <a:lvl6pPr eaLnBrk="0" fontAlgn="base" hangingPunct="0">
+              <a:spcBef>
+                <a:spcPct val="0"/>
+              </a:spcBef>
+              <a:spcAft>
+                <a:spcPct val="0"/>
+              </a:spcAft>
+              <a:defRPr>
+                <a:solidFill>
+                  <a:schemeClr val="tx1"/>
+                </a:solidFill>
+                <a:latin typeface="Arial" panose="020B0604020202020204" pitchFamily="34" charset="0"/>
+              </a:defRPr>
+            </a:lvl6pPr>
+            <a:lvl7pPr eaLnBrk="0" fontAlgn="base" hangingPunct="0">
+              <a:spcBef>
+                <a:spcPct val="0"/>
+              </a:spcBef>
+              <a:spcAft>
+                <a:spcPct val="0"/>
+              </a:spcAft>
+              <a:defRPr>
+                <a:solidFill>
+                  <a:schemeClr val="tx1"/>
+                </a:solidFill>
+                <a:latin typeface="Arial" panose="020B0604020202020204" pitchFamily="34" charset="0"/>
+              </a:defRPr>
+            </a:lvl7pPr>
+            <a:lvl8pPr eaLnBrk="0" fontAlgn="base" hangingPunct="0">
+              <a:spcBef>
+                <a:spcPct val="0"/>
+              </a:spcBef>
+              <a:spcAft>
+                <a:spcPct val="0"/>
+              </a:spcAft>
+              <a:defRPr>
+                <a:solidFill>
+                  <a:schemeClr val="tx1"/>
+                </a:solidFill>
+                <a:latin typeface="Arial" panose="020B0604020202020204" pitchFamily="34" charset="0"/>
+              </a:defRPr>
+            </a:lvl8pPr>
+            <a:lvl9pPr eaLnBrk="0" fontAlgn="base" hangingPunct="0">
+              <a:spcBef>
+                <a:spcPct val="0"/>
+              </a:spcBef>
+              <a:spcAft>
+                <a:spcPct val="0"/>
+              </a:spcAft>
+              <a:defRPr>
+                <a:solidFill>
+                  <a:schemeClr val="tx1"/>
+                </a:solidFill>
+                <a:latin typeface="Arial" panose="020B0604020202020204" pitchFamily="34" charset="0"/>
+              </a:defRPr>
+            </a:lvl9pPr>
+          </a:lstStyle>
+          <a:p>
+            <a:pPr marL="0" marR="0" lvl="0" indent="0" algn="just" defTabSz="914400" rtl="0" eaLnBrk="0" fontAlgn="base" latinLnBrk="0" hangingPunct="0">
+              <a:lnSpc>
+                <a:spcPct val="100000"/>
+              </a:lnSpc>
+              <a:spcBef>
+                <a:spcPct val="0"/>
+              </a:spcBef>
+              <a:spcAft>
+                <a:spcPct val="0"/>
+              </a:spcAft>
+              <a:buClrTx/>
+              <a:buSzTx/>
+              <a:buFontTx/>
+              <a:buNone/>
+              <a:tabLst/>
+            </a:pPr>
+            <a:r>
+              <a:rPr kumimoji="0" lang="zh-CN" altLang="zh-CN" sz="1200" b="0" i="0" u="none" strike="noStrike" cap="none" normalizeH="0" baseline="0" smtClean="0">
+                <a:ln>
+                  <a:noFill/>
+                </a:ln>
+                <a:solidFill>
+                  <a:srgbClr val="222222"/>
+                </a:solidFill>
+                <a:effectLst/>
+                <a:latin typeface="Arial" panose="020B0604020202020204" pitchFamily="34" charset="0"/>
+                <a:ea typeface="Lucida Grande"/>
+              </a:rPr>
+              <a:t>Without arguments, </a:t>
+            </a:r>
+            <a:r>
+              <a:rPr kumimoji="0" lang="zh-CN" altLang="zh-CN" sz="1100" b="0" i="0" u="none" strike="noStrike" cap="none" normalizeH="0" baseline="0" smtClean="0">
+                <a:ln>
+                  <a:noFill/>
+                </a:ln>
+                <a:solidFill>
+                  <a:srgbClr val="6363BB"/>
+                </a:solidFill>
+                <a:effectLst/>
+                <a:latin typeface="Courier New" panose="02070309020205020404" pitchFamily="49" charset="0"/>
+                <a:ea typeface="Lucida Grande"/>
+                <a:cs typeface="Courier New" panose="02070309020205020404" pitchFamily="49" charset="0"/>
+                <a:hlinkClick r:id="rId2" tooltip="dir"/>
+              </a:rPr>
+              <a:t>dir()</a:t>
+            </a:r>
+            <a:r>
+              <a:rPr kumimoji="0" lang="zh-CN" altLang="zh-CN" sz="1200" b="0" i="0" u="none" strike="noStrike" cap="none" normalizeH="0" baseline="0" smtClean="0">
+                <a:ln>
+                  <a:noFill/>
+                </a:ln>
+                <a:solidFill>
+                  <a:srgbClr val="222222"/>
+                </a:solidFill>
+                <a:effectLst/>
+                <a:ea typeface="Lucida Grande"/>
+              </a:rPr>
+              <a:t> </a:t>
+            </a:r>
+            <a:r>
+              <a:rPr kumimoji="0" lang="zh-CN" altLang="zh-CN" sz="1200" b="0" i="0" u="none" strike="noStrike" cap="none" normalizeH="0" baseline="0" smtClean="0">
+                <a:ln>
+                  <a:noFill/>
+                </a:ln>
+                <a:solidFill>
+                  <a:srgbClr val="222222"/>
+                </a:solidFill>
+                <a:effectLst/>
+                <a:latin typeface="Arial" panose="020B0604020202020204" pitchFamily="34" charset="0"/>
+                <a:ea typeface="Lucida Grande"/>
+              </a:rPr>
+              <a:t>lists the names you have defined currently</a:t>
+            </a:r>
+            <a:r>
+              <a:rPr kumimoji="0" lang="zh-CN" altLang="zh-CN" sz="800" b="0" i="0" u="none" strike="noStrike" cap="none" normalizeH="0" baseline="0" smtClean="0">
+                <a:ln>
+                  <a:noFill/>
+                </a:ln>
+                <a:solidFill>
+                  <a:schemeClr val="tx1"/>
+                </a:solidFill>
+                <a:effectLst/>
+                <a:latin typeface="Arial" panose="020B0604020202020204" pitchFamily="34" charset="0"/>
+              </a:rPr>
+              <a:t> </a:t>
+            </a:r>
+            <a:endParaRPr kumimoji="0" lang="zh-CN" altLang="zh-CN" sz="1800" b="0" i="0" u="none" strike="noStrike" cap="none" normalizeH="0" baseline="0" smtClean="0">
+              <a:ln>
+                <a:noFill/>
+              </a:ln>
+              <a:solidFill>
+                <a:schemeClr val="tx1"/>
+              </a:solidFill>
+              <a:effectLst/>
+              <a:latin typeface="Arial" panose="020B0604020202020204" pitchFamily="34" charset="0"/>
+            </a:endParaRPr>
+          </a:p>
+        </p:txBody>
+      </p:sp>
+      <p:pic>
+        <p:nvPicPr>
+          <p:cNvPr id="4" name="图片 3"/>
+          <p:cNvPicPr>
+            <a:picLocks noChangeAspect="1"/>
+          </p:cNvPicPr>
+          <p:nvPr/>
+        </p:nvPicPr>
+        <p:blipFill>
+          <a:blip r:embed="rId3"/>
+          <a:stretch>
+            <a:fillRect/>
+          </a:stretch>
+        </p:blipFill>
+        <p:spPr>
+          <a:xfrm>
+            <a:off x="755010" y="1686799"/>
+            <a:ext cx="10968516" cy="1182235"/>
+          </a:xfrm>
+          <a:prstGeom prst="rect">
+            <a:avLst/>
+          </a:prstGeom>
+        </p:spPr>
+      </p:pic>
+      <p:sp>
+        <p:nvSpPr>
+          <p:cNvPr id="5" name="文本框 4"/>
+          <p:cNvSpPr txBox="1"/>
+          <p:nvPr/>
+        </p:nvSpPr>
+        <p:spPr>
+          <a:xfrm>
+            <a:off x="755010" y="3607266"/>
+            <a:ext cx="1325460" cy="369332"/>
+          </a:xfrm>
+          <a:prstGeom prst="rect">
+            <a:avLst/>
+          </a:prstGeom>
+          <a:noFill/>
+        </p:spPr>
+        <p:txBody>
+          <a:bodyPr wrap="square" rtlCol="0">
+            <a:spAutoFit/>
+          </a:bodyPr>
+          <a:lstStyle/>
+          <a:p>
+            <a:r>
+              <a:rPr lang="zh-CN" altLang="en-US" dirty="0" smtClean="0"/>
+              <a:t>包</a:t>
+            </a:r>
+            <a:endParaRPr lang="zh-CN" altLang="en-US" dirty="0"/>
+          </a:p>
+        </p:txBody>
+      </p:sp>
+      <p:sp>
+        <p:nvSpPr>
+          <p:cNvPr id="6" name="Rectangle 3"/>
+          <p:cNvSpPr>
+            <a:spLocks noChangeArrowheads="1"/>
+          </p:cNvSpPr>
+          <p:nvPr/>
+        </p:nvSpPr>
+        <p:spPr bwMode="auto">
+          <a:xfrm>
+            <a:off x="755010" y="4353886"/>
+            <a:ext cx="12192000" cy="0"/>
+          </a:xfrm>
+          <a:prstGeom prst="rect">
+            <a:avLst/>
+          </a:prstGeom>
+          <a:solidFill>
+            <a:srgbClr val="ECF0F3"/>
+          </a:solidFill>
+          <a:ln>
+            <a:noFill/>
+          </a:ln>
+          <a:effectLst/>
+          <a:extLst>
+            <a:ext uri="{91240B29-F687-4F45-9708-019B960494DF}">
+              <a14:hiddenLine xmlns:a14="http://schemas.microsoft.com/office/drawing/2010/main" w="9525">
+                <a:solidFill>
+                  <a:schemeClr val="tx1"/>
+                </a:solidFill>
+                <a:miter lim="800000"/>
+                <a:headEnd/>
+                <a:tailEnd/>
+              </a14:hiddenLine>
+            </a:ext>
+            <a:ext uri="{AF507438-7753-43E0-B8FC-AC1667EBCBE1}">
+              <a14:hiddenEffects xmlns:a14="http://schemas.microsoft.com/office/drawing/2010/main">
+                <a:effectLst>
+                  <a:outerShdw dist="35921" dir="2700000" algn="ctr" rotWithShape="0">
+                    <a:schemeClr val="bg2"/>
+                  </a:outerShdw>
+                </a:effectLst>
+              </a14:hiddenEffects>
+            </a:ext>
+          </a:extLst>
+        </p:spPr>
+        <p:txBody>
+          <a:bodyPr vert="horz" wrap="none" lIns="91440" tIns="45720" rIns="91440" bIns="45720" numCol="1" anchor="ctr" anchorCtr="0" compatLnSpc="1">
+            <a:prstTxWarp prst="textNoShape">
+              <a:avLst/>
+            </a:prstTxWarp>
+            <a:spAutoFit/>
+          </a:bodyPr>
+          <a:lstStyle>
+            <a:lvl1pPr eaLnBrk="0" fontAlgn="base" hangingPunct="0">
+              <a:spcBef>
+                <a:spcPct val="0"/>
+              </a:spcBef>
+              <a:spcAft>
+                <a:spcPct val="0"/>
+              </a:spcAft>
+              <a:defRPr>
+                <a:solidFill>
+                  <a:schemeClr val="tx1"/>
+                </a:solidFill>
+                <a:latin typeface="Arial" panose="020B0604020202020204" pitchFamily="34" charset="0"/>
+              </a:defRPr>
+            </a:lvl1pPr>
+            <a:lvl2pPr eaLnBrk="0" fontAlgn="base" hangingPunct="0">
+              <a:spcBef>
+                <a:spcPct val="0"/>
+              </a:spcBef>
+              <a:spcAft>
+                <a:spcPct val="0"/>
+              </a:spcAft>
+              <a:defRPr>
+                <a:solidFill>
+                  <a:schemeClr val="tx1"/>
+                </a:solidFill>
+                <a:latin typeface="Arial" panose="020B0604020202020204" pitchFamily="34" charset="0"/>
+              </a:defRPr>
+            </a:lvl2pPr>
+            <a:lvl3pPr eaLnBrk="0" fontAlgn="base" hangingPunct="0">
+              <a:spcBef>
+                <a:spcPct val="0"/>
+              </a:spcBef>
+              <a:spcAft>
+                <a:spcPct val="0"/>
+              </a:spcAft>
+              <a:defRPr>
+                <a:solidFill>
+                  <a:schemeClr val="tx1"/>
+                </a:solidFill>
+                <a:latin typeface="Arial" panose="020B0604020202020204" pitchFamily="34" charset="0"/>
+              </a:defRPr>
+            </a:lvl3pPr>
+            <a:lvl4pPr eaLnBrk="0" fontAlgn="base" hangingPunct="0">
+              <a:spcBef>
+                <a:spcPct val="0"/>
+              </a:spcBef>
+              <a:spcAft>
+                <a:spcPct val="0"/>
+              </a:spcAft>
+              <a:defRPr>
+                <a:solidFill>
+                  <a:schemeClr val="tx1"/>
+                </a:solidFill>
+                <a:latin typeface="Arial" panose="020B0604020202020204" pitchFamily="34" charset="0"/>
+              </a:defRPr>
+            </a:lvl4pPr>
+            <a:lvl5pPr eaLnBrk="0" fontAlgn="base" hangingPunct="0">
+              <a:spcBef>
+                <a:spcPct val="0"/>
+              </a:spcBef>
+              <a:spcAft>
+                <a:spcPct val="0"/>
+              </a:spcAft>
+              <a:defRPr>
+                <a:solidFill>
+                  <a:schemeClr val="tx1"/>
+                </a:solidFill>
+                <a:latin typeface="Arial" panose="020B0604020202020204" pitchFamily="34" charset="0"/>
+              </a:defRPr>
+            </a:lvl5pPr>
+            <a:lvl6pPr eaLnBrk="0" fontAlgn="base" hangingPunct="0">
+              <a:spcBef>
+                <a:spcPct val="0"/>
+              </a:spcBef>
+              <a:spcAft>
+                <a:spcPct val="0"/>
+              </a:spcAft>
+              <a:defRPr>
+                <a:solidFill>
+                  <a:schemeClr val="tx1"/>
+                </a:solidFill>
+                <a:latin typeface="Arial" panose="020B0604020202020204" pitchFamily="34" charset="0"/>
+              </a:defRPr>
+            </a:lvl6pPr>
+            <a:lvl7pPr eaLnBrk="0" fontAlgn="base" hangingPunct="0">
+              <a:spcBef>
+                <a:spcPct val="0"/>
+              </a:spcBef>
+              <a:spcAft>
+                <a:spcPct val="0"/>
+              </a:spcAft>
+              <a:defRPr>
+                <a:solidFill>
+                  <a:schemeClr val="tx1"/>
+                </a:solidFill>
+                <a:latin typeface="Arial" panose="020B0604020202020204" pitchFamily="34" charset="0"/>
+              </a:defRPr>
+            </a:lvl7pPr>
+            <a:lvl8pPr eaLnBrk="0" fontAlgn="base" hangingPunct="0">
+              <a:spcBef>
+                <a:spcPct val="0"/>
+              </a:spcBef>
+              <a:spcAft>
+                <a:spcPct val="0"/>
+              </a:spcAft>
+              <a:defRPr>
+                <a:solidFill>
+                  <a:schemeClr val="tx1"/>
+                </a:solidFill>
+                <a:latin typeface="Arial" panose="020B0604020202020204" pitchFamily="34" charset="0"/>
+              </a:defRPr>
+            </a:lvl8pPr>
+            <a:lvl9pPr eaLnBrk="0" fontAlgn="base" hangingPunct="0">
+              <a:spcBef>
+                <a:spcPct val="0"/>
+              </a:spcBef>
+              <a:spcAft>
+                <a:spcPct val="0"/>
+              </a:spcAft>
+              <a:defRPr>
+                <a:solidFill>
+                  <a:schemeClr val="tx1"/>
+                </a:solidFill>
+                <a:latin typeface="Arial" panose="020B0604020202020204" pitchFamily="34" charset="0"/>
+              </a:defRPr>
+            </a:lvl9pPr>
+          </a:lstStyle>
+          <a:p>
+            <a:pPr marL="0" marR="0" lvl="0" indent="0" algn="just" defTabSz="914400" rtl="0" eaLnBrk="0" fontAlgn="base" latinLnBrk="0" hangingPunct="0">
+              <a:lnSpc>
+                <a:spcPct val="100000"/>
+              </a:lnSpc>
+              <a:spcBef>
+                <a:spcPct val="0"/>
+              </a:spcBef>
+              <a:spcAft>
+                <a:spcPct val="0"/>
+              </a:spcAft>
+              <a:buClrTx/>
+              <a:buSzTx/>
+              <a:buFontTx/>
+              <a:buNone/>
+              <a:tabLst/>
+            </a:pPr>
+            <a:r>
+              <a:rPr kumimoji="0" lang="zh-CN" altLang="zh-CN" sz="1200" b="0" i="0" u="none" strike="noStrike" cap="none" normalizeH="0" baseline="0" smtClean="0">
+                <a:ln>
+                  <a:noFill/>
+                </a:ln>
+                <a:solidFill>
+                  <a:srgbClr val="222222"/>
+                </a:solidFill>
+                <a:effectLst/>
+                <a:latin typeface="Arial" panose="020B0604020202020204" pitchFamily="34" charset="0"/>
+                <a:ea typeface="Lucida Grande"/>
+              </a:rPr>
+              <a:t>The </a:t>
+            </a:r>
+            <a:r>
+              <a:rPr kumimoji="0" lang="zh-CN" altLang="zh-CN" sz="1100" b="0" i="0" u="none" strike="noStrike" cap="none" normalizeH="0" baseline="0" smtClean="0">
+                <a:ln>
+                  <a:noFill/>
+                </a:ln>
+                <a:solidFill>
+                  <a:srgbClr val="222222"/>
+                </a:solidFill>
+                <a:effectLst/>
+                <a:latin typeface="Courier New" panose="02070309020205020404" pitchFamily="49" charset="0"/>
+                <a:cs typeface="Courier New" panose="02070309020205020404" pitchFamily="49" charset="0"/>
+              </a:rPr>
+              <a:t>__init__.py</a:t>
+            </a:r>
+            <a:r>
+              <a:rPr kumimoji="0" lang="zh-CN" altLang="zh-CN" sz="1200" b="0" i="0" u="none" strike="noStrike" cap="none" normalizeH="0" baseline="0" smtClean="0">
+                <a:ln>
+                  <a:noFill/>
+                </a:ln>
+                <a:solidFill>
+                  <a:srgbClr val="222222"/>
+                </a:solidFill>
+                <a:effectLst/>
+                <a:ea typeface="Lucida Grande"/>
+              </a:rPr>
+              <a:t> </a:t>
+            </a:r>
+            <a:r>
+              <a:rPr kumimoji="0" lang="zh-CN" altLang="zh-CN" sz="1200" b="0" i="0" u="none" strike="noStrike" cap="none" normalizeH="0" baseline="0" smtClean="0">
+                <a:ln>
+                  <a:noFill/>
+                </a:ln>
+                <a:solidFill>
+                  <a:srgbClr val="222222"/>
+                </a:solidFill>
+                <a:effectLst/>
+                <a:latin typeface="Arial" panose="020B0604020202020204" pitchFamily="34" charset="0"/>
+                <a:ea typeface="Lucida Grande"/>
+              </a:rPr>
+              <a:t>files are required to make Python treat the directories as containing packages</a:t>
+            </a:r>
+            <a:r>
+              <a:rPr kumimoji="0" lang="zh-CN" altLang="zh-CN" sz="800" b="0" i="0" u="none" strike="noStrike" cap="none" normalizeH="0" baseline="0" smtClean="0">
+                <a:ln>
+                  <a:noFill/>
+                </a:ln>
+                <a:solidFill>
+                  <a:schemeClr val="tx1"/>
+                </a:solidFill>
+                <a:effectLst/>
+                <a:latin typeface="Arial" panose="020B0604020202020204" pitchFamily="34" charset="0"/>
+              </a:rPr>
+              <a:t> </a:t>
+            </a:r>
+            <a:endParaRPr kumimoji="0" lang="zh-CN" altLang="zh-CN" sz="1800" b="0" i="0" u="none" strike="noStrike" cap="none" normalizeH="0" baseline="0" smtClean="0">
+              <a:ln>
+                <a:noFill/>
+              </a:ln>
+              <a:solidFill>
+                <a:schemeClr val="tx1"/>
+              </a:solidFill>
+              <a:effectLst/>
+              <a:latin typeface="Arial" panose="020B0604020202020204" pitchFamily="34" charset="0"/>
+            </a:endParaRPr>
+          </a:p>
+        </p:txBody>
+      </p:sp>
+      <p:pic>
+        <p:nvPicPr>
+          <p:cNvPr id="7" name="图片 6"/>
+          <p:cNvPicPr>
+            <a:picLocks noChangeAspect="1"/>
+          </p:cNvPicPr>
+          <p:nvPr/>
+        </p:nvPicPr>
+        <p:blipFill>
+          <a:blip r:embed="rId4"/>
+          <a:stretch>
+            <a:fillRect/>
+          </a:stretch>
+        </p:blipFill>
+        <p:spPr>
+          <a:xfrm>
+            <a:off x="755010" y="4748170"/>
+            <a:ext cx="11307288" cy="895254"/>
+          </a:xfrm>
+          <a:prstGeom prst="rect">
+            <a:avLst/>
+          </a:prstGeom>
+        </p:spPr>
+      </p:pic>
+    </p:spTree>
+    <p:extLst>
+      <p:ext uri="{BB962C8B-B14F-4D97-AF65-F5344CB8AC3E}">
+        <p14:creationId xmlns:p14="http://schemas.microsoft.com/office/powerpoint/2010/main" val="2894264433"/>
+      </p:ext>
+    </p:extLst>
+  </p:cSld>
+  <p:clrMapOvr>
+    <a:masterClrMapping/>
+  </p:clrMapOvr>
+</p:sld>
+</file>
+
+<file path=ppt/slides/slide21.xml><?xml version="1.0" encoding="utf-8"?>
+<p:sld xmlns:a="http://schemas.openxmlformats.org/drawingml/2006/main" xmlns:r="http://schemas.openxmlformats.org/officeDocument/2006/relationships" xmlns:p="http://schemas.openxmlformats.org/presentationml/2006/main">
+  <p:cSld>
+    <p:spTree>
+      <p:nvGrpSpPr>
+        <p:cNvPr id="1" name=""/>
+        <p:cNvGrpSpPr/>
+        <p:nvPr/>
+      </p:nvGrpSpPr>
+      <p:grpSpPr>
+        <a:xfrm>
+          <a:off x="0" y="0"/>
+          <a:ext cx="0" cy="0"/>
+          <a:chOff x="0" y="0"/>
+          <a:chExt cx="0" cy="0"/>
+        </a:xfrm>
+      </p:grpSpPr>
+      <p:pic>
+        <p:nvPicPr>
+          <p:cNvPr id="2" name="图片 1"/>
+          <p:cNvPicPr>
+            <a:picLocks noChangeAspect="1"/>
+          </p:cNvPicPr>
+          <p:nvPr/>
+        </p:nvPicPr>
+        <p:blipFill>
+          <a:blip r:embed="rId2"/>
+          <a:stretch>
+            <a:fillRect/>
+          </a:stretch>
+        </p:blipFill>
+        <p:spPr>
+          <a:xfrm>
+            <a:off x="464922" y="424708"/>
+            <a:ext cx="11414096" cy="1655307"/>
+          </a:xfrm>
+          <a:prstGeom prst="rect">
+            <a:avLst/>
+          </a:prstGeom>
+        </p:spPr>
+      </p:pic>
+      <p:pic>
+        <p:nvPicPr>
+          <p:cNvPr id="3" name="图片 2"/>
+          <p:cNvPicPr>
+            <a:picLocks noChangeAspect="1"/>
+          </p:cNvPicPr>
+          <p:nvPr/>
+        </p:nvPicPr>
+        <p:blipFill>
+          <a:blip r:embed="rId3"/>
+          <a:stretch>
+            <a:fillRect/>
+          </a:stretch>
+        </p:blipFill>
+        <p:spPr>
+          <a:xfrm>
+            <a:off x="464922" y="2880099"/>
+            <a:ext cx="11414096" cy="1543463"/>
+          </a:xfrm>
+          <a:prstGeom prst="rect">
+            <a:avLst/>
+          </a:prstGeom>
+        </p:spPr>
+      </p:pic>
+    </p:spTree>
+    <p:extLst>
+      <p:ext uri="{BB962C8B-B14F-4D97-AF65-F5344CB8AC3E}">
+        <p14:creationId xmlns:p14="http://schemas.microsoft.com/office/powerpoint/2010/main" val="220274263"/>
+      </p:ext>
+    </p:extLst>
+  </p:cSld>
+  <p:clrMapOvr>
+    <a:masterClrMapping/>
+  </p:clrMapOvr>
+</p:sld>
+</file>
+
+<file path=ppt/slides/slide22.xml><?xml version="1.0" encoding="utf-8"?>
+<p:sld xmlns:a="http://schemas.openxmlformats.org/drawingml/2006/main" xmlns:r="http://schemas.openxmlformats.org/officeDocument/2006/relationships" xmlns:p="http://schemas.openxmlformats.org/presentationml/2006/main">
+  <p:cSld>
+    <p:spTree>
+      <p:nvGrpSpPr>
+        <p:cNvPr id="1" name=""/>
+        <p:cNvGrpSpPr/>
+        <p:nvPr/>
+      </p:nvGrpSpPr>
+      <p:grpSpPr>
+        <a:xfrm>
+          <a:off x="0" y="0"/>
+          <a:ext cx="0" cy="0"/>
+          <a:chOff x="0" y="0"/>
+          <a:chExt cx="0" cy="0"/>
+        </a:xfrm>
+      </p:grpSpPr>
+      <p:sp>
+        <p:nvSpPr>
+          <p:cNvPr id="2" name="标题 1"/>
+          <p:cNvSpPr>
+            <a:spLocks noGrp="1"/>
+          </p:cNvSpPr>
+          <p:nvPr>
+            <p:ph type="title"/>
+          </p:nvPr>
+        </p:nvSpPr>
+        <p:spPr/>
+        <p:txBody>
+          <a:bodyPr/>
+          <a:lstStyle/>
+          <a:p>
+            <a:r>
+              <a:rPr lang="en-US" altLang="zh-CN" dirty="0"/>
+              <a:t>Input and Output</a:t>
+            </a:r>
+            <a:br>
+              <a:rPr lang="en-US" altLang="zh-CN" dirty="0"/>
+            </a:br>
+            <a:endParaRPr lang="zh-CN" altLang="en-US" dirty="0"/>
+          </a:p>
+        </p:txBody>
+      </p:sp>
+      <p:pic>
+        <p:nvPicPr>
+          <p:cNvPr id="4" name="图片 3"/>
+          <p:cNvPicPr>
+            <a:picLocks noChangeAspect="1"/>
+          </p:cNvPicPr>
+          <p:nvPr/>
+        </p:nvPicPr>
+        <p:blipFill>
+          <a:blip r:embed="rId2"/>
+          <a:stretch>
+            <a:fillRect/>
+          </a:stretch>
+        </p:blipFill>
+        <p:spPr>
+          <a:xfrm>
+            <a:off x="419449" y="1514004"/>
+            <a:ext cx="11574544" cy="1251719"/>
+          </a:xfrm>
+          <a:prstGeom prst="rect">
+            <a:avLst/>
+          </a:prstGeom>
+        </p:spPr>
+      </p:pic>
+      <p:pic>
+        <p:nvPicPr>
+          <p:cNvPr id="5" name="图片 4"/>
+          <p:cNvPicPr>
+            <a:picLocks noChangeAspect="1"/>
+          </p:cNvPicPr>
+          <p:nvPr/>
+        </p:nvPicPr>
+        <p:blipFill>
+          <a:blip r:embed="rId3"/>
+          <a:stretch>
+            <a:fillRect/>
+          </a:stretch>
+        </p:blipFill>
+        <p:spPr>
+          <a:xfrm>
+            <a:off x="419449" y="2811451"/>
+            <a:ext cx="3444372" cy="1236055"/>
+          </a:xfrm>
+          <a:prstGeom prst="rect">
+            <a:avLst/>
+          </a:prstGeom>
+        </p:spPr>
+      </p:pic>
+      <p:pic>
+        <p:nvPicPr>
+          <p:cNvPr id="6" name="图片 5"/>
+          <p:cNvPicPr>
+            <a:picLocks noChangeAspect="1"/>
+          </p:cNvPicPr>
+          <p:nvPr/>
+        </p:nvPicPr>
+        <p:blipFill>
+          <a:blip r:embed="rId4"/>
+          <a:stretch>
+            <a:fillRect/>
+          </a:stretch>
+        </p:blipFill>
+        <p:spPr>
+          <a:xfrm>
+            <a:off x="4672668" y="2839567"/>
+            <a:ext cx="6492697" cy="1179824"/>
+          </a:xfrm>
+          <a:prstGeom prst="rect">
+            <a:avLst/>
+          </a:prstGeom>
+        </p:spPr>
+      </p:pic>
+      <p:pic>
+        <p:nvPicPr>
+          <p:cNvPr id="7" name="图片 6"/>
+          <p:cNvPicPr>
+            <a:picLocks noChangeAspect="1"/>
+          </p:cNvPicPr>
+          <p:nvPr/>
+        </p:nvPicPr>
+        <p:blipFill>
+          <a:blip r:embed="rId5"/>
+          <a:stretch>
+            <a:fillRect/>
+          </a:stretch>
+        </p:blipFill>
+        <p:spPr>
+          <a:xfrm>
+            <a:off x="419449" y="4243842"/>
+            <a:ext cx="7798111" cy="2577393"/>
+          </a:xfrm>
+          <a:prstGeom prst="rect">
+            <a:avLst/>
+          </a:prstGeom>
+        </p:spPr>
+      </p:pic>
+    </p:spTree>
+    <p:extLst>
+      <p:ext uri="{BB962C8B-B14F-4D97-AF65-F5344CB8AC3E}">
+        <p14:creationId xmlns:p14="http://schemas.microsoft.com/office/powerpoint/2010/main" val="4039204277"/>
+      </p:ext>
+    </p:extLst>
+  </p:cSld>
+  <p:clrMapOvr>
+    <a:masterClrMapping/>
+  </p:clrMapOvr>
+</p:sld>
+</file>
+
+<file path=ppt/slides/slide23.xml><?xml version="1.0" encoding="utf-8"?>
+<p:sld xmlns:a="http://schemas.openxmlformats.org/drawingml/2006/main" xmlns:r="http://schemas.openxmlformats.org/officeDocument/2006/relationships" xmlns:p="http://schemas.openxmlformats.org/presentationml/2006/main">
+  <p:cSld>
+    <p:spTree>
+      <p:nvGrpSpPr>
+        <p:cNvPr id="1" name=""/>
+        <p:cNvGrpSpPr/>
+        <p:nvPr/>
+      </p:nvGrpSpPr>
+      <p:grpSpPr>
+        <a:xfrm>
+          <a:off x="0" y="0"/>
+          <a:ext cx="0" cy="0"/>
+          <a:chOff x="0" y="0"/>
+          <a:chExt cx="0" cy="0"/>
+        </a:xfrm>
+      </p:grpSpPr>
+      <p:pic>
+        <p:nvPicPr>
+          <p:cNvPr id="2" name="图片 1"/>
+          <p:cNvPicPr>
+            <a:picLocks noChangeAspect="1"/>
+          </p:cNvPicPr>
+          <p:nvPr/>
+        </p:nvPicPr>
+        <p:blipFill>
+          <a:blip r:embed="rId2"/>
+          <a:stretch>
+            <a:fillRect/>
+          </a:stretch>
+        </p:blipFill>
+        <p:spPr>
+          <a:xfrm>
+            <a:off x="1140903" y="326236"/>
+            <a:ext cx="8859076" cy="2898710"/>
+          </a:xfrm>
+          <a:prstGeom prst="rect">
+            <a:avLst/>
+          </a:prstGeom>
+        </p:spPr>
+      </p:pic>
+      <p:pic>
+        <p:nvPicPr>
+          <p:cNvPr id="3" name="图片 2"/>
+          <p:cNvPicPr>
+            <a:picLocks noChangeAspect="1"/>
+          </p:cNvPicPr>
+          <p:nvPr/>
+        </p:nvPicPr>
+        <p:blipFill>
+          <a:blip r:embed="rId3"/>
+          <a:stretch>
+            <a:fillRect/>
+          </a:stretch>
+        </p:blipFill>
+        <p:spPr>
+          <a:xfrm>
+            <a:off x="1082180" y="3821105"/>
+            <a:ext cx="10518201" cy="1913147"/>
+          </a:xfrm>
+          <a:prstGeom prst="rect">
+            <a:avLst/>
+          </a:prstGeom>
+        </p:spPr>
+      </p:pic>
+    </p:spTree>
+    <p:extLst>
+      <p:ext uri="{BB962C8B-B14F-4D97-AF65-F5344CB8AC3E}">
+        <p14:creationId xmlns:p14="http://schemas.microsoft.com/office/powerpoint/2010/main" val="2263823801"/>
+      </p:ext>
+    </p:extLst>
+  </p:cSld>
+  <p:clrMapOvr>
+    <a:masterClrMapping/>
+  </p:clrMapOvr>
+</p:sld>
+</file>
+
+<file path=ppt/slides/slide24.xml><?xml version="1.0" encoding="utf-8"?>
+<p:sld xmlns:a="http://schemas.openxmlformats.org/drawingml/2006/main" xmlns:r="http://schemas.openxmlformats.org/officeDocument/2006/relationships" xmlns:p="http://schemas.openxmlformats.org/presentationml/2006/main">
+  <p:cSld>
+    <p:spTree>
+      <p:nvGrpSpPr>
+        <p:cNvPr id="1" name=""/>
+        <p:cNvGrpSpPr/>
+        <p:nvPr/>
+      </p:nvGrpSpPr>
+      <p:grpSpPr>
+        <a:xfrm>
+          <a:off x="0" y="0"/>
+          <a:ext cx="0" cy="0"/>
+          <a:chOff x="0" y="0"/>
+          <a:chExt cx="0" cy="0"/>
+        </a:xfrm>
+      </p:grpSpPr>
+      <p:sp>
+        <p:nvSpPr>
+          <p:cNvPr id="2" name="标题 1"/>
+          <p:cNvSpPr>
+            <a:spLocks noGrp="1"/>
+          </p:cNvSpPr>
+          <p:nvPr>
+            <p:ph type="title"/>
+          </p:nvPr>
+        </p:nvSpPr>
+        <p:spPr/>
+        <p:txBody>
+          <a:bodyPr/>
+          <a:lstStyle/>
+          <a:p>
+            <a:r>
+              <a:rPr lang="en-US" altLang="zh-CN" dirty="0"/>
+              <a:t>Errors and Exceptions</a:t>
+            </a:r>
+            <a:br>
+              <a:rPr lang="en-US" altLang="zh-CN" dirty="0"/>
+            </a:br>
+            <a:endParaRPr lang="zh-CN" altLang="en-US" dirty="0"/>
+          </a:p>
+        </p:txBody>
+      </p:sp>
+      <p:pic>
+        <p:nvPicPr>
+          <p:cNvPr id="4" name="图片 3"/>
+          <p:cNvPicPr>
+            <a:picLocks noChangeAspect="1"/>
+          </p:cNvPicPr>
+          <p:nvPr/>
+        </p:nvPicPr>
+        <p:blipFill>
+          <a:blip r:embed="rId2"/>
+          <a:stretch>
+            <a:fillRect/>
+          </a:stretch>
+        </p:blipFill>
+        <p:spPr>
+          <a:xfrm>
+            <a:off x="620784" y="1266346"/>
+            <a:ext cx="9207041" cy="4569784"/>
+          </a:xfrm>
+          <a:prstGeom prst="rect">
+            <a:avLst/>
+          </a:prstGeom>
+        </p:spPr>
+      </p:pic>
+    </p:spTree>
+    <p:extLst>
+      <p:ext uri="{BB962C8B-B14F-4D97-AF65-F5344CB8AC3E}">
+        <p14:creationId xmlns:p14="http://schemas.microsoft.com/office/powerpoint/2010/main" val="2411727838"/>
+      </p:ext>
+    </p:extLst>
+  </p:cSld>
+  <p:clrMapOvr>
+    <a:masterClrMapping/>
+  </p:clrMapOvr>
+</p:sld>
+</file>
+
+<file path=ppt/slides/slide25.xml><?xml version="1.0" encoding="utf-8"?>
+<p:sld xmlns:a="http://schemas.openxmlformats.org/drawingml/2006/main" xmlns:r="http://schemas.openxmlformats.org/officeDocument/2006/relationships" xmlns:p="http://schemas.openxmlformats.org/presentationml/2006/main">
+  <p:cSld>
+    <p:spTree>
+      <p:nvGrpSpPr>
+        <p:cNvPr id="1" name=""/>
+        <p:cNvGrpSpPr/>
+        <p:nvPr/>
+      </p:nvGrpSpPr>
+      <p:grpSpPr>
+        <a:xfrm>
+          <a:off x="0" y="0"/>
+          <a:ext cx="0" cy="0"/>
+          <a:chOff x="0" y="0"/>
+          <a:chExt cx="0" cy="0"/>
+        </a:xfrm>
+      </p:grpSpPr>
+      <p:pic>
+        <p:nvPicPr>
+          <p:cNvPr id="2" name="图片 1"/>
+          <p:cNvPicPr>
+            <a:picLocks noChangeAspect="1"/>
+          </p:cNvPicPr>
+          <p:nvPr/>
+        </p:nvPicPr>
+        <p:blipFill>
+          <a:blip r:embed="rId2"/>
+          <a:stretch>
+            <a:fillRect/>
+          </a:stretch>
+        </p:blipFill>
+        <p:spPr>
+          <a:xfrm>
+            <a:off x="822120" y="457657"/>
+            <a:ext cx="8533263" cy="3951199"/>
+          </a:xfrm>
+          <a:prstGeom prst="rect">
+            <a:avLst/>
+          </a:prstGeom>
+        </p:spPr>
+      </p:pic>
+      <p:pic>
+        <p:nvPicPr>
+          <p:cNvPr id="3" name="图片 2"/>
+          <p:cNvPicPr>
+            <a:picLocks noChangeAspect="1"/>
+          </p:cNvPicPr>
+          <p:nvPr/>
+        </p:nvPicPr>
+        <p:blipFill>
+          <a:blip r:embed="rId3"/>
+          <a:stretch>
+            <a:fillRect/>
+          </a:stretch>
+        </p:blipFill>
+        <p:spPr>
+          <a:xfrm>
+            <a:off x="931176" y="4293822"/>
+            <a:ext cx="4799012" cy="2564178"/>
+          </a:xfrm>
+          <a:prstGeom prst="rect">
+            <a:avLst/>
+          </a:prstGeom>
+        </p:spPr>
+      </p:pic>
+    </p:spTree>
+    <p:extLst>
+      <p:ext uri="{BB962C8B-B14F-4D97-AF65-F5344CB8AC3E}">
+        <p14:creationId xmlns:p14="http://schemas.microsoft.com/office/powerpoint/2010/main" val="1801877494"/>
+      </p:ext>
+    </p:extLst>
+  </p:cSld>
+  <p:clrMapOvr>
+    <a:masterClrMapping/>
+  </p:clrMapOvr>
+</p:sld>
+</file>
+
+<file path=ppt/slides/slide26.xml><?xml version="1.0" encoding="utf-8"?>
+<p:sld xmlns:a="http://schemas.openxmlformats.org/drawingml/2006/main" xmlns:r="http://schemas.openxmlformats.org/officeDocument/2006/relationships" xmlns:p="http://schemas.openxmlformats.org/presentationml/2006/main">
+  <p:cSld>
+    <p:spTree>
+      <p:nvGrpSpPr>
+        <p:cNvPr id="1" name=""/>
+        <p:cNvGrpSpPr/>
+        <p:nvPr/>
+      </p:nvGrpSpPr>
+      <p:grpSpPr>
+        <a:xfrm>
+          <a:off x="0" y="0"/>
+          <a:ext cx="0" cy="0"/>
+          <a:chOff x="0" y="0"/>
+          <a:chExt cx="0" cy="0"/>
+        </a:xfrm>
+      </p:grpSpPr>
+      <p:pic>
+        <p:nvPicPr>
+          <p:cNvPr id="2" name="图片 1"/>
+          <p:cNvPicPr>
+            <a:picLocks noChangeAspect="1"/>
+          </p:cNvPicPr>
+          <p:nvPr/>
+        </p:nvPicPr>
+        <p:blipFill>
+          <a:blip r:embed="rId2"/>
+          <a:stretch>
+            <a:fillRect/>
+          </a:stretch>
+        </p:blipFill>
+        <p:spPr>
+          <a:xfrm>
+            <a:off x="645951" y="347467"/>
+            <a:ext cx="11172103" cy="3133548"/>
+          </a:xfrm>
+          <a:prstGeom prst="rect">
+            <a:avLst/>
+          </a:prstGeom>
+        </p:spPr>
+      </p:pic>
+      <p:pic>
+        <p:nvPicPr>
+          <p:cNvPr id="3" name="图片 2"/>
+          <p:cNvPicPr>
+            <a:picLocks noChangeAspect="1"/>
+          </p:cNvPicPr>
+          <p:nvPr/>
+        </p:nvPicPr>
+        <p:blipFill>
+          <a:blip r:embed="rId3"/>
+          <a:stretch>
+            <a:fillRect/>
+          </a:stretch>
+        </p:blipFill>
+        <p:spPr>
+          <a:xfrm>
+            <a:off x="499414" y="3871928"/>
+            <a:ext cx="11318640" cy="2541834"/>
+          </a:xfrm>
+          <a:prstGeom prst="rect">
+            <a:avLst/>
+          </a:prstGeom>
+        </p:spPr>
+      </p:pic>
+    </p:spTree>
+    <p:extLst>
+      <p:ext uri="{BB962C8B-B14F-4D97-AF65-F5344CB8AC3E}">
+        <p14:creationId xmlns:p14="http://schemas.microsoft.com/office/powerpoint/2010/main" val="1576868724"/>
+      </p:ext>
+    </p:extLst>
+  </p:cSld>
+  <p:clrMapOvr>
+    <a:masterClrMapping/>
+  </p:clrMapOvr>
+</p:sld>
+</file>
+
+<file path=ppt/slides/slide27.xml><?xml version="1.0" encoding="utf-8"?>
+<p:sld xmlns:a="http://schemas.openxmlformats.org/drawingml/2006/main" xmlns:r="http://schemas.openxmlformats.org/officeDocument/2006/relationships" xmlns:p="http://schemas.openxmlformats.org/presentationml/2006/main">
+  <p:cSld>
+    <p:spTree>
+      <p:nvGrpSpPr>
+        <p:cNvPr id="1" name=""/>
+        <p:cNvGrpSpPr/>
+        <p:nvPr/>
+      </p:nvGrpSpPr>
+      <p:grpSpPr>
+        <a:xfrm>
+          <a:off x="0" y="0"/>
+          <a:ext cx="0" cy="0"/>
+          <a:chOff x="0" y="0"/>
+          <a:chExt cx="0" cy="0"/>
+        </a:xfrm>
+      </p:grpSpPr>
+      <p:sp>
+        <p:nvSpPr>
+          <p:cNvPr id="2" name="标题 1"/>
+          <p:cNvSpPr>
+            <a:spLocks noGrp="1"/>
+          </p:cNvSpPr>
+          <p:nvPr>
+            <p:ph type="title"/>
+          </p:nvPr>
+        </p:nvSpPr>
+        <p:spPr/>
+        <p:txBody>
+          <a:bodyPr/>
+          <a:lstStyle/>
+          <a:p>
+            <a:r>
+              <a:rPr lang="zh-CN" altLang="en-US" dirty="0" smtClean="0"/>
+              <a:t>类</a:t>
+            </a:r>
+            <a:endParaRPr lang="zh-CN" altLang="en-US" dirty="0"/>
+          </a:p>
+        </p:txBody>
+      </p:sp>
+      <p:sp>
+        <p:nvSpPr>
+          <p:cNvPr id="4" name="矩形 3"/>
+          <p:cNvSpPr/>
+          <p:nvPr/>
+        </p:nvSpPr>
+        <p:spPr>
+          <a:xfrm>
+            <a:off x="838199" y="1910322"/>
+            <a:ext cx="10973499" cy="646331"/>
+          </a:xfrm>
+          <a:prstGeom prst="rect">
+            <a:avLst/>
+          </a:prstGeom>
+        </p:spPr>
+        <p:txBody>
+          <a:bodyPr wrap="square">
+            <a:spAutoFit/>
+          </a:bodyPr>
+          <a:lstStyle/>
+          <a:p>
+            <a:r>
+              <a:rPr lang="en-US" altLang="zh-CN" dirty="0">
+                <a:solidFill>
+                  <a:srgbClr val="222222"/>
+                </a:solidFill>
+                <a:latin typeface="Lucida Grande"/>
+              </a:rPr>
+              <a:t>A </a:t>
+            </a:r>
+            <a:r>
+              <a:rPr lang="en-US" altLang="zh-CN" i="1" dirty="0">
+                <a:solidFill>
+                  <a:srgbClr val="222222"/>
+                </a:solidFill>
+                <a:latin typeface="Lucida Grande"/>
+              </a:rPr>
+              <a:t>namespace</a:t>
+            </a:r>
+            <a:r>
+              <a:rPr lang="en-US" altLang="zh-CN" dirty="0">
+                <a:solidFill>
+                  <a:srgbClr val="222222"/>
+                </a:solidFill>
+                <a:latin typeface="Lucida Grande"/>
+              </a:rPr>
+              <a:t> is a mapping from names to objects. Most namespaces are currently implemented as Python dictionaries</a:t>
+            </a:r>
+            <a:endParaRPr lang="zh-CN" altLang="en-US" dirty="0"/>
+          </a:p>
+        </p:txBody>
+      </p:sp>
+      <p:sp>
+        <p:nvSpPr>
+          <p:cNvPr id="5" name="矩形 4"/>
+          <p:cNvSpPr/>
+          <p:nvPr/>
+        </p:nvSpPr>
+        <p:spPr>
+          <a:xfrm>
+            <a:off x="838199" y="2776287"/>
+            <a:ext cx="10621162" cy="646331"/>
+          </a:xfrm>
+          <a:prstGeom prst="rect">
+            <a:avLst/>
+          </a:prstGeom>
+        </p:spPr>
+        <p:txBody>
+          <a:bodyPr wrap="square">
+            <a:spAutoFit/>
+          </a:bodyPr>
+          <a:lstStyle/>
+          <a:p>
+            <a:r>
+              <a:rPr lang="en-US" altLang="zh-CN" dirty="0">
+                <a:solidFill>
+                  <a:srgbClr val="222222"/>
+                </a:solidFill>
+                <a:latin typeface="Lucida Grande"/>
+              </a:rPr>
+              <a:t>The local namespace for a function is created when the function is called, and deleted when the function returns or raises an exception that is not handled within the function.</a:t>
+            </a:r>
+            <a:endParaRPr lang="zh-CN" altLang="en-US" dirty="0"/>
+          </a:p>
+        </p:txBody>
+      </p:sp>
+      <p:sp>
+        <p:nvSpPr>
+          <p:cNvPr id="6" name="矩形 5"/>
+          <p:cNvSpPr/>
+          <p:nvPr/>
+        </p:nvSpPr>
+        <p:spPr>
+          <a:xfrm>
+            <a:off x="838199" y="3789294"/>
+            <a:ext cx="10621162" cy="923330"/>
+          </a:xfrm>
+          <a:prstGeom prst="rect">
+            <a:avLst/>
+          </a:prstGeom>
+        </p:spPr>
+        <p:txBody>
+          <a:bodyPr wrap="square">
+            <a:spAutoFit/>
+          </a:bodyPr>
+          <a:lstStyle/>
+          <a:p>
+            <a:r>
+              <a:rPr lang="en-US" altLang="zh-CN" dirty="0">
+                <a:solidFill>
+                  <a:srgbClr val="222222"/>
+                </a:solidFill>
+                <a:latin typeface="Lucida Grande"/>
+              </a:rPr>
+              <a:t>A </a:t>
+            </a:r>
+            <a:r>
+              <a:rPr lang="en-US" altLang="zh-CN" i="1" dirty="0">
+                <a:solidFill>
+                  <a:srgbClr val="222222"/>
+                </a:solidFill>
+                <a:latin typeface="Lucida Grande"/>
+              </a:rPr>
+              <a:t>scope</a:t>
+            </a:r>
+            <a:r>
+              <a:rPr lang="en-US" altLang="zh-CN" dirty="0">
+                <a:solidFill>
+                  <a:srgbClr val="222222"/>
+                </a:solidFill>
+                <a:latin typeface="Lucida Grande"/>
+              </a:rPr>
+              <a:t> is a textual region of a Python program where a namespace is directly accessible. “Directly accessible” here means that an unqualified reference to a name attempts to find the name in the namespace.</a:t>
+            </a:r>
+            <a:endParaRPr lang="zh-CN" altLang="en-US" dirty="0"/>
+          </a:p>
+        </p:txBody>
+      </p:sp>
+      <p:sp>
+        <p:nvSpPr>
+          <p:cNvPr id="9" name="矩形 8"/>
+          <p:cNvSpPr/>
+          <p:nvPr/>
+        </p:nvSpPr>
+        <p:spPr>
+          <a:xfrm>
+            <a:off x="838198" y="5002682"/>
+            <a:ext cx="10973499" cy="1477328"/>
+          </a:xfrm>
+          <a:prstGeom prst="rect">
+            <a:avLst/>
+          </a:prstGeom>
+        </p:spPr>
+        <p:txBody>
+          <a:bodyPr wrap="square">
+            <a:spAutoFit/>
+          </a:bodyPr>
+          <a:lstStyle/>
+          <a:p>
+            <a:r>
+              <a:rPr lang="en-US" altLang="zh-CN" dirty="0"/>
+              <a:t>If a name is declared global, then all references and assignments go directly to the middle scope containing the module’s global names. To rebind variables found outside of the innermost scope, the nonlocal statement can be used; if not declared nonlocal, those variables are read-only (an attempt to write to such a variable will simply create a new local variable in the innermost scope, leaving the identically named outer variable unchanged).</a:t>
+            </a:r>
+            <a:endParaRPr lang="zh-CN" altLang="en-US" dirty="0"/>
+          </a:p>
+        </p:txBody>
+      </p:sp>
+    </p:spTree>
+    <p:extLst>
+      <p:ext uri="{BB962C8B-B14F-4D97-AF65-F5344CB8AC3E}">
+        <p14:creationId xmlns:p14="http://schemas.microsoft.com/office/powerpoint/2010/main" val="199915463"/>
+      </p:ext>
+    </p:extLst>
+  </p:cSld>
+  <p:clrMapOvr>
+    <a:masterClrMapping/>
+  </p:clrMapOvr>
+</p:sld>
+</file>
+
+<file path=ppt/slides/slide28.xml><?xml version="1.0" encoding="utf-8"?>
+<p:sld xmlns:a="http://schemas.openxmlformats.org/drawingml/2006/main" xmlns:r="http://schemas.openxmlformats.org/officeDocument/2006/relationships" xmlns:p="http://schemas.openxmlformats.org/presentationml/2006/main">
+  <p:cSld>
+    <p:spTree>
+      <p:nvGrpSpPr>
+        <p:cNvPr id="1" name=""/>
+        <p:cNvGrpSpPr/>
+        <p:nvPr/>
+      </p:nvGrpSpPr>
+      <p:grpSpPr>
+        <a:xfrm>
+          <a:off x="0" y="0"/>
+          <a:ext cx="0" cy="0"/>
+          <a:chOff x="0" y="0"/>
+          <a:chExt cx="0" cy="0"/>
+        </a:xfrm>
+      </p:grpSpPr>
+      <p:pic>
+        <p:nvPicPr>
+          <p:cNvPr id="2" name="图片 1"/>
+          <p:cNvPicPr>
+            <a:picLocks noChangeAspect="1"/>
+          </p:cNvPicPr>
+          <p:nvPr/>
+        </p:nvPicPr>
+        <p:blipFill>
+          <a:blip r:embed="rId2"/>
+          <a:stretch>
+            <a:fillRect/>
+          </a:stretch>
+        </p:blipFill>
+        <p:spPr>
+          <a:xfrm>
+            <a:off x="337147" y="320504"/>
+            <a:ext cx="4223123" cy="5694404"/>
+          </a:xfrm>
+          <a:prstGeom prst="rect">
+            <a:avLst/>
+          </a:prstGeom>
+        </p:spPr>
+      </p:pic>
+    </p:spTree>
+    <p:extLst>
+      <p:ext uri="{BB962C8B-B14F-4D97-AF65-F5344CB8AC3E}">
+        <p14:creationId xmlns:p14="http://schemas.microsoft.com/office/powerpoint/2010/main" val="1759359423"/>
+      </p:ext>
+    </p:extLst>
+  </p:cSld>
+  <p:clrMapOvr>
+    <a:masterClrMapping/>
+  </p:clrMapOvr>
 </p:sld>
 </file>
 

--- a/python.pptx
+++ b/python.pptx
@@ -33,6 +33,14 @@
     <p:sldId id="281" r:id="rId27"/>
     <p:sldId id="282" r:id="rId28"/>
     <p:sldId id="283" r:id="rId29"/>
+    <p:sldId id="284" r:id="rId30"/>
+    <p:sldId id="285" r:id="rId31"/>
+    <p:sldId id="286" r:id="rId32"/>
+    <p:sldId id="287" r:id="rId33"/>
+    <p:sldId id="288" r:id="rId34"/>
+    <p:sldId id="289" r:id="rId35"/>
+    <p:sldId id="290" r:id="rId36"/>
+    <p:sldId id="291" r:id="rId37"/>
   </p:sldIdLst>
   <p:sldSz cx="12192000" cy="6858000"/>
   <p:notesSz cx="6858000" cy="9144000"/>
@@ -181,10 +189,9 @@
           </a:lstStyle>
           <a:p>
             <a:r>
-              <a:rPr lang="zh-CN" altLang="en-US" smtClean="0"/>
+              <a:rPr lang="zh-CN" altLang="en-US"/>
               <a:t>单击此处编辑母版标题样式</a:t>
             </a:r>
-            <a:endParaRPr lang="zh-CN" altLang="en-US"/>
           </a:p>
         </p:txBody>
       </p:sp>
@@ -246,10 +253,9 @@
           </a:lstStyle>
           <a:p>
             <a:r>
-              <a:rPr lang="zh-CN" altLang="en-US" smtClean="0"/>
+              <a:rPr lang="zh-CN" altLang="en-US"/>
               <a:t>单击以编辑母版副标题样式</a:t>
             </a:r>
-            <a:endParaRPr lang="zh-CN" altLang="en-US"/>
           </a:p>
         </p:txBody>
       </p:sp>
@@ -270,7 +276,7 @@
           <a:p>
             <a:fld id="{720523C8-4933-4350-97E9-A1896E02F636}" type="datetimeFigureOut">
               <a:rPr lang="zh-CN" altLang="en-US" smtClean="0"/>
-              <a:t>2018/4/6</a:t>
+              <a:t>2018/4/7</a:t>
             </a:fld>
             <a:endParaRPr lang="zh-CN" altLang="en-US"/>
           </a:p>
@@ -364,10 +370,9 @@
           <a:lstStyle/>
           <a:p>
             <a:r>
-              <a:rPr lang="zh-CN" altLang="en-US" smtClean="0"/>
+              <a:rPr lang="zh-CN" altLang="en-US"/>
               <a:t>单击此处编辑母版标题样式</a:t>
             </a:r>
-            <a:endParaRPr lang="zh-CN" altLang="en-US"/>
           </a:p>
         </p:txBody>
       </p:sp>
@@ -388,38 +393,37 @@
           <a:p>
             <a:pPr lvl="0"/>
             <a:r>
-              <a:rPr lang="zh-CN" altLang="en-US" smtClean="0"/>
+              <a:rPr lang="zh-CN" altLang="en-US"/>
               <a:t>编辑母版文本样式</a:t>
             </a:r>
           </a:p>
           <a:p>
             <a:pPr lvl="1"/>
             <a:r>
-              <a:rPr lang="zh-CN" altLang="en-US" smtClean="0"/>
+              <a:rPr lang="zh-CN" altLang="en-US"/>
               <a:t>第二级</a:t>
             </a:r>
           </a:p>
           <a:p>
             <a:pPr lvl="2"/>
             <a:r>
-              <a:rPr lang="zh-CN" altLang="en-US" smtClean="0"/>
+              <a:rPr lang="zh-CN" altLang="en-US"/>
               <a:t>第三级</a:t>
             </a:r>
           </a:p>
           <a:p>
             <a:pPr lvl="3"/>
             <a:r>
-              <a:rPr lang="zh-CN" altLang="en-US" smtClean="0"/>
+              <a:rPr lang="zh-CN" altLang="en-US"/>
               <a:t>第四级</a:t>
             </a:r>
           </a:p>
           <a:p>
             <a:pPr lvl="4"/>
             <a:r>
-              <a:rPr lang="zh-CN" altLang="en-US" smtClean="0"/>
+              <a:rPr lang="zh-CN" altLang="en-US"/>
               <a:t>第五级</a:t>
             </a:r>
-            <a:endParaRPr lang="zh-CN" altLang="en-US"/>
           </a:p>
         </p:txBody>
       </p:sp>
@@ -440,7 +444,7 @@
           <a:p>
             <a:fld id="{720523C8-4933-4350-97E9-A1896E02F636}" type="datetimeFigureOut">
               <a:rPr lang="zh-CN" altLang="en-US" smtClean="0"/>
-              <a:t>2018/4/6</a:t>
+              <a:t>2018/4/7</a:t>
             </a:fld>
             <a:endParaRPr lang="zh-CN" altLang="en-US"/>
           </a:p>
@@ -539,10 +543,9 @@
           <a:lstStyle/>
           <a:p>
             <a:r>
-              <a:rPr lang="zh-CN" altLang="en-US" smtClean="0"/>
+              <a:rPr lang="zh-CN" altLang="en-US"/>
               <a:t>单击此处编辑母版标题样式</a:t>
             </a:r>
-            <a:endParaRPr lang="zh-CN" altLang="en-US"/>
           </a:p>
         </p:txBody>
       </p:sp>
@@ -568,38 +571,37 @@
           <a:p>
             <a:pPr lvl="0"/>
             <a:r>
-              <a:rPr lang="zh-CN" altLang="en-US" smtClean="0"/>
+              <a:rPr lang="zh-CN" altLang="en-US"/>
               <a:t>编辑母版文本样式</a:t>
             </a:r>
           </a:p>
           <a:p>
             <a:pPr lvl="1"/>
             <a:r>
-              <a:rPr lang="zh-CN" altLang="en-US" smtClean="0"/>
+              <a:rPr lang="zh-CN" altLang="en-US"/>
               <a:t>第二级</a:t>
             </a:r>
           </a:p>
           <a:p>
             <a:pPr lvl="2"/>
             <a:r>
-              <a:rPr lang="zh-CN" altLang="en-US" smtClean="0"/>
+              <a:rPr lang="zh-CN" altLang="en-US"/>
               <a:t>第三级</a:t>
             </a:r>
           </a:p>
           <a:p>
             <a:pPr lvl="3"/>
             <a:r>
-              <a:rPr lang="zh-CN" altLang="en-US" smtClean="0"/>
+              <a:rPr lang="zh-CN" altLang="en-US"/>
               <a:t>第四级</a:t>
             </a:r>
           </a:p>
           <a:p>
             <a:pPr lvl="4"/>
             <a:r>
-              <a:rPr lang="zh-CN" altLang="en-US" smtClean="0"/>
+              <a:rPr lang="zh-CN" altLang="en-US"/>
               <a:t>第五级</a:t>
             </a:r>
-            <a:endParaRPr lang="zh-CN" altLang="en-US"/>
           </a:p>
         </p:txBody>
       </p:sp>
@@ -620,7 +622,7 @@
           <a:p>
             <a:fld id="{720523C8-4933-4350-97E9-A1896E02F636}" type="datetimeFigureOut">
               <a:rPr lang="zh-CN" altLang="en-US" smtClean="0"/>
-              <a:t>2018/4/6</a:t>
+              <a:t>2018/4/7</a:t>
             </a:fld>
             <a:endParaRPr lang="zh-CN" altLang="en-US"/>
           </a:p>
@@ -714,10 +716,9 @@
           <a:lstStyle/>
           <a:p>
             <a:r>
-              <a:rPr lang="zh-CN" altLang="en-US" smtClean="0"/>
+              <a:rPr lang="zh-CN" altLang="en-US"/>
               <a:t>单击此处编辑母版标题样式</a:t>
             </a:r>
-            <a:endParaRPr lang="zh-CN" altLang="en-US"/>
           </a:p>
         </p:txBody>
       </p:sp>
@@ -738,38 +739,37 @@
           <a:p>
             <a:pPr lvl="0"/>
             <a:r>
-              <a:rPr lang="zh-CN" altLang="en-US" smtClean="0"/>
+              <a:rPr lang="zh-CN" altLang="en-US"/>
               <a:t>编辑母版文本样式</a:t>
             </a:r>
           </a:p>
           <a:p>
             <a:pPr lvl="1"/>
             <a:r>
-              <a:rPr lang="zh-CN" altLang="en-US" smtClean="0"/>
+              <a:rPr lang="zh-CN" altLang="en-US"/>
               <a:t>第二级</a:t>
             </a:r>
           </a:p>
           <a:p>
             <a:pPr lvl="2"/>
             <a:r>
-              <a:rPr lang="zh-CN" altLang="en-US" smtClean="0"/>
+              <a:rPr lang="zh-CN" altLang="en-US"/>
               <a:t>第三级</a:t>
             </a:r>
           </a:p>
           <a:p>
             <a:pPr lvl="3"/>
             <a:r>
-              <a:rPr lang="zh-CN" altLang="en-US" smtClean="0"/>
+              <a:rPr lang="zh-CN" altLang="en-US"/>
               <a:t>第四级</a:t>
             </a:r>
           </a:p>
           <a:p>
             <a:pPr lvl="4"/>
             <a:r>
-              <a:rPr lang="zh-CN" altLang="en-US" smtClean="0"/>
+              <a:rPr lang="zh-CN" altLang="en-US"/>
               <a:t>第五级</a:t>
             </a:r>
-            <a:endParaRPr lang="zh-CN" altLang="en-US"/>
           </a:p>
         </p:txBody>
       </p:sp>
@@ -790,7 +790,7 @@
           <a:p>
             <a:fld id="{720523C8-4933-4350-97E9-A1896E02F636}" type="datetimeFigureOut">
               <a:rPr lang="zh-CN" altLang="en-US" smtClean="0"/>
-              <a:t>2018/4/6</a:t>
+              <a:t>2018/4/7</a:t>
             </a:fld>
             <a:endParaRPr lang="zh-CN" altLang="en-US"/>
           </a:p>
@@ -893,10 +893,9 @@
           </a:lstStyle>
           <a:p>
             <a:r>
-              <a:rPr lang="zh-CN" altLang="en-US" smtClean="0"/>
+              <a:rPr lang="zh-CN" altLang="en-US"/>
               <a:t>单击此处编辑母版标题样式</a:t>
             </a:r>
-            <a:endParaRPr lang="zh-CN" altLang="en-US"/>
           </a:p>
         </p:txBody>
       </p:sp>
@@ -1013,7 +1012,7 @@
           <a:p>
             <a:pPr lvl="0"/>
             <a:r>
-              <a:rPr lang="zh-CN" altLang="en-US" smtClean="0"/>
+              <a:rPr lang="zh-CN" altLang="en-US"/>
               <a:t>编辑母版文本样式</a:t>
             </a:r>
           </a:p>
@@ -1036,7 +1035,7 @@
           <a:p>
             <a:fld id="{720523C8-4933-4350-97E9-A1896E02F636}" type="datetimeFigureOut">
               <a:rPr lang="zh-CN" altLang="en-US" smtClean="0"/>
-              <a:t>2018/4/6</a:t>
+              <a:t>2018/4/7</a:t>
             </a:fld>
             <a:endParaRPr lang="zh-CN" altLang="en-US"/>
           </a:p>
@@ -1130,10 +1129,9 @@
           <a:lstStyle/>
           <a:p>
             <a:r>
-              <a:rPr lang="zh-CN" altLang="en-US" smtClean="0"/>
+              <a:rPr lang="zh-CN" altLang="en-US"/>
               <a:t>单击此处编辑母版标题样式</a:t>
             </a:r>
-            <a:endParaRPr lang="zh-CN" altLang="en-US"/>
           </a:p>
         </p:txBody>
       </p:sp>
@@ -1159,38 +1157,37 @@
           <a:p>
             <a:pPr lvl="0"/>
             <a:r>
-              <a:rPr lang="zh-CN" altLang="en-US" smtClean="0"/>
+              <a:rPr lang="zh-CN" altLang="en-US"/>
               <a:t>编辑母版文本样式</a:t>
             </a:r>
           </a:p>
           <a:p>
             <a:pPr lvl="1"/>
             <a:r>
-              <a:rPr lang="zh-CN" altLang="en-US" smtClean="0"/>
+              <a:rPr lang="zh-CN" altLang="en-US"/>
               <a:t>第二级</a:t>
             </a:r>
           </a:p>
           <a:p>
             <a:pPr lvl="2"/>
             <a:r>
-              <a:rPr lang="zh-CN" altLang="en-US" smtClean="0"/>
+              <a:rPr lang="zh-CN" altLang="en-US"/>
               <a:t>第三级</a:t>
             </a:r>
           </a:p>
           <a:p>
             <a:pPr lvl="3"/>
             <a:r>
-              <a:rPr lang="zh-CN" altLang="en-US" smtClean="0"/>
+              <a:rPr lang="zh-CN" altLang="en-US"/>
               <a:t>第四级</a:t>
             </a:r>
           </a:p>
           <a:p>
             <a:pPr lvl="4"/>
             <a:r>
-              <a:rPr lang="zh-CN" altLang="en-US" smtClean="0"/>
+              <a:rPr lang="zh-CN" altLang="en-US"/>
               <a:t>第五级</a:t>
             </a:r>
-            <a:endParaRPr lang="zh-CN" altLang="en-US"/>
           </a:p>
         </p:txBody>
       </p:sp>
@@ -1216,38 +1213,37 @@
           <a:p>
             <a:pPr lvl="0"/>
             <a:r>
-              <a:rPr lang="zh-CN" altLang="en-US" smtClean="0"/>
+              <a:rPr lang="zh-CN" altLang="en-US"/>
               <a:t>编辑母版文本样式</a:t>
             </a:r>
           </a:p>
           <a:p>
             <a:pPr lvl="1"/>
             <a:r>
-              <a:rPr lang="zh-CN" altLang="en-US" smtClean="0"/>
+              <a:rPr lang="zh-CN" altLang="en-US"/>
               <a:t>第二级</a:t>
             </a:r>
           </a:p>
           <a:p>
             <a:pPr lvl="2"/>
             <a:r>
-              <a:rPr lang="zh-CN" altLang="en-US" smtClean="0"/>
+              <a:rPr lang="zh-CN" altLang="en-US"/>
               <a:t>第三级</a:t>
             </a:r>
           </a:p>
           <a:p>
             <a:pPr lvl="3"/>
             <a:r>
-              <a:rPr lang="zh-CN" altLang="en-US" smtClean="0"/>
+              <a:rPr lang="zh-CN" altLang="en-US"/>
               <a:t>第四级</a:t>
             </a:r>
           </a:p>
           <a:p>
             <a:pPr lvl="4"/>
             <a:r>
-              <a:rPr lang="zh-CN" altLang="en-US" smtClean="0"/>
+              <a:rPr lang="zh-CN" altLang="en-US"/>
               <a:t>第五级</a:t>
             </a:r>
-            <a:endParaRPr lang="zh-CN" altLang="en-US"/>
           </a:p>
         </p:txBody>
       </p:sp>
@@ -1268,7 +1264,7 @@
           <a:p>
             <a:fld id="{720523C8-4933-4350-97E9-A1896E02F636}" type="datetimeFigureOut">
               <a:rPr lang="zh-CN" altLang="en-US" smtClean="0"/>
-              <a:t>2018/4/6</a:t>
+              <a:t>2018/4/7</a:t>
             </a:fld>
             <a:endParaRPr lang="zh-CN" altLang="en-US"/>
           </a:p>
@@ -1367,10 +1363,9 @@
           <a:lstStyle/>
           <a:p>
             <a:r>
-              <a:rPr lang="zh-CN" altLang="en-US" smtClean="0"/>
+              <a:rPr lang="zh-CN" altLang="en-US"/>
               <a:t>单击此处编辑母版标题样式</a:t>
             </a:r>
-            <a:endParaRPr lang="zh-CN" altLang="en-US"/>
           </a:p>
         </p:txBody>
       </p:sp>
@@ -1433,7 +1428,7 @@
           <a:p>
             <a:pPr lvl="0"/>
             <a:r>
-              <a:rPr lang="zh-CN" altLang="en-US" smtClean="0"/>
+              <a:rPr lang="zh-CN" altLang="en-US"/>
               <a:t>编辑母版文本样式</a:t>
             </a:r>
           </a:p>
@@ -1461,38 +1456,37 @@
           <a:p>
             <a:pPr lvl="0"/>
             <a:r>
-              <a:rPr lang="zh-CN" altLang="en-US" smtClean="0"/>
+              <a:rPr lang="zh-CN" altLang="en-US"/>
               <a:t>编辑母版文本样式</a:t>
             </a:r>
           </a:p>
           <a:p>
             <a:pPr lvl="1"/>
             <a:r>
-              <a:rPr lang="zh-CN" altLang="en-US" smtClean="0"/>
+              <a:rPr lang="zh-CN" altLang="en-US"/>
               <a:t>第二级</a:t>
             </a:r>
           </a:p>
           <a:p>
             <a:pPr lvl="2"/>
             <a:r>
-              <a:rPr lang="zh-CN" altLang="en-US" smtClean="0"/>
+              <a:rPr lang="zh-CN" altLang="en-US"/>
               <a:t>第三级</a:t>
             </a:r>
           </a:p>
           <a:p>
             <a:pPr lvl="3"/>
             <a:r>
-              <a:rPr lang="zh-CN" altLang="en-US" smtClean="0"/>
+              <a:rPr lang="zh-CN" altLang="en-US"/>
               <a:t>第四级</a:t>
             </a:r>
           </a:p>
           <a:p>
             <a:pPr lvl="4"/>
             <a:r>
-              <a:rPr lang="zh-CN" altLang="en-US" smtClean="0"/>
+              <a:rPr lang="zh-CN" altLang="en-US"/>
               <a:t>第五级</a:t>
             </a:r>
-            <a:endParaRPr lang="zh-CN" altLang="en-US"/>
           </a:p>
         </p:txBody>
       </p:sp>
@@ -1555,7 +1549,7 @@
           <a:p>
             <a:pPr lvl="0"/>
             <a:r>
-              <a:rPr lang="zh-CN" altLang="en-US" smtClean="0"/>
+              <a:rPr lang="zh-CN" altLang="en-US"/>
               <a:t>编辑母版文本样式</a:t>
             </a:r>
           </a:p>
@@ -1583,38 +1577,37 @@
           <a:p>
             <a:pPr lvl="0"/>
             <a:r>
-              <a:rPr lang="zh-CN" altLang="en-US" smtClean="0"/>
+              <a:rPr lang="zh-CN" altLang="en-US"/>
               <a:t>编辑母版文本样式</a:t>
             </a:r>
           </a:p>
           <a:p>
             <a:pPr lvl="1"/>
             <a:r>
-              <a:rPr lang="zh-CN" altLang="en-US" smtClean="0"/>
+              <a:rPr lang="zh-CN" altLang="en-US"/>
               <a:t>第二级</a:t>
             </a:r>
           </a:p>
           <a:p>
             <a:pPr lvl="2"/>
             <a:r>
-              <a:rPr lang="zh-CN" altLang="en-US" smtClean="0"/>
+              <a:rPr lang="zh-CN" altLang="en-US"/>
               <a:t>第三级</a:t>
             </a:r>
           </a:p>
           <a:p>
             <a:pPr lvl="3"/>
             <a:r>
-              <a:rPr lang="zh-CN" altLang="en-US" smtClean="0"/>
+              <a:rPr lang="zh-CN" altLang="en-US"/>
               <a:t>第四级</a:t>
             </a:r>
           </a:p>
           <a:p>
             <a:pPr lvl="4"/>
             <a:r>
-              <a:rPr lang="zh-CN" altLang="en-US" smtClean="0"/>
+              <a:rPr lang="zh-CN" altLang="en-US"/>
               <a:t>第五级</a:t>
             </a:r>
-            <a:endParaRPr lang="zh-CN" altLang="en-US"/>
           </a:p>
         </p:txBody>
       </p:sp>
@@ -1635,7 +1628,7 @@
           <a:p>
             <a:fld id="{720523C8-4933-4350-97E9-A1896E02F636}" type="datetimeFigureOut">
               <a:rPr lang="zh-CN" altLang="en-US" smtClean="0"/>
-              <a:t>2018/4/6</a:t>
+              <a:t>2018/4/7</a:t>
             </a:fld>
             <a:endParaRPr lang="zh-CN" altLang="en-US"/>
           </a:p>
@@ -1729,10 +1722,9 @@
           <a:lstStyle/>
           <a:p>
             <a:r>
-              <a:rPr lang="zh-CN" altLang="en-US" smtClean="0"/>
+              <a:rPr lang="zh-CN" altLang="en-US"/>
               <a:t>单击此处编辑母版标题样式</a:t>
             </a:r>
-            <a:endParaRPr lang="zh-CN" altLang="en-US"/>
           </a:p>
         </p:txBody>
       </p:sp>
@@ -1753,7 +1745,7 @@
           <a:p>
             <a:fld id="{720523C8-4933-4350-97E9-A1896E02F636}" type="datetimeFigureOut">
               <a:rPr lang="zh-CN" altLang="en-US" smtClean="0"/>
-              <a:t>2018/4/6</a:t>
+              <a:t>2018/4/7</a:t>
             </a:fld>
             <a:endParaRPr lang="zh-CN" altLang="en-US"/>
           </a:p>
@@ -1848,7 +1840,7 @@
           <a:p>
             <a:fld id="{720523C8-4933-4350-97E9-A1896E02F636}" type="datetimeFigureOut">
               <a:rPr lang="zh-CN" altLang="en-US" smtClean="0"/>
-              <a:t>2018/4/6</a:t>
+              <a:t>2018/4/7</a:t>
             </a:fld>
             <a:endParaRPr lang="zh-CN" altLang="en-US"/>
           </a:p>
@@ -1951,10 +1943,9 @@
           </a:lstStyle>
           <a:p>
             <a:r>
-              <a:rPr lang="zh-CN" altLang="en-US" smtClean="0"/>
+              <a:rPr lang="zh-CN" altLang="en-US"/>
               <a:t>单击此处编辑母版标题样式</a:t>
             </a:r>
-            <a:endParaRPr lang="zh-CN" altLang="en-US"/>
           </a:p>
         </p:txBody>
       </p:sp>
@@ -2008,38 +1999,37 @@
           <a:p>
             <a:pPr lvl="0"/>
             <a:r>
-              <a:rPr lang="zh-CN" altLang="en-US" smtClean="0"/>
+              <a:rPr lang="zh-CN" altLang="en-US"/>
               <a:t>编辑母版文本样式</a:t>
             </a:r>
           </a:p>
           <a:p>
             <a:pPr lvl="1"/>
             <a:r>
-              <a:rPr lang="zh-CN" altLang="en-US" smtClean="0"/>
+              <a:rPr lang="zh-CN" altLang="en-US"/>
               <a:t>第二级</a:t>
             </a:r>
           </a:p>
           <a:p>
             <a:pPr lvl="2"/>
             <a:r>
-              <a:rPr lang="zh-CN" altLang="en-US" smtClean="0"/>
+              <a:rPr lang="zh-CN" altLang="en-US"/>
               <a:t>第三级</a:t>
             </a:r>
           </a:p>
           <a:p>
             <a:pPr lvl="3"/>
             <a:r>
-              <a:rPr lang="zh-CN" altLang="en-US" smtClean="0"/>
+              <a:rPr lang="zh-CN" altLang="en-US"/>
               <a:t>第四级</a:t>
             </a:r>
           </a:p>
           <a:p>
             <a:pPr lvl="4"/>
             <a:r>
-              <a:rPr lang="zh-CN" altLang="en-US" smtClean="0"/>
+              <a:rPr lang="zh-CN" altLang="en-US"/>
               <a:t>第五级</a:t>
             </a:r>
-            <a:endParaRPr lang="zh-CN" altLang="en-US"/>
           </a:p>
         </p:txBody>
       </p:sp>
@@ -2102,7 +2092,7 @@
           <a:p>
             <a:pPr lvl="0"/>
             <a:r>
-              <a:rPr lang="zh-CN" altLang="en-US" smtClean="0"/>
+              <a:rPr lang="zh-CN" altLang="en-US"/>
               <a:t>编辑母版文本样式</a:t>
             </a:r>
           </a:p>
@@ -2125,7 +2115,7 @@
           <a:p>
             <a:fld id="{720523C8-4933-4350-97E9-A1896E02F636}" type="datetimeFigureOut">
               <a:rPr lang="zh-CN" altLang="en-US" smtClean="0"/>
-              <a:t>2018/4/6</a:t>
+              <a:t>2018/4/7</a:t>
             </a:fld>
             <a:endParaRPr lang="zh-CN" altLang="en-US"/>
           </a:p>
@@ -2228,10 +2218,9 @@
           </a:lstStyle>
           <a:p>
             <a:r>
-              <a:rPr lang="zh-CN" altLang="en-US" smtClean="0"/>
+              <a:rPr lang="zh-CN" altLang="en-US"/>
               <a:t>单击此处编辑母版标题样式</a:t>
             </a:r>
-            <a:endParaRPr lang="zh-CN" altLang="en-US"/>
           </a:p>
         </p:txBody>
       </p:sp>
@@ -2355,7 +2344,7 @@
           <a:p>
             <a:pPr lvl="0"/>
             <a:r>
-              <a:rPr lang="zh-CN" altLang="en-US" smtClean="0"/>
+              <a:rPr lang="zh-CN" altLang="en-US"/>
               <a:t>编辑母版文本样式</a:t>
             </a:r>
           </a:p>
@@ -2378,7 +2367,7 @@
           <a:p>
             <a:fld id="{720523C8-4933-4350-97E9-A1896E02F636}" type="datetimeFigureOut">
               <a:rPr lang="zh-CN" altLang="en-US" smtClean="0"/>
-              <a:t>2018/4/6</a:t>
+              <a:t>2018/4/7</a:t>
             </a:fld>
             <a:endParaRPr lang="zh-CN" altLang="en-US"/>
           </a:p>
@@ -2487,10 +2476,9 @@
           <a:lstStyle/>
           <a:p>
             <a:r>
-              <a:rPr lang="zh-CN" altLang="en-US" smtClean="0"/>
+              <a:rPr lang="zh-CN" altLang="en-US"/>
               <a:t>单击此处编辑母版标题样式</a:t>
             </a:r>
-            <a:endParaRPr lang="zh-CN" altLang="en-US"/>
           </a:p>
         </p:txBody>
       </p:sp>
@@ -2521,38 +2509,37 @@
           <a:p>
             <a:pPr lvl="0"/>
             <a:r>
-              <a:rPr lang="zh-CN" altLang="en-US" smtClean="0"/>
+              <a:rPr lang="zh-CN" altLang="en-US"/>
               <a:t>编辑母版文本样式</a:t>
             </a:r>
           </a:p>
           <a:p>
             <a:pPr lvl="1"/>
             <a:r>
-              <a:rPr lang="zh-CN" altLang="en-US" smtClean="0"/>
+              <a:rPr lang="zh-CN" altLang="en-US"/>
               <a:t>第二级</a:t>
             </a:r>
           </a:p>
           <a:p>
             <a:pPr lvl="2"/>
             <a:r>
-              <a:rPr lang="zh-CN" altLang="en-US" smtClean="0"/>
+              <a:rPr lang="zh-CN" altLang="en-US"/>
               <a:t>第三级</a:t>
             </a:r>
           </a:p>
           <a:p>
             <a:pPr lvl="3"/>
             <a:r>
-              <a:rPr lang="zh-CN" altLang="en-US" smtClean="0"/>
+              <a:rPr lang="zh-CN" altLang="en-US"/>
               <a:t>第四级</a:t>
             </a:r>
           </a:p>
           <a:p>
             <a:pPr lvl="4"/>
             <a:r>
-              <a:rPr lang="zh-CN" altLang="en-US" smtClean="0"/>
+              <a:rPr lang="zh-CN" altLang="en-US"/>
               <a:t>第五级</a:t>
             </a:r>
-            <a:endParaRPr lang="zh-CN" altLang="en-US"/>
           </a:p>
         </p:txBody>
       </p:sp>
@@ -2591,7 +2578,7 @@
           <a:p>
             <a:fld id="{720523C8-4933-4350-97E9-A1896E02F636}" type="datetimeFigureOut">
               <a:rPr lang="zh-CN" altLang="en-US" smtClean="0"/>
-              <a:t>2018/4/6</a:t>
+              <a:t>2018/4/7</a:t>
             </a:fld>
             <a:endParaRPr lang="zh-CN" altLang="en-US"/>
           </a:p>
@@ -3012,10 +2999,9 @@
           <a:lstStyle/>
           <a:p>
             <a:r>
-              <a:rPr lang="zh-CN" altLang="en-US" dirty="0" smtClean="0"/>
+              <a:rPr lang="zh-CN" altLang="en-US" dirty="0"/>
               <a:t>基础</a:t>
             </a:r>
-            <a:endParaRPr lang="zh-CN" altLang="en-US" dirty="0"/>
           </a:p>
         </p:txBody>
       </p:sp>
@@ -3041,7 +3027,7 @@
           <a:lstStyle/>
           <a:p>
             <a:r>
-              <a:rPr lang="en-US" altLang="zh-CN" b="0" i="0" dirty="0" smtClean="0">
+              <a:rPr lang="en-US" altLang="zh-CN" b="0" i="0" dirty="0">
                 <a:solidFill>
                   <a:srgbClr val="222222"/>
                 </a:solidFill>
@@ -3254,7 +3240,7 @@
               <a:tabLst/>
             </a:pPr>
             <a:r>
-              <a:rPr kumimoji="0" lang="zh-CN" altLang="zh-CN" sz="1200" b="0" i="0" u="none" strike="noStrike" cap="none" normalizeH="0" baseline="0" dirty="0" smtClean="0">
+              <a:rPr kumimoji="0" lang="zh-CN" altLang="zh-CN" sz="1200" b="0" i="0" u="none" strike="noStrike" cap="none" normalizeH="0" baseline="0" dirty="0">
                 <a:ln>
                   <a:noFill/>
                 </a:ln>
@@ -3268,7 +3254,7 @@
               <a:t>To declare an encoding other than the default one, a special comment line should be added as the </a:t>
             </a:r>
             <a:r>
-              <a:rPr kumimoji="0" lang="zh-CN" altLang="zh-CN" sz="1200" b="0" i="1" u="none" strike="noStrike" cap="none" normalizeH="0" baseline="0" dirty="0" smtClean="0">
+              <a:rPr kumimoji="0" lang="zh-CN" altLang="zh-CN" sz="1200" b="0" i="1" u="none" strike="noStrike" cap="none" normalizeH="0" baseline="0" dirty="0">
                 <a:ln>
                   <a:noFill/>
                 </a:ln>
@@ -3282,7 +3268,7 @@
               <a:t>first</a:t>
             </a:r>
             <a:r>
-              <a:rPr kumimoji="0" lang="zh-CN" altLang="zh-CN" sz="1200" b="0" i="0" u="none" strike="noStrike" cap="none" normalizeH="0" baseline="0" dirty="0" smtClean="0">
+              <a:rPr kumimoji="0" lang="zh-CN" altLang="zh-CN" sz="1200" b="0" i="0" u="none" strike="noStrike" cap="none" normalizeH="0" baseline="0" dirty="0">
                 <a:ln>
                   <a:noFill/>
                 </a:ln>
@@ -3295,7 +3281,7 @@
               </a:rPr>
               <a:t> line of the file. The syntax is as follows:</a:t>
             </a:r>
-            <a:endParaRPr kumimoji="0" lang="zh-CN" altLang="zh-CN" sz="800" b="0" i="0" u="none" strike="noStrike" cap="none" normalizeH="0" baseline="0" dirty="0" smtClean="0">
+            <a:endParaRPr kumimoji="0" lang="zh-CN" altLang="zh-CN" sz="800" b="0" i="0" u="none" strike="noStrike" cap="none" normalizeH="0" baseline="0" dirty="0">
               <a:ln>
                 <a:noFill/>
               </a:ln>
@@ -3324,7 +3310,7 @@
               <a:tabLst/>
             </a:pPr>
             <a:r>
-              <a:rPr kumimoji="0" lang="zh-CN" altLang="zh-CN" sz="1100" b="0" i="1" u="none" strike="noStrike" cap="none" normalizeH="0" baseline="0" dirty="0" smtClean="0">
+              <a:rPr kumimoji="0" lang="zh-CN" altLang="zh-CN" sz="1100" b="0" i="1" u="none" strike="noStrike" cap="none" normalizeH="0" baseline="0" dirty="0">
                 <a:ln>
                   <a:noFill/>
                 </a:ln>
@@ -3338,7 +3324,7 @@
               </a:rPr>
               <a:t># -*- coding: encoding -*-</a:t>
             </a:r>
-            <a:endParaRPr kumimoji="0" lang="zh-CN" altLang="zh-CN" sz="1800" b="0" i="0" u="none" strike="noStrike" cap="none" normalizeH="0" baseline="0" dirty="0" smtClean="0">
+            <a:endParaRPr kumimoji="0" lang="zh-CN" altLang="zh-CN" sz="1800" b="0" i="0" u="none" strike="noStrike" cap="none" normalizeH="0" baseline="0" dirty="0">
               <a:ln>
                 <a:noFill/>
               </a:ln>
@@ -3422,7 +3408,7 @@
               <a:tabLst/>
             </a:pPr>
             <a:r>
-              <a:rPr kumimoji="0" lang="zh-CN" altLang="zh-CN" sz="1100" b="1" i="0" u="none" strike="noStrike" cap="none" normalizeH="0" baseline="0" dirty="0" smtClean="0">
+              <a:rPr kumimoji="0" lang="zh-CN" altLang="zh-CN" sz="1100" b="1" i="0" u="none" strike="noStrike" cap="none" normalizeH="0" baseline="0" dirty="0">
                 <a:ln>
                   <a:noFill/>
                 </a:ln>
@@ -3436,7 +3422,7 @@
               <a:t>&gt;&gt;&gt; </a:t>
             </a:r>
             <a:r>
-              <a:rPr kumimoji="0" lang="zh-CN" altLang="zh-CN" sz="1100" b="0" i="0" u="none" strike="noStrike" cap="none" normalizeH="0" baseline="0" dirty="0" smtClean="0">
+              <a:rPr kumimoji="0" lang="zh-CN" altLang="zh-CN" sz="1100" b="0" i="0" u="none" strike="noStrike" cap="none" normalizeH="0" baseline="0" dirty="0">
                 <a:ln>
                   <a:noFill/>
                 </a:ln>
@@ -3450,7 +3436,7 @@
               <a:t>8</a:t>
             </a:r>
             <a:r>
-              <a:rPr kumimoji="0" lang="zh-CN" altLang="zh-CN" sz="1100" b="0" i="0" u="none" strike="noStrike" cap="none" normalizeH="0" baseline="0" dirty="0" smtClean="0">
+              <a:rPr kumimoji="0" lang="zh-CN" altLang="zh-CN" sz="1100" b="0" i="0" u="none" strike="noStrike" cap="none" normalizeH="0" baseline="0" dirty="0">
                 <a:ln>
                   <a:noFill/>
                 </a:ln>
@@ -3464,7 +3450,7 @@
               <a:t> </a:t>
             </a:r>
             <a:r>
-              <a:rPr kumimoji="0" lang="zh-CN" altLang="zh-CN" sz="1800" b="0" i="0" u="none" strike="noStrike" cap="none" normalizeH="0" baseline="0" dirty="0" smtClean="0">
+              <a:rPr kumimoji="0" lang="zh-CN" altLang="zh-CN" sz="1800" b="0" i="0" u="none" strike="noStrike" cap="none" normalizeH="0" baseline="0" dirty="0">
                 <a:ln>
                   <a:noFill/>
                 </a:ln>
@@ -3477,7 +3463,7 @@
               <a:t>/</a:t>
             </a:r>
             <a:r>
-              <a:rPr kumimoji="0" lang="zh-CN" altLang="zh-CN" sz="1100" b="0" i="0" u="none" strike="noStrike" cap="none" normalizeH="0" baseline="0" dirty="0" smtClean="0">
+              <a:rPr kumimoji="0" lang="zh-CN" altLang="zh-CN" sz="1100" b="0" i="0" u="none" strike="noStrike" cap="none" normalizeH="0" baseline="0" dirty="0">
                 <a:ln>
                   <a:noFill/>
                 </a:ln>
@@ -3491,7 +3477,7 @@
               <a:t> </a:t>
             </a:r>
             <a:r>
-              <a:rPr kumimoji="0" lang="zh-CN" altLang="zh-CN" sz="1100" b="0" i="0" u="none" strike="noStrike" cap="none" normalizeH="0" baseline="0" dirty="0" smtClean="0">
+              <a:rPr kumimoji="0" lang="zh-CN" altLang="zh-CN" sz="1100" b="0" i="0" u="none" strike="noStrike" cap="none" normalizeH="0" baseline="0" dirty="0">
                 <a:ln>
                   <a:noFill/>
                 </a:ln>
@@ -3505,7 +3491,7 @@
               <a:t>5</a:t>
             </a:r>
             <a:r>
-              <a:rPr kumimoji="0" lang="zh-CN" altLang="zh-CN" sz="1100" b="0" i="0" u="none" strike="noStrike" cap="none" normalizeH="0" baseline="0" dirty="0" smtClean="0">
+              <a:rPr kumimoji="0" lang="zh-CN" altLang="zh-CN" sz="1100" b="0" i="0" u="none" strike="noStrike" cap="none" normalizeH="0" baseline="0" dirty="0">
                 <a:ln>
                   <a:noFill/>
                 </a:ln>
@@ -3519,7 +3505,7 @@
               <a:t> </a:t>
             </a:r>
             <a:r>
-              <a:rPr kumimoji="0" lang="zh-CN" altLang="zh-CN" sz="1100" b="0" i="1" u="none" strike="noStrike" cap="none" normalizeH="0" baseline="0" dirty="0" smtClean="0">
+              <a:rPr kumimoji="0" lang="zh-CN" altLang="zh-CN" sz="1100" b="0" i="1" u="none" strike="noStrike" cap="none" normalizeH="0" baseline="0" dirty="0">
                 <a:ln>
                   <a:noFill/>
                 </a:ln>
@@ -3533,7 +3519,7 @@
               <a:t># division always returns a floating point number</a:t>
             </a:r>
             <a:r>
-              <a:rPr kumimoji="0" lang="zh-CN" altLang="zh-CN" sz="1100" b="0" i="0" u="none" strike="noStrike" cap="none" normalizeH="0" baseline="0" dirty="0" smtClean="0">
+              <a:rPr kumimoji="0" lang="zh-CN" altLang="zh-CN" sz="1100" b="0" i="0" u="none" strike="noStrike" cap="none" normalizeH="0" baseline="0" dirty="0">
                 <a:ln>
                   <a:noFill/>
                 </a:ln>
@@ -3547,7 +3533,7 @@
               <a:t> 1.6</a:t>
             </a:r>
             <a:r>
-              <a:rPr kumimoji="0" lang="zh-CN" altLang="zh-CN" sz="800" b="0" i="0" u="none" strike="noStrike" cap="none" normalizeH="0" baseline="0" dirty="0" smtClean="0">
+              <a:rPr kumimoji="0" lang="zh-CN" altLang="zh-CN" sz="800" b="0" i="0" u="none" strike="noStrike" cap="none" normalizeH="0" baseline="0" dirty="0">
                 <a:ln>
                   <a:noFill/>
                 </a:ln>
@@ -3558,7 +3544,7 @@
               </a:rPr>
               <a:t> </a:t>
             </a:r>
-            <a:endParaRPr kumimoji="0" lang="zh-CN" altLang="zh-CN" sz="1800" b="0" i="0" u="none" strike="noStrike" cap="none" normalizeH="0" baseline="0" dirty="0" smtClean="0">
+            <a:endParaRPr kumimoji="0" lang="zh-CN" altLang="zh-CN" sz="1800" b="0" i="0" u="none" strike="noStrike" cap="none" normalizeH="0" baseline="0" dirty="0">
               <a:ln>
                 <a:noFill/>
               </a:ln>
@@ -3642,7 +3628,7 @@
               <a:tabLst/>
             </a:pPr>
             <a:r>
-              <a:rPr kumimoji="0" lang="zh-CN" altLang="zh-CN" sz="1100" b="0" i="0" u="none" strike="noStrike" cap="none" normalizeH="0" baseline="0" smtClean="0">
+              <a:rPr kumimoji="0" lang="zh-CN" altLang="zh-CN" sz="1100" b="0" i="0" u="none" strike="noStrike" cap="none" normalizeH="0" baseline="0">
                 <a:ln>
                   <a:noFill/>
                 </a:ln>
@@ -3656,7 +3642,7 @@
               <a:t>17</a:t>
             </a:r>
             <a:r>
-              <a:rPr kumimoji="0" lang="zh-CN" altLang="zh-CN" sz="1100" b="0" i="0" u="none" strike="noStrike" cap="none" normalizeH="0" baseline="0" smtClean="0">
+              <a:rPr kumimoji="0" lang="zh-CN" altLang="zh-CN" sz="1100" b="0" i="0" u="none" strike="noStrike" cap="none" normalizeH="0" baseline="0">
                 <a:ln>
                   <a:noFill/>
                 </a:ln>
@@ -3670,7 +3656,7 @@
               <a:t> </a:t>
             </a:r>
             <a:r>
-              <a:rPr kumimoji="0" lang="zh-CN" altLang="zh-CN" sz="1800" b="0" i="0" u="none" strike="noStrike" cap="none" normalizeH="0" baseline="0" smtClean="0">
+              <a:rPr kumimoji="0" lang="zh-CN" altLang="zh-CN" sz="1800" b="0" i="0" u="none" strike="noStrike" cap="none" normalizeH="0" baseline="0">
                 <a:ln>
                   <a:noFill/>
                 </a:ln>
@@ -3683,7 +3669,7 @@
               <a:t>//</a:t>
             </a:r>
             <a:r>
-              <a:rPr kumimoji="0" lang="zh-CN" altLang="zh-CN" sz="1100" b="0" i="0" u="none" strike="noStrike" cap="none" normalizeH="0" baseline="0" smtClean="0">
+              <a:rPr kumimoji="0" lang="zh-CN" altLang="zh-CN" sz="1100" b="0" i="0" u="none" strike="noStrike" cap="none" normalizeH="0" baseline="0">
                 <a:ln>
                   <a:noFill/>
                 </a:ln>
@@ -3697,7 +3683,7 @@
               <a:t> </a:t>
             </a:r>
             <a:r>
-              <a:rPr kumimoji="0" lang="zh-CN" altLang="zh-CN" sz="1100" b="0" i="0" u="none" strike="noStrike" cap="none" normalizeH="0" baseline="0" smtClean="0">
+              <a:rPr kumimoji="0" lang="zh-CN" altLang="zh-CN" sz="1100" b="0" i="0" u="none" strike="noStrike" cap="none" normalizeH="0" baseline="0">
                 <a:ln>
                   <a:noFill/>
                 </a:ln>
@@ -3711,7 +3697,7 @@
               <a:t>3</a:t>
             </a:r>
             <a:r>
-              <a:rPr kumimoji="0" lang="zh-CN" altLang="zh-CN" sz="1100" b="0" i="0" u="none" strike="noStrike" cap="none" normalizeH="0" baseline="0" smtClean="0">
+              <a:rPr kumimoji="0" lang="zh-CN" altLang="zh-CN" sz="1100" b="0" i="0" u="none" strike="noStrike" cap="none" normalizeH="0" baseline="0">
                 <a:ln>
                   <a:noFill/>
                 </a:ln>
@@ -3725,7 +3711,7 @@
               <a:t> </a:t>
             </a:r>
             <a:r>
-              <a:rPr kumimoji="0" lang="zh-CN" altLang="zh-CN" sz="1100" b="0" i="1" u="none" strike="noStrike" cap="none" normalizeH="0" baseline="0" smtClean="0">
+              <a:rPr kumimoji="0" lang="zh-CN" altLang="zh-CN" sz="1100" b="0" i="1" u="none" strike="noStrike" cap="none" normalizeH="0" baseline="0">
                 <a:ln>
                   <a:noFill/>
                 </a:ln>
@@ -3739,7 +3725,7 @@
               <a:t># floor division discards the fractional part</a:t>
             </a:r>
             <a:r>
-              <a:rPr kumimoji="0" lang="zh-CN" altLang="zh-CN" sz="1100" b="0" i="0" u="none" strike="noStrike" cap="none" normalizeH="0" baseline="0" smtClean="0">
+              <a:rPr kumimoji="0" lang="zh-CN" altLang="zh-CN" sz="1100" b="0" i="0" u="none" strike="noStrike" cap="none" normalizeH="0" baseline="0">
                 <a:ln>
                   <a:noFill/>
                 </a:ln>
@@ -3753,7 +3739,7 @@
               <a:t> 5</a:t>
             </a:r>
             <a:r>
-              <a:rPr kumimoji="0" lang="zh-CN" altLang="zh-CN" sz="800" b="0" i="0" u="none" strike="noStrike" cap="none" normalizeH="0" baseline="0" smtClean="0">
+              <a:rPr kumimoji="0" lang="zh-CN" altLang="zh-CN" sz="800" b="0" i="0" u="none" strike="noStrike" cap="none" normalizeH="0" baseline="0">
                 <a:ln>
                   <a:noFill/>
                 </a:ln>
@@ -3764,7 +3750,7 @@
               </a:rPr>
               <a:t> </a:t>
             </a:r>
-            <a:endParaRPr kumimoji="0" lang="zh-CN" altLang="zh-CN" sz="1800" b="0" i="0" u="none" strike="noStrike" cap="none" normalizeH="0" baseline="0" smtClean="0">
+            <a:endParaRPr kumimoji="0" lang="zh-CN" altLang="zh-CN" sz="1800" b="0" i="0" u="none" strike="noStrike" cap="none" normalizeH="0" baseline="0">
               <a:ln>
                 <a:noFill/>
               </a:ln>
@@ -3848,7 +3834,7 @@
               <a:tabLst/>
             </a:pPr>
             <a:r>
-              <a:rPr kumimoji="0" lang="zh-CN" altLang="zh-CN" sz="1100" b="0" i="0" u="none" strike="noStrike" cap="none" normalizeH="0" baseline="0" smtClean="0">
+              <a:rPr kumimoji="0" lang="zh-CN" altLang="zh-CN" sz="1100" b="0" i="0" u="none" strike="noStrike" cap="none" normalizeH="0" baseline="0">
                 <a:ln>
                   <a:noFill/>
                 </a:ln>
@@ -3862,7 +3848,7 @@
               <a:t>2</a:t>
             </a:r>
             <a:r>
-              <a:rPr kumimoji="0" lang="zh-CN" altLang="zh-CN" sz="1100" b="0" i="0" u="none" strike="noStrike" cap="none" normalizeH="0" baseline="0" smtClean="0">
+              <a:rPr kumimoji="0" lang="zh-CN" altLang="zh-CN" sz="1100" b="0" i="0" u="none" strike="noStrike" cap="none" normalizeH="0" baseline="0">
                 <a:ln>
                   <a:noFill/>
                 </a:ln>
@@ -3876,7 +3862,7 @@
               <a:t> </a:t>
             </a:r>
             <a:r>
-              <a:rPr kumimoji="0" lang="zh-CN" altLang="zh-CN" sz="1800" b="0" i="0" u="none" strike="noStrike" cap="none" normalizeH="0" baseline="0" smtClean="0">
+              <a:rPr kumimoji="0" lang="zh-CN" altLang="zh-CN" sz="1800" b="0" i="0" u="none" strike="noStrike" cap="none" normalizeH="0" baseline="0">
                 <a:ln>
                   <a:noFill/>
                 </a:ln>
@@ -3889,7 +3875,7 @@
               <a:t>**</a:t>
             </a:r>
             <a:r>
-              <a:rPr kumimoji="0" lang="zh-CN" altLang="zh-CN" sz="1100" b="0" i="0" u="none" strike="noStrike" cap="none" normalizeH="0" baseline="0" smtClean="0">
+              <a:rPr kumimoji="0" lang="zh-CN" altLang="zh-CN" sz="1100" b="0" i="0" u="none" strike="noStrike" cap="none" normalizeH="0" baseline="0">
                 <a:ln>
                   <a:noFill/>
                 </a:ln>
@@ -3903,7 +3889,7 @@
               <a:t> </a:t>
             </a:r>
             <a:r>
-              <a:rPr kumimoji="0" lang="zh-CN" altLang="zh-CN" sz="1100" b="0" i="0" u="none" strike="noStrike" cap="none" normalizeH="0" baseline="0" smtClean="0">
+              <a:rPr kumimoji="0" lang="zh-CN" altLang="zh-CN" sz="1100" b="0" i="0" u="none" strike="noStrike" cap="none" normalizeH="0" baseline="0">
                 <a:ln>
                   <a:noFill/>
                 </a:ln>
@@ -3917,7 +3903,7 @@
               <a:t>7</a:t>
             </a:r>
             <a:r>
-              <a:rPr kumimoji="0" lang="zh-CN" altLang="zh-CN" sz="1100" b="0" i="0" u="none" strike="noStrike" cap="none" normalizeH="0" baseline="0" smtClean="0">
+              <a:rPr kumimoji="0" lang="zh-CN" altLang="zh-CN" sz="1100" b="0" i="0" u="none" strike="noStrike" cap="none" normalizeH="0" baseline="0">
                 <a:ln>
                   <a:noFill/>
                 </a:ln>
@@ -3931,7 +3917,7 @@
               <a:t> </a:t>
             </a:r>
             <a:r>
-              <a:rPr kumimoji="0" lang="zh-CN" altLang="zh-CN" sz="1100" b="0" i="1" u="none" strike="noStrike" cap="none" normalizeH="0" baseline="0" smtClean="0">
+              <a:rPr kumimoji="0" lang="zh-CN" altLang="zh-CN" sz="1100" b="0" i="1" u="none" strike="noStrike" cap="none" normalizeH="0" baseline="0">
                 <a:ln>
                   <a:noFill/>
                 </a:ln>
@@ -3945,7 +3931,7 @@
               <a:t># 2 to the power of 7</a:t>
             </a:r>
             <a:r>
-              <a:rPr kumimoji="0" lang="zh-CN" altLang="zh-CN" sz="1100" b="0" i="0" u="none" strike="noStrike" cap="none" normalizeH="0" baseline="0" smtClean="0">
+              <a:rPr kumimoji="0" lang="zh-CN" altLang="zh-CN" sz="1100" b="0" i="0" u="none" strike="noStrike" cap="none" normalizeH="0" baseline="0">
                 <a:ln>
                   <a:noFill/>
                 </a:ln>
@@ -3959,7 +3945,7 @@
               <a:t> 128</a:t>
             </a:r>
             <a:r>
-              <a:rPr kumimoji="0" lang="zh-CN" altLang="zh-CN" sz="800" b="0" i="0" u="none" strike="noStrike" cap="none" normalizeH="0" baseline="0" smtClean="0">
+              <a:rPr kumimoji="0" lang="zh-CN" altLang="zh-CN" sz="800" b="0" i="0" u="none" strike="noStrike" cap="none" normalizeH="0" baseline="0">
                 <a:ln>
                   <a:noFill/>
                 </a:ln>
@@ -3970,7 +3956,7 @@
               </a:rPr>
               <a:t> </a:t>
             </a:r>
-            <a:endParaRPr kumimoji="0" lang="zh-CN" altLang="zh-CN" sz="1800" b="0" i="0" u="none" strike="noStrike" cap="none" normalizeH="0" baseline="0" smtClean="0">
+            <a:endParaRPr kumimoji="0" lang="zh-CN" altLang="zh-CN" sz="1800" b="0" i="0" u="none" strike="noStrike" cap="none" normalizeH="0" baseline="0">
               <a:ln>
                 <a:noFill/>
               </a:ln>
@@ -4054,7 +4040,7 @@
               <a:tabLst/>
             </a:pPr>
             <a:r>
-              <a:rPr kumimoji="0" lang="zh-CN" altLang="zh-CN" sz="1200" b="0" i="0" u="none" strike="noStrike" cap="none" normalizeH="0" baseline="0" dirty="0" smtClean="0">
+              <a:rPr kumimoji="0" lang="zh-CN" altLang="zh-CN" sz="1200" b="0" i="0" u="none" strike="noStrike" cap="none" normalizeH="0" baseline="0" dirty="0">
                 <a:ln>
                   <a:noFill/>
                 </a:ln>
@@ -4068,7 +4054,7 @@
               <a:t>In interactive mode, the last printed expression is assigned to the variable </a:t>
             </a:r>
             <a:r>
-              <a:rPr kumimoji="0" lang="zh-CN" altLang="zh-CN" sz="1100" b="0" i="0" u="none" strike="noStrike" cap="none" normalizeH="0" baseline="0" dirty="0" smtClean="0">
+              <a:rPr kumimoji="0" lang="zh-CN" altLang="zh-CN" sz="1100" b="0" i="0" u="none" strike="noStrike" cap="none" normalizeH="0" baseline="0" dirty="0">
                 <a:ln>
                   <a:noFill/>
                 </a:ln>
@@ -4082,7 +4068,7 @@
               <a:t>_</a:t>
             </a:r>
             <a:r>
-              <a:rPr kumimoji="0" lang="zh-CN" altLang="zh-CN" sz="800" b="0" i="0" u="none" strike="noStrike" cap="none" normalizeH="0" baseline="0" dirty="0" smtClean="0">
+              <a:rPr kumimoji="0" lang="zh-CN" altLang="zh-CN" sz="800" b="0" i="0" u="none" strike="noStrike" cap="none" normalizeH="0" baseline="0" dirty="0">
                 <a:ln>
                   <a:noFill/>
                 </a:ln>
@@ -4093,7 +4079,7 @@
               </a:rPr>
               <a:t> </a:t>
             </a:r>
-            <a:endParaRPr kumimoji="0" lang="zh-CN" altLang="zh-CN" sz="1800" b="0" i="0" u="none" strike="noStrike" cap="none" normalizeH="0" baseline="0" dirty="0" smtClean="0">
+            <a:endParaRPr kumimoji="0" lang="zh-CN" altLang="zh-CN" sz="1800" b="0" i="0" u="none" strike="noStrike" cap="none" normalizeH="0" baseline="0" dirty="0">
               <a:ln>
                 <a:noFill/>
               </a:ln>
@@ -4177,7 +4163,7 @@
               <a:tabLst/>
             </a:pPr>
             <a:r>
-              <a:rPr kumimoji="0" lang="zh-CN" altLang="zh-CN" sz="1100" b="1" i="0" u="none" strike="noStrike" cap="none" normalizeH="0" baseline="0" dirty="0" smtClean="0">
+              <a:rPr kumimoji="0" lang="zh-CN" altLang="zh-CN" sz="1100" b="1" i="0" u="none" strike="noStrike" cap="none" normalizeH="0" baseline="0" dirty="0">
                 <a:ln>
                   <a:noFill/>
                 </a:ln>
@@ -4191,7 +4177,7 @@
               <a:t>&gt;&gt;&gt; </a:t>
             </a:r>
             <a:r>
-              <a:rPr kumimoji="0" lang="zh-CN" altLang="zh-CN" sz="1100" b="0" i="0" u="none" strike="noStrike" cap="none" normalizeH="0" baseline="0" dirty="0" smtClean="0">
+              <a:rPr kumimoji="0" lang="zh-CN" altLang="zh-CN" sz="1100" b="0" i="0" u="none" strike="noStrike" cap="none" normalizeH="0" baseline="0" dirty="0">
                 <a:ln>
                   <a:noFill/>
                 </a:ln>
@@ -4205,7 +4191,7 @@
               <a:t>'"Isn</a:t>
             </a:r>
             <a:r>
-              <a:rPr kumimoji="0" lang="zh-CN" altLang="zh-CN" sz="1100" b="1" i="0" u="none" strike="noStrike" cap="none" normalizeH="0" baseline="0" dirty="0" smtClean="0">
+              <a:rPr kumimoji="0" lang="zh-CN" altLang="zh-CN" sz="1100" b="1" i="0" u="none" strike="noStrike" cap="none" normalizeH="0" baseline="0" dirty="0">
                 <a:ln>
                   <a:noFill/>
                 </a:ln>
@@ -4219,7 +4205,7 @@
               <a:t>\'</a:t>
             </a:r>
             <a:r>
-              <a:rPr kumimoji="0" lang="zh-CN" altLang="zh-CN" sz="1100" b="0" i="0" u="none" strike="noStrike" cap="none" normalizeH="0" baseline="0" dirty="0" smtClean="0">
+              <a:rPr kumimoji="0" lang="zh-CN" altLang="zh-CN" sz="1100" b="0" i="0" u="none" strike="noStrike" cap="none" normalizeH="0" baseline="0" dirty="0">
                 <a:ln>
                   <a:noFill/>
                 </a:ln>
@@ -4232,7 +4218,7 @@
               </a:rPr>
               <a:t>t," she said.‘</a:t>
             </a:r>
-            <a:endParaRPr kumimoji="0" lang="en-US" altLang="zh-CN" sz="1100" b="0" i="0" u="none" strike="noStrike" cap="none" normalizeH="0" baseline="0" dirty="0" smtClean="0">
+            <a:endParaRPr kumimoji="0" lang="en-US" altLang="zh-CN" sz="1100" b="0" i="0" u="none" strike="noStrike" cap="none" normalizeH="0" baseline="0" dirty="0">
               <a:ln>
                 <a:noFill/>
               </a:ln>
@@ -4262,7 +4248,7 @@
               <a:tabLst/>
             </a:pPr>
             <a:r>
-              <a:rPr kumimoji="0" lang="zh-CN" altLang="zh-CN" sz="1100" b="0" i="0" u="none" strike="noStrike" cap="none" normalizeH="0" baseline="0" dirty="0" smtClean="0">
+              <a:rPr kumimoji="0" lang="zh-CN" altLang="zh-CN" sz="1100" b="0" i="0" u="none" strike="noStrike" cap="none" normalizeH="0" baseline="0" dirty="0">
                 <a:ln>
                   <a:noFill/>
                 </a:ln>
@@ -4275,7 +4261,7 @@
               </a:rPr>
               <a:t> '"Isn\'t," she said.' </a:t>
             </a:r>
-            <a:endParaRPr kumimoji="0" lang="en-US" altLang="zh-CN" sz="1100" b="0" i="0" u="none" strike="noStrike" cap="none" normalizeH="0" baseline="0" dirty="0" smtClean="0">
+            <a:endParaRPr kumimoji="0" lang="en-US" altLang="zh-CN" sz="1100" b="0" i="0" u="none" strike="noStrike" cap="none" normalizeH="0" baseline="0" dirty="0">
               <a:ln>
                 <a:noFill/>
               </a:ln>
@@ -4305,7 +4291,7 @@
               <a:tabLst/>
             </a:pPr>
             <a:r>
-              <a:rPr kumimoji="0" lang="zh-CN" altLang="zh-CN" sz="1100" b="1" i="0" u="none" strike="noStrike" cap="none" normalizeH="0" baseline="0" dirty="0" smtClean="0">
+              <a:rPr kumimoji="0" lang="zh-CN" altLang="zh-CN" sz="1100" b="1" i="0" u="none" strike="noStrike" cap="none" normalizeH="0" baseline="0" dirty="0">
                 <a:ln>
                   <a:noFill/>
                 </a:ln>
@@ -4319,7 +4305,7 @@
               <a:t>&gt;&gt;&gt; </a:t>
             </a:r>
             <a:r>
-              <a:rPr kumimoji="0" lang="zh-CN" altLang="zh-CN" sz="1100" b="0" i="0" u="none" strike="noStrike" cap="none" normalizeH="0" baseline="0" dirty="0" smtClean="0">
+              <a:rPr kumimoji="0" lang="zh-CN" altLang="zh-CN" sz="1100" b="0" i="0" u="none" strike="noStrike" cap="none" normalizeH="0" baseline="0" dirty="0">
                 <a:ln>
                   <a:noFill/>
                 </a:ln>
@@ -4333,7 +4319,7 @@
               <a:t>(</a:t>
             </a:r>
             <a:r>
-              <a:rPr kumimoji="0" lang="zh-CN" altLang="zh-CN" sz="1100" b="0" i="0" u="none" strike="noStrike" cap="none" normalizeH="0" baseline="0" dirty="0" smtClean="0">
+              <a:rPr kumimoji="0" lang="zh-CN" altLang="zh-CN" sz="1100" b="0" i="0" u="none" strike="noStrike" cap="none" normalizeH="0" baseline="0" dirty="0">
                 <a:ln>
                   <a:noFill/>
                 </a:ln>
@@ -4347,7 +4333,7 @@
               <a:t>'"Isn</a:t>
             </a:r>
             <a:r>
-              <a:rPr kumimoji="0" lang="zh-CN" altLang="zh-CN" sz="1100" b="1" i="0" u="none" strike="noStrike" cap="none" normalizeH="0" baseline="0" dirty="0" smtClean="0">
+              <a:rPr kumimoji="0" lang="zh-CN" altLang="zh-CN" sz="1100" b="1" i="0" u="none" strike="noStrike" cap="none" normalizeH="0" baseline="0" dirty="0">
                 <a:ln>
                   <a:noFill/>
                 </a:ln>
@@ -4361,7 +4347,7 @@
               <a:t>\'</a:t>
             </a:r>
             <a:r>
-              <a:rPr kumimoji="0" lang="zh-CN" altLang="zh-CN" sz="1100" b="0" i="0" u="none" strike="noStrike" cap="none" normalizeH="0" baseline="0" dirty="0" smtClean="0">
+              <a:rPr kumimoji="0" lang="zh-CN" altLang="zh-CN" sz="1100" b="0" i="0" u="none" strike="noStrike" cap="none" normalizeH="0" baseline="0" dirty="0">
                 <a:ln>
                   <a:noFill/>
                 </a:ln>
@@ -4375,7 +4361,7 @@
               <a:t>t," she said.'</a:t>
             </a:r>
             <a:r>
-              <a:rPr kumimoji="0" lang="zh-CN" altLang="zh-CN" sz="1100" b="0" i="0" u="none" strike="noStrike" cap="none" normalizeH="0" baseline="0" dirty="0" smtClean="0">
+              <a:rPr kumimoji="0" lang="zh-CN" altLang="zh-CN" sz="1100" b="0" i="0" u="none" strike="noStrike" cap="none" normalizeH="0" baseline="0" dirty="0">
                 <a:ln>
                   <a:noFill/>
                 </a:ln>
@@ -4388,7 +4374,7 @@
               </a:rPr>
               <a:t>) </a:t>
             </a:r>
-            <a:endParaRPr kumimoji="0" lang="en-US" altLang="zh-CN" sz="1100" b="0" i="0" u="none" strike="noStrike" cap="none" normalizeH="0" baseline="0" dirty="0" smtClean="0">
+            <a:endParaRPr kumimoji="0" lang="en-US" altLang="zh-CN" sz="1100" b="0" i="0" u="none" strike="noStrike" cap="none" normalizeH="0" baseline="0" dirty="0">
               <a:ln>
                 <a:noFill/>
               </a:ln>
@@ -4428,7 +4414,7 @@
               <a:t> </a:t>
             </a:r>
             <a:r>
-              <a:rPr kumimoji="0" lang="zh-CN" altLang="zh-CN" sz="1100" b="0" i="0" u="none" strike="noStrike" cap="none" normalizeH="0" baseline="0" dirty="0" smtClean="0">
+              <a:rPr kumimoji="0" lang="zh-CN" altLang="zh-CN" sz="1100" b="0" i="0" u="none" strike="noStrike" cap="none" normalizeH="0" baseline="0" dirty="0">
                 <a:ln>
                   <a:noFill/>
                 </a:ln>
@@ -4442,7 +4428,7 @@
               <a:t>"Isn't," she said.</a:t>
             </a:r>
             <a:r>
-              <a:rPr kumimoji="0" lang="zh-CN" altLang="zh-CN" sz="800" b="0" i="0" u="none" strike="noStrike" cap="none" normalizeH="0" baseline="0" dirty="0" smtClean="0">
+              <a:rPr kumimoji="0" lang="zh-CN" altLang="zh-CN" sz="800" b="0" i="0" u="none" strike="noStrike" cap="none" normalizeH="0" baseline="0" dirty="0">
                 <a:ln>
                   <a:noFill/>
                 </a:ln>
@@ -4453,7 +4439,7 @@
               </a:rPr>
               <a:t> </a:t>
             </a:r>
-            <a:endParaRPr kumimoji="0" lang="zh-CN" altLang="zh-CN" sz="1800" b="0" i="0" u="none" strike="noStrike" cap="none" normalizeH="0" baseline="0" dirty="0" smtClean="0">
+            <a:endParaRPr kumimoji="0" lang="zh-CN" altLang="zh-CN" sz="1800" b="0" i="0" u="none" strike="noStrike" cap="none" normalizeH="0" baseline="0" dirty="0">
               <a:ln>
                 <a:noFill/>
               </a:ln>
@@ -4512,10 +4498,9 @@
           <a:lstStyle/>
           <a:p>
             <a:r>
-              <a:rPr lang="zh-CN" altLang="en-US" dirty="0" smtClean="0"/>
+              <a:rPr lang="zh-CN" altLang="en-US" dirty="0"/>
               <a:t>数据结构</a:t>
             </a:r>
-            <a:endParaRPr lang="zh-CN" altLang="en-US" dirty="0"/>
           </a:p>
         </p:txBody>
       </p:sp>
@@ -4975,7 +4960,7 @@
               <a:tabLst/>
             </a:pPr>
             <a:r>
-              <a:rPr kumimoji="0" lang="zh-CN" altLang="zh-CN" sz="1200" b="0" i="0" u="none" strike="noStrike" cap="none" normalizeH="0" baseline="0" smtClean="0">
+              <a:rPr kumimoji="0" lang="zh-CN" altLang="zh-CN" sz="1200" b="0" i="0" u="none" strike="noStrike" cap="none" normalizeH="0" baseline="0">
                 <a:ln>
                   <a:noFill/>
                 </a:ln>
@@ -4989,7 +4974,7 @@
               <a:t>to create an empty set you have to use </a:t>
             </a:r>
             <a:r>
-              <a:rPr kumimoji="0" lang="zh-CN" altLang="zh-CN" sz="1100" b="0" i="0" u="none" strike="noStrike" cap="none" normalizeH="0" baseline="0" smtClean="0">
+              <a:rPr kumimoji="0" lang="zh-CN" altLang="zh-CN" sz="1100" b="0" i="0" u="none" strike="noStrike" cap="none" normalizeH="0" baseline="0">
                 <a:ln>
                   <a:noFill/>
                 </a:ln>
@@ -5003,7 +4988,7 @@
               <a:t>set()</a:t>
             </a:r>
             <a:r>
-              <a:rPr kumimoji="0" lang="zh-CN" altLang="zh-CN" sz="1200" b="0" i="0" u="none" strike="noStrike" cap="none" normalizeH="0" baseline="0" smtClean="0">
+              <a:rPr kumimoji="0" lang="zh-CN" altLang="zh-CN" sz="1200" b="0" i="0" u="none" strike="noStrike" cap="none" normalizeH="0" baseline="0">
                 <a:ln>
                   <a:noFill/>
                 </a:ln>
@@ -5016,7 +5001,7 @@
               <a:t>, not</a:t>
             </a:r>
             <a:r>
-              <a:rPr kumimoji="0" lang="zh-CN" altLang="zh-CN" sz="1200" b="0" i="0" u="none" strike="noStrike" cap="none" normalizeH="0" baseline="0" smtClean="0">
+              <a:rPr kumimoji="0" lang="zh-CN" altLang="zh-CN" sz="1200" b="0" i="0" u="none" strike="noStrike" cap="none" normalizeH="0" baseline="0">
                 <a:ln>
                   <a:noFill/>
                 </a:ln>
@@ -5030,7 +5015,7 @@
               <a:t> </a:t>
             </a:r>
             <a:r>
-              <a:rPr kumimoji="0" lang="zh-CN" altLang="zh-CN" sz="1100" b="0" i="0" u="none" strike="noStrike" cap="none" normalizeH="0" baseline="0" smtClean="0">
+              <a:rPr kumimoji="0" lang="zh-CN" altLang="zh-CN" sz="1100" b="0" i="0" u="none" strike="noStrike" cap="none" normalizeH="0" baseline="0">
                 <a:ln>
                   <a:noFill/>
                 </a:ln>
@@ -5044,7 +5029,7 @@
               <a:t>{}</a:t>
             </a:r>
             <a:r>
-              <a:rPr kumimoji="0" lang="zh-CN" altLang="zh-CN" sz="1200" b="0" i="0" u="none" strike="noStrike" cap="none" normalizeH="0" baseline="0" smtClean="0">
+              <a:rPr kumimoji="0" lang="zh-CN" altLang="zh-CN" sz="1200" b="0" i="0" u="none" strike="noStrike" cap="none" normalizeH="0" baseline="0">
                 <a:ln>
                   <a:noFill/>
                 </a:ln>
@@ -5057,7 +5042,7 @@
               <a:t>; the latter creates an empty dictionary</a:t>
             </a:r>
             <a:r>
-              <a:rPr kumimoji="0" lang="zh-CN" altLang="zh-CN" sz="800" b="0" i="0" u="none" strike="noStrike" cap="none" normalizeH="0" baseline="0" smtClean="0">
+              <a:rPr kumimoji="0" lang="zh-CN" altLang="zh-CN" sz="800" b="0" i="0" u="none" strike="noStrike" cap="none" normalizeH="0" baseline="0">
                 <a:ln>
                   <a:noFill/>
                 </a:ln>
@@ -5069,7 +5054,7 @@
               </a:rPr>
               <a:t> </a:t>
             </a:r>
-            <a:endParaRPr kumimoji="0" lang="zh-CN" altLang="zh-CN" sz="1800" b="0" i="0" u="none" strike="noStrike" cap="none" normalizeH="0" baseline="0" smtClean="0">
+            <a:endParaRPr kumimoji="0" lang="zh-CN" altLang="zh-CN" sz="1800" b="0" i="0" u="none" strike="noStrike" cap="none" normalizeH="0" baseline="0">
               <a:ln>
                 <a:noFill/>
               </a:ln>
@@ -5207,11 +5192,11 @@
           <a:lstStyle/>
           <a:p>
             <a:r>
-              <a:rPr lang="en-US" altLang="zh-CN" dirty="0" smtClean="0"/>
+              <a:rPr lang="en-US" altLang="zh-CN" dirty="0"/>
               <a:t>Key </a:t>
             </a:r>
             <a:r>
-              <a:rPr lang="zh-CN" altLang="en-US" dirty="0" smtClean="0"/>
+              <a:rPr lang="zh-CN" altLang="en-US" dirty="0"/>
               <a:t>必须是</a:t>
             </a:r>
             <a:r>
@@ -5352,7 +5337,7 @@
           <a:lstStyle/>
           <a:p>
             <a:r>
-              <a:rPr lang="en-US" altLang="zh-CN" b="0" i="0" dirty="0" smtClean="0">
+              <a:rPr lang="en-US" altLang="zh-CN" b="0" i="0" dirty="0">
                 <a:solidFill>
                   <a:srgbClr val="222222"/>
                 </a:solidFill>
@@ -5417,7 +5402,7 @@
           <a:lstStyle/>
           <a:p>
             <a:r>
-              <a:rPr lang="en-US" altLang="zh-CN" b="0" i="0" dirty="0" smtClean="0">
+              <a:rPr lang="en-US" altLang="zh-CN" b="0" i="0" dirty="0">
                 <a:solidFill>
                   <a:srgbClr val="222222"/>
                 </a:solidFill>
@@ -5427,7 +5412,7 @@
               <a:t>Sequence objects may be compared to other objects with the same sequence type. The comparison uses </a:t>
             </a:r>
             <a:r>
-              <a:rPr lang="en-US" altLang="zh-CN" b="0" i="1" dirty="0" smtClean="0">
+              <a:rPr lang="en-US" altLang="zh-CN" b="0" i="1" dirty="0">
                 <a:solidFill>
                   <a:srgbClr val="222222"/>
                 </a:solidFill>
@@ -5437,7 +5422,7 @@
               <a:t>lexicographical</a:t>
             </a:r>
             <a:r>
-              <a:rPr lang="en-US" altLang="zh-CN" b="0" i="0" dirty="0" smtClean="0">
+              <a:rPr lang="en-US" altLang="zh-CN" b="0" i="0" dirty="0">
                 <a:solidFill>
                   <a:srgbClr val="222222"/>
                 </a:solidFill>
@@ -5728,7 +5713,7 @@
               <a:tabLst/>
             </a:pPr>
             <a:r>
-              <a:rPr kumimoji="0" lang="zh-CN" altLang="zh-CN" sz="1200" b="0" i="0" u="none" strike="noStrike" cap="none" normalizeH="0" baseline="0" smtClean="0">
+              <a:rPr kumimoji="0" lang="zh-CN" altLang="zh-CN" sz="1200" b="0" i="0" u="none" strike="noStrike" cap="none" normalizeH="0" baseline="0">
                 <a:ln>
                   <a:noFill/>
                 </a:ln>
@@ -5742,7 +5727,7 @@
               <a:t>the module’s name (as a string) is available as the value of the global variable </a:t>
             </a:r>
             <a:r>
-              <a:rPr kumimoji="0" lang="zh-CN" altLang="zh-CN" sz="1100" b="0" i="0" u="none" strike="noStrike" cap="none" normalizeH="0" baseline="0" smtClean="0">
+              <a:rPr kumimoji="0" lang="zh-CN" altLang="zh-CN" sz="1100" b="0" i="0" u="none" strike="noStrike" cap="none" normalizeH="0" baseline="0">
                 <a:ln>
                   <a:noFill/>
                 </a:ln>
@@ -5756,7 +5741,7 @@
               <a:t>__name__</a:t>
             </a:r>
             <a:r>
-              <a:rPr kumimoji="0" lang="zh-CN" altLang="zh-CN" sz="1200" b="0" i="0" u="none" strike="noStrike" cap="none" normalizeH="0" baseline="0" smtClean="0">
+              <a:rPr kumimoji="0" lang="zh-CN" altLang="zh-CN" sz="1200" b="0" i="0" u="none" strike="noStrike" cap="none" normalizeH="0" baseline="0">
                 <a:ln>
                   <a:noFill/>
                 </a:ln>
@@ -5769,7 +5754,7 @@
               <a:t>.</a:t>
             </a:r>
             <a:r>
-              <a:rPr kumimoji="0" lang="zh-CN" altLang="zh-CN" sz="1200" b="0" i="0" u="none" strike="noStrike" cap="none" normalizeH="0" baseline="0" smtClean="0">
+              <a:rPr kumimoji="0" lang="zh-CN" altLang="zh-CN" sz="1200" b="0" i="0" u="none" strike="noStrike" cap="none" normalizeH="0" baseline="0">
                 <a:ln>
                   <a:noFill/>
                 </a:ln>
@@ -5783,7 +5768,7 @@
               <a:t> </a:t>
             </a:r>
             <a:r>
-              <a:rPr kumimoji="0" lang="zh-CN" altLang="zh-CN" sz="800" b="0" i="0" u="none" strike="noStrike" cap="none" normalizeH="0" baseline="0" smtClean="0">
+              <a:rPr kumimoji="0" lang="zh-CN" altLang="zh-CN" sz="800" b="0" i="0" u="none" strike="noStrike" cap="none" normalizeH="0" baseline="0">
                 <a:ln>
                   <a:noFill/>
                 </a:ln>
@@ -5795,7 +5780,7 @@
               </a:rPr>
               <a:t> </a:t>
             </a:r>
-            <a:endParaRPr kumimoji="0" lang="zh-CN" altLang="zh-CN" sz="1800" b="0" i="0" u="none" strike="noStrike" cap="none" normalizeH="0" baseline="0" smtClean="0">
+            <a:endParaRPr kumimoji="0" lang="zh-CN" altLang="zh-CN" sz="1800" b="0" i="0" u="none" strike="noStrike" cap="none" normalizeH="0" baseline="0">
               <a:ln>
                 <a:noFill/>
               </a:ln>
@@ -6026,13 +6011,6 @@
   <p:clrMapOvr>
     <a:masterClrMapping/>
   </p:clrMapOvr>
-  <p:timing>
-    <p:tnLst>
-      <p:par>
-        <p:cTn id="1" dur="indefinite" restart="never" nodeType="tmRoot"/>
-      </p:par>
-    </p:tnLst>
-  </p:timing>
 </p:sld>
 </file>
 
@@ -6124,7 +6102,7 @@
               <a:tabLst/>
             </a:pPr>
             <a:r>
-              <a:rPr kumimoji="0" lang="zh-CN" altLang="zh-CN" sz="1100" b="1" i="0" u="none" strike="noStrike" cap="none" normalizeH="0" baseline="0" dirty="0" smtClean="0">
+              <a:rPr kumimoji="0" lang="zh-CN" altLang="zh-CN" sz="1100" b="1" i="0" u="none" strike="noStrike" cap="none" normalizeH="0" baseline="0" dirty="0">
                 <a:ln>
                   <a:noFill/>
                 </a:ln>
@@ -6138,7 +6116,7 @@
               <a:t>&gt;&gt;&gt; </a:t>
             </a:r>
             <a:r>
-              <a:rPr kumimoji="0" lang="zh-CN" altLang="zh-CN" sz="1100" b="0" i="0" u="none" strike="noStrike" cap="none" normalizeH="0" baseline="0" dirty="0" smtClean="0">
+              <a:rPr kumimoji="0" lang="zh-CN" altLang="zh-CN" sz="1100" b="0" i="0" u="none" strike="noStrike" cap="none" normalizeH="0" baseline="0" dirty="0">
                 <a:ln>
                   <a:noFill/>
                 </a:ln>
@@ -6152,7 +6130,7 @@
               <a:t>(</a:t>
             </a:r>
             <a:r>
-              <a:rPr kumimoji="0" lang="zh-CN" altLang="zh-CN" sz="1100" b="0" i="0" u="none" strike="noStrike" cap="none" normalizeH="0" baseline="0" dirty="0" smtClean="0">
+              <a:rPr kumimoji="0" lang="zh-CN" altLang="zh-CN" sz="1100" b="0" i="0" u="none" strike="noStrike" cap="none" normalizeH="0" baseline="0" dirty="0">
                 <a:ln>
                   <a:noFill/>
                 </a:ln>
@@ -6166,7 +6144,7 @@
               <a:t>'C:\some</a:t>
             </a:r>
             <a:r>
-              <a:rPr kumimoji="0" lang="zh-CN" altLang="zh-CN" sz="1100" b="1" i="0" u="none" strike="noStrike" cap="none" normalizeH="0" baseline="0" dirty="0" smtClean="0">
+              <a:rPr kumimoji="0" lang="zh-CN" altLang="zh-CN" sz="1100" b="1" i="0" u="none" strike="noStrike" cap="none" normalizeH="0" baseline="0" dirty="0">
                 <a:ln>
                   <a:noFill/>
                 </a:ln>
@@ -6180,7 +6158,7 @@
               <a:t>\n</a:t>
             </a:r>
             <a:r>
-              <a:rPr kumimoji="0" lang="zh-CN" altLang="zh-CN" sz="1100" b="0" i="0" u="none" strike="noStrike" cap="none" normalizeH="0" baseline="0" dirty="0" smtClean="0">
+              <a:rPr kumimoji="0" lang="zh-CN" altLang="zh-CN" sz="1100" b="0" i="0" u="none" strike="noStrike" cap="none" normalizeH="0" baseline="0" dirty="0">
                 <a:ln>
                   <a:noFill/>
                 </a:ln>
@@ -6194,7 +6172,7 @@
               <a:t>ame'</a:t>
             </a:r>
             <a:r>
-              <a:rPr kumimoji="0" lang="zh-CN" altLang="zh-CN" sz="1100" b="0" i="0" u="none" strike="noStrike" cap="none" normalizeH="0" baseline="0" dirty="0" smtClean="0">
+              <a:rPr kumimoji="0" lang="zh-CN" altLang="zh-CN" sz="1100" b="0" i="0" u="none" strike="noStrike" cap="none" normalizeH="0" baseline="0" dirty="0">
                 <a:ln>
                   <a:noFill/>
                 </a:ln>
@@ -6208,7 +6186,7 @@
               <a:t>) </a:t>
             </a:r>
             <a:r>
-              <a:rPr kumimoji="0" lang="zh-CN" altLang="zh-CN" sz="1100" b="0" i="1" u="none" strike="noStrike" cap="none" normalizeH="0" baseline="0" dirty="0" smtClean="0">
+              <a:rPr kumimoji="0" lang="zh-CN" altLang="zh-CN" sz="1100" b="0" i="1" u="none" strike="noStrike" cap="none" normalizeH="0" baseline="0" dirty="0">
                 <a:ln>
                   <a:noFill/>
                 </a:ln>
@@ -6222,7 +6200,7 @@
               <a:t># here \n means newline!</a:t>
             </a:r>
             <a:r>
-              <a:rPr kumimoji="0" lang="zh-CN" altLang="zh-CN" sz="1100" b="0" i="0" u="none" strike="noStrike" cap="none" normalizeH="0" baseline="0" dirty="0" smtClean="0">
+              <a:rPr kumimoji="0" lang="zh-CN" altLang="zh-CN" sz="1100" b="0" i="0" u="none" strike="noStrike" cap="none" normalizeH="0" baseline="0" dirty="0">
                 <a:ln>
                   <a:noFill/>
                 </a:ln>
@@ -6235,7 +6213,7 @@
               </a:rPr>
               <a:t> </a:t>
             </a:r>
-            <a:endParaRPr kumimoji="0" lang="en-US" altLang="zh-CN" sz="1100" b="0" i="0" u="none" strike="noStrike" cap="none" normalizeH="0" baseline="0" dirty="0" smtClean="0">
+            <a:endParaRPr kumimoji="0" lang="en-US" altLang="zh-CN" sz="1100" b="0" i="0" u="none" strike="noStrike" cap="none" normalizeH="0" baseline="0" dirty="0">
               <a:ln>
                 <a:noFill/>
               </a:ln>
@@ -6265,7 +6243,7 @@
               <a:tabLst/>
             </a:pPr>
             <a:r>
-              <a:rPr kumimoji="0" lang="zh-CN" altLang="zh-CN" sz="1100" b="0" i="0" u="none" strike="noStrike" cap="none" normalizeH="0" baseline="0" dirty="0" smtClean="0">
+              <a:rPr kumimoji="0" lang="zh-CN" altLang="zh-CN" sz="1100" b="0" i="0" u="none" strike="noStrike" cap="none" normalizeH="0" baseline="0" dirty="0">
                 <a:ln>
                   <a:noFill/>
                 </a:ln>
@@ -6278,7 +6256,7 @@
               </a:rPr>
               <a:t>C:\some ame </a:t>
             </a:r>
-            <a:endParaRPr kumimoji="0" lang="en-US" altLang="zh-CN" sz="1100" b="0" i="0" u="none" strike="noStrike" cap="none" normalizeH="0" baseline="0" dirty="0" smtClean="0">
+            <a:endParaRPr kumimoji="0" lang="en-US" altLang="zh-CN" sz="1100" b="0" i="0" u="none" strike="noStrike" cap="none" normalizeH="0" baseline="0" dirty="0">
               <a:ln>
                 <a:noFill/>
               </a:ln>
@@ -6308,7 +6286,7 @@
               <a:tabLst/>
             </a:pPr>
             <a:r>
-              <a:rPr kumimoji="0" lang="zh-CN" altLang="zh-CN" sz="1100" b="1" i="0" u="none" strike="noStrike" cap="none" normalizeH="0" baseline="0" dirty="0" smtClean="0">
+              <a:rPr kumimoji="0" lang="zh-CN" altLang="zh-CN" sz="1100" b="1" i="0" u="none" strike="noStrike" cap="none" normalizeH="0" baseline="0" dirty="0">
                 <a:ln>
                   <a:noFill/>
                 </a:ln>
@@ -6322,7 +6300,7 @@
               <a:t>&gt;&gt;&gt; </a:t>
             </a:r>
             <a:r>
-              <a:rPr kumimoji="0" lang="zh-CN" altLang="zh-CN" sz="1100" b="0" i="0" u="none" strike="noStrike" cap="none" normalizeH="0" baseline="0" dirty="0" smtClean="0">
+              <a:rPr kumimoji="0" lang="zh-CN" altLang="zh-CN" sz="1100" b="0" i="0" u="none" strike="noStrike" cap="none" normalizeH="0" baseline="0" dirty="0">
                 <a:ln>
                   <a:noFill/>
                 </a:ln>
@@ -6336,7 +6314,7 @@
               <a:t>(</a:t>
             </a:r>
             <a:r>
-              <a:rPr kumimoji="0" lang="zh-CN" altLang="zh-CN" sz="1100" b="0" i="0" u="none" strike="noStrike" cap="none" normalizeH="0" baseline="0" dirty="0" smtClean="0">
+              <a:rPr kumimoji="0" lang="zh-CN" altLang="zh-CN" sz="1100" b="0" i="0" u="none" strike="noStrike" cap="none" normalizeH="0" baseline="0" dirty="0">
                 <a:ln>
                   <a:noFill/>
                 </a:ln>
@@ -6350,7 +6328,7 @@
               <a:t>r'C:\some\name'</a:t>
             </a:r>
             <a:r>
-              <a:rPr kumimoji="0" lang="zh-CN" altLang="zh-CN" sz="1100" b="0" i="0" u="none" strike="noStrike" cap="none" normalizeH="0" baseline="0" dirty="0" smtClean="0">
+              <a:rPr kumimoji="0" lang="zh-CN" altLang="zh-CN" sz="1100" b="0" i="0" u="none" strike="noStrike" cap="none" normalizeH="0" baseline="0" dirty="0">
                 <a:ln>
                   <a:noFill/>
                 </a:ln>
@@ -6364,7 +6342,7 @@
               <a:t>) </a:t>
             </a:r>
             <a:r>
-              <a:rPr kumimoji="0" lang="zh-CN" altLang="zh-CN" sz="1100" b="0" i="1" u="none" strike="noStrike" cap="none" normalizeH="0" baseline="0" dirty="0" smtClean="0">
+              <a:rPr kumimoji="0" lang="zh-CN" altLang="zh-CN" sz="1100" b="0" i="1" u="none" strike="noStrike" cap="none" normalizeH="0" baseline="0" dirty="0">
                 <a:ln>
                   <a:noFill/>
                 </a:ln>
@@ -6378,7 +6356,7 @@
               <a:t># note the r before the quote</a:t>
             </a:r>
             <a:r>
-              <a:rPr kumimoji="0" lang="zh-CN" altLang="zh-CN" sz="1100" b="0" i="0" u="none" strike="noStrike" cap="none" normalizeH="0" baseline="0" dirty="0" smtClean="0">
+              <a:rPr kumimoji="0" lang="zh-CN" altLang="zh-CN" sz="1100" b="0" i="0" u="none" strike="noStrike" cap="none" normalizeH="0" baseline="0" dirty="0">
                 <a:ln>
                   <a:noFill/>
                 </a:ln>
@@ -6391,7 +6369,7 @@
               </a:rPr>
               <a:t> </a:t>
             </a:r>
-            <a:endParaRPr kumimoji="0" lang="en-US" altLang="zh-CN" sz="1100" b="0" i="0" u="none" strike="noStrike" cap="none" normalizeH="0" baseline="0" dirty="0" smtClean="0">
+            <a:endParaRPr kumimoji="0" lang="en-US" altLang="zh-CN" sz="1100" b="0" i="0" u="none" strike="noStrike" cap="none" normalizeH="0" baseline="0" dirty="0">
               <a:ln>
                 <a:noFill/>
               </a:ln>
@@ -6421,7 +6399,7 @@
               <a:tabLst/>
             </a:pPr>
             <a:r>
-              <a:rPr kumimoji="0" lang="zh-CN" altLang="zh-CN" sz="1100" b="0" i="0" u="none" strike="noStrike" cap="none" normalizeH="0" baseline="0" dirty="0" smtClean="0">
+              <a:rPr kumimoji="0" lang="zh-CN" altLang="zh-CN" sz="1100" b="0" i="0" u="none" strike="noStrike" cap="none" normalizeH="0" baseline="0" dirty="0">
                 <a:ln>
                   <a:noFill/>
                 </a:ln>
@@ -6435,7 +6413,7 @@
               <a:t>C:\some\name</a:t>
             </a:r>
             <a:r>
-              <a:rPr kumimoji="0" lang="zh-CN" altLang="zh-CN" sz="800" b="0" i="0" u="none" strike="noStrike" cap="none" normalizeH="0" baseline="0" dirty="0" smtClean="0">
+              <a:rPr kumimoji="0" lang="zh-CN" altLang="zh-CN" sz="800" b="0" i="0" u="none" strike="noStrike" cap="none" normalizeH="0" baseline="0" dirty="0">
                 <a:ln>
                   <a:noFill/>
                 </a:ln>
@@ -6446,7 +6424,7 @@
               </a:rPr>
               <a:t> </a:t>
             </a:r>
-            <a:endParaRPr kumimoji="0" lang="zh-CN" altLang="zh-CN" sz="1800" b="0" i="0" u="none" strike="noStrike" cap="none" normalizeH="0" baseline="0" dirty="0" smtClean="0">
+            <a:endParaRPr kumimoji="0" lang="zh-CN" altLang="zh-CN" sz="1800" b="0" i="0" u="none" strike="noStrike" cap="none" normalizeH="0" baseline="0" dirty="0">
               <a:ln>
                 <a:noFill/>
               </a:ln>
@@ -6517,13 +6495,6 @@
   <p:clrMapOvr>
     <a:masterClrMapping/>
   </p:clrMapOvr>
-  <p:timing>
-    <p:tnLst>
-      <p:par>
-        <p:cTn id="1" dur="indefinite" restart="never" nodeType="tmRoot"/>
-      </p:par>
-    </p:tnLst>
-  </p:timing>
 </p:sld>
 </file>
 
@@ -6742,7 +6713,7 @@
               <a:tabLst/>
             </a:pPr>
             <a:r>
-              <a:rPr kumimoji="0" lang="zh-CN" altLang="zh-CN" sz="1200" b="0" i="0" u="none" strike="noStrike" cap="none" normalizeH="0" baseline="0" dirty="0" smtClean="0">
+              <a:rPr kumimoji="0" lang="zh-CN" altLang="zh-CN" sz="1200" b="0" i="0" u="none" strike="noStrike" cap="none" normalizeH="0" baseline="0" dirty="0">
                 <a:ln>
                   <a:noFill/>
                 </a:ln>
@@ -6756,7 +6727,7 @@
               <a:t>The built-in function </a:t>
             </a:r>
             <a:r>
-              <a:rPr kumimoji="0" lang="zh-CN" altLang="zh-CN" sz="1100" b="0" i="0" u="none" strike="noStrike" cap="none" normalizeH="0" baseline="0" dirty="0" smtClean="0">
+              <a:rPr kumimoji="0" lang="zh-CN" altLang="zh-CN" sz="1100" b="0" i="0" u="none" strike="noStrike" cap="none" normalizeH="0" baseline="0" dirty="0">
                 <a:ln>
                   <a:noFill/>
                 </a:ln>
@@ -6772,7 +6743,7 @@
               <a:t>dir()</a:t>
             </a:r>
             <a:r>
-              <a:rPr kumimoji="0" lang="zh-CN" altLang="zh-CN" sz="1200" b="0" i="0" u="none" strike="noStrike" cap="none" normalizeH="0" baseline="0" dirty="0" smtClean="0">
+              <a:rPr kumimoji="0" lang="zh-CN" altLang="zh-CN" sz="1200" b="0" i="0" u="none" strike="noStrike" cap="none" normalizeH="0" baseline="0" dirty="0">
                 <a:ln>
                   <a:noFill/>
                 </a:ln>
@@ -6785,7 +6756,7 @@
               <a:t> </a:t>
             </a:r>
             <a:r>
-              <a:rPr kumimoji="0" lang="zh-CN" altLang="zh-CN" sz="1200" b="0" i="0" u="none" strike="noStrike" cap="none" normalizeH="0" baseline="0" dirty="0" smtClean="0">
+              <a:rPr kumimoji="0" lang="zh-CN" altLang="zh-CN" sz="1200" b="0" i="0" u="none" strike="noStrike" cap="none" normalizeH="0" baseline="0" dirty="0">
                 <a:ln>
                   <a:noFill/>
                 </a:ln>
@@ -6799,7 +6770,7 @@
               <a:t>is used to find out which names a module defines. It returns a sorted list of strings</a:t>
             </a:r>
             <a:r>
-              <a:rPr kumimoji="0" lang="zh-CN" altLang="zh-CN" sz="800" b="0" i="0" u="none" strike="noStrike" cap="none" normalizeH="0" baseline="0" dirty="0" smtClean="0">
+              <a:rPr kumimoji="0" lang="zh-CN" altLang="zh-CN" sz="800" b="0" i="0" u="none" strike="noStrike" cap="none" normalizeH="0" baseline="0" dirty="0">
                 <a:ln>
                   <a:noFill/>
                 </a:ln>
@@ -6811,7 +6782,7 @@
               </a:rPr>
               <a:t> </a:t>
             </a:r>
-            <a:endParaRPr kumimoji="0" lang="zh-CN" altLang="zh-CN" sz="1800" b="0" i="0" u="none" strike="noStrike" cap="none" normalizeH="0" baseline="0" dirty="0" smtClean="0">
+            <a:endParaRPr kumimoji="0" lang="zh-CN" altLang="zh-CN" sz="1800" b="0" i="0" u="none" strike="noStrike" cap="none" normalizeH="0" baseline="0" dirty="0">
               <a:ln>
                 <a:noFill/>
               </a:ln>
@@ -7022,7 +6993,7 @@
               <a:tabLst/>
             </a:pPr>
             <a:r>
-              <a:rPr kumimoji="0" lang="zh-CN" altLang="zh-CN" sz="1200" b="0" i="0" u="none" strike="noStrike" cap="none" normalizeH="0" baseline="0" smtClean="0">
+              <a:rPr kumimoji="0" lang="zh-CN" altLang="zh-CN" sz="1200" b="0" i="0" u="none" strike="noStrike" cap="none" normalizeH="0" baseline="0">
                 <a:ln>
                   <a:noFill/>
                 </a:ln>
@@ -7036,7 +7007,7 @@
               <a:t>Without arguments, </a:t>
             </a:r>
             <a:r>
-              <a:rPr kumimoji="0" lang="zh-CN" altLang="zh-CN" sz="1100" b="0" i="0" u="none" strike="noStrike" cap="none" normalizeH="0" baseline="0" smtClean="0">
+              <a:rPr kumimoji="0" lang="zh-CN" altLang="zh-CN" sz="1100" b="0" i="0" u="none" strike="noStrike" cap="none" normalizeH="0" baseline="0">
                 <a:ln>
                   <a:noFill/>
                 </a:ln>
@@ -7052,7 +7023,7 @@
               <a:t>dir()</a:t>
             </a:r>
             <a:r>
-              <a:rPr kumimoji="0" lang="zh-CN" altLang="zh-CN" sz="1200" b="0" i="0" u="none" strike="noStrike" cap="none" normalizeH="0" baseline="0" smtClean="0">
+              <a:rPr kumimoji="0" lang="zh-CN" altLang="zh-CN" sz="1200" b="0" i="0" u="none" strike="noStrike" cap="none" normalizeH="0" baseline="0">
                 <a:ln>
                   <a:noFill/>
                 </a:ln>
@@ -7065,7 +7036,7 @@
               <a:t> </a:t>
             </a:r>
             <a:r>
-              <a:rPr kumimoji="0" lang="zh-CN" altLang="zh-CN" sz="1200" b="0" i="0" u="none" strike="noStrike" cap="none" normalizeH="0" baseline="0" smtClean="0">
+              <a:rPr kumimoji="0" lang="zh-CN" altLang="zh-CN" sz="1200" b="0" i="0" u="none" strike="noStrike" cap="none" normalizeH="0" baseline="0">
                 <a:ln>
                   <a:noFill/>
                 </a:ln>
@@ -7079,7 +7050,7 @@
               <a:t>lists the names you have defined currently</a:t>
             </a:r>
             <a:r>
-              <a:rPr kumimoji="0" lang="zh-CN" altLang="zh-CN" sz="800" b="0" i="0" u="none" strike="noStrike" cap="none" normalizeH="0" baseline="0" smtClean="0">
+              <a:rPr kumimoji="0" lang="zh-CN" altLang="zh-CN" sz="800" b="0" i="0" u="none" strike="noStrike" cap="none" normalizeH="0" baseline="0">
                 <a:ln>
                   <a:noFill/>
                 </a:ln>
@@ -7091,7 +7062,7 @@
               </a:rPr>
               <a:t> </a:t>
             </a:r>
-            <a:endParaRPr kumimoji="0" lang="zh-CN" altLang="zh-CN" sz="1800" b="0" i="0" u="none" strike="noStrike" cap="none" normalizeH="0" baseline="0" smtClean="0">
+            <a:endParaRPr kumimoji="0" lang="zh-CN" altLang="zh-CN" sz="1800" b="0" i="0" u="none" strike="noStrike" cap="none" normalizeH="0" baseline="0">
               <a:ln>
                 <a:noFill/>
               </a:ln>
@@ -7151,10 +7122,9 @@
           <a:lstStyle/>
           <a:p>
             <a:r>
-              <a:rPr lang="zh-CN" altLang="en-US" dirty="0" smtClean="0"/>
+              <a:rPr lang="zh-CN" altLang="en-US" dirty="0"/>
               <a:t>包</a:t>
             </a:r>
-            <a:endParaRPr lang="zh-CN" altLang="en-US" dirty="0"/>
           </a:p>
         </p:txBody>
       </p:sp>
@@ -7356,7 +7326,7 @@
               <a:tabLst/>
             </a:pPr>
             <a:r>
-              <a:rPr kumimoji="0" lang="zh-CN" altLang="zh-CN" sz="1200" b="0" i="0" u="none" strike="noStrike" cap="none" normalizeH="0" baseline="0" smtClean="0">
+              <a:rPr kumimoji="0" lang="zh-CN" altLang="zh-CN" sz="1200" b="0" i="0" u="none" strike="noStrike" cap="none" normalizeH="0" baseline="0">
                 <a:ln>
                   <a:noFill/>
                 </a:ln>
@@ -7370,7 +7340,7 @@
               <a:t>The </a:t>
             </a:r>
             <a:r>
-              <a:rPr kumimoji="0" lang="zh-CN" altLang="zh-CN" sz="1100" b="0" i="0" u="none" strike="noStrike" cap="none" normalizeH="0" baseline="0" smtClean="0">
+              <a:rPr kumimoji="0" lang="zh-CN" altLang="zh-CN" sz="1100" b="0" i="0" u="none" strike="noStrike" cap="none" normalizeH="0" baseline="0">
                 <a:ln>
                   <a:noFill/>
                 </a:ln>
@@ -7384,7 +7354,7 @@
               <a:t>__init__.py</a:t>
             </a:r>
             <a:r>
-              <a:rPr kumimoji="0" lang="zh-CN" altLang="zh-CN" sz="1200" b="0" i="0" u="none" strike="noStrike" cap="none" normalizeH="0" baseline="0" smtClean="0">
+              <a:rPr kumimoji="0" lang="zh-CN" altLang="zh-CN" sz="1200" b="0" i="0" u="none" strike="noStrike" cap="none" normalizeH="0" baseline="0">
                 <a:ln>
                   <a:noFill/>
                 </a:ln>
@@ -7397,7 +7367,7 @@
               <a:t> </a:t>
             </a:r>
             <a:r>
-              <a:rPr kumimoji="0" lang="zh-CN" altLang="zh-CN" sz="1200" b="0" i="0" u="none" strike="noStrike" cap="none" normalizeH="0" baseline="0" smtClean="0">
+              <a:rPr kumimoji="0" lang="zh-CN" altLang="zh-CN" sz="1200" b="0" i="0" u="none" strike="noStrike" cap="none" normalizeH="0" baseline="0">
                 <a:ln>
                   <a:noFill/>
                 </a:ln>
@@ -7411,7 +7381,7 @@
               <a:t>files are required to make Python treat the directories as containing packages</a:t>
             </a:r>
             <a:r>
-              <a:rPr kumimoji="0" lang="zh-CN" altLang="zh-CN" sz="800" b="0" i="0" u="none" strike="noStrike" cap="none" normalizeH="0" baseline="0" smtClean="0">
+              <a:rPr kumimoji="0" lang="zh-CN" altLang="zh-CN" sz="800" b="0" i="0" u="none" strike="noStrike" cap="none" normalizeH="0" baseline="0">
                 <a:ln>
                   <a:noFill/>
                 </a:ln>
@@ -7423,7 +7393,7 @@
               </a:rPr>
               <a:t> </a:t>
             </a:r>
-            <a:endParaRPr kumimoji="0" lang="zh-CN" altLang="zh-CN" sz="1800" b="0" i="0" u="none" strike="noStrike" cap="none" normalizeH="0" baseline="0" smtClean="0">
+            <a:endParaRPr kumimoji="0" lang="zh-CN" altLang="zh-CN" sz="1800" b="0" i="0" u="none" strike="noStrike" cap="none" normalizeH="0" baseline="0">
               <a:ln>
                 <a:noFill/>
               </a:ln>
@@ -8050,10 +8020,9 @@
           <a:lstStyle/>
           <a:p>
             <a:r>
-              <a:rPr lang="zh-CN" altLang="en-US" dirty="0" smtClean="0"/>
+              <a:rPr lang="zh-CN" altLang="en-US" dirty="0"/>
               <a:t>类</a:t>
             </a:r>
-            <a:endParaRPr lang="zh-CN" altLang="en-US" dirty="0"/>
           </a:p>
         </p:txBody>
       </p:sp>
@@ -8220,7 +8189,10 @@
               <a:rPr lang="en-US" altLang="zh-CN" dirty="0"/>
               <a:t>If a name is declared global, then all references and assignments go directly to the middle scope containing the module’s global names. To rebind variables found outside of the innermost scope, the nonlocal statement can be used; if not declared nonlocal, those variables are read-only (an attempt to write to such a variable will simply create a new local variable in the innermost scope, leaving the identically named outer variable unchanged).</a:t>
             </a:r>
-            <a:endParaRPr lang="zh-CN" altLang="en-US" dirty="0"/>
+            <a:r>
+              <a:rPr lang="zh-CN" altLang="en-US" dirty="0"/>
+              <a:t>（看文档吧，挺复杂的）</a:t>
+            </a:r>
           </a:p>
         </p:txBody>
       </p:sp>
@@ -8291,6 +8263,295 @@
 </p:sld>
 </file>
 
+<file path=ppt/slides/slide29.xml><?xml version="1.0" encoding="utf-8"?>
+<p:sld xmlns:a="http://schemas.openxmlformats.org/drawingml/2006/main" xmlns:r="http://schemas.openxmlformats.org/officeDocument/2006/relationships" xmlns:p="http://schemas.openxmlformats.org/presentationml/2006/main">
+  <p:cSld>
+    <p:spTree>
+      <p:nvGrpSpPr>
+        <p:cNvPr id="1" name=""/>
+        <p:cNvGrpSpPr/>
+        <p:nvPr/>
+      </p:nvGrpSpPr>
+      <p:grpSpPr>
+        <a:xfrm>
+          <a:off x="0" y="0"/>
+          <a:ext cx="0" cy="0"/>
+          <a:chOff x="0" y="0"/>
+          <a:chExt cx="0" cy="0"/>
+        </a:xfrm>
+      </p:grpSpPr>
+      <p:sp>
+        <p:nvSpPr>
+          <p:cNvPr id="2" name="矩形 1">
+            <a:extLst>
+              <a:ext uri="{FF2B5EF4-FFF2-40B4-BE49-F238E27FC236}">
+                <a16:creationId xmlns:a16="http://schemas.microsoft.com/office/drawing/2014/main" id="{C481CC1C-B737-4EC7-BB8B-1B1C263FD3B9}"/>
+              </a:ext>
+            </a:extLst>
+          </p:cNvPr>
+          <p:cNvSpPr/>
+          <p:nvPr/>
+        </p:nvSpPr>
+        <p:spPr>
+          <a:xfrm>
+            <a:off x="853440" y="622384"/>
+            <a:ext cx="11047827" cy="923330"/>
+          </a:xfrm>
+          <a:prstGeom prst="rect">
+            <a:avLst/>
+          </a:prstGeom>
+        </p:spPr>
+        <p:txBody>
+          <a:bodyPr wrap="square">
+            <a:spAutoFit/>
+          </a:bodyPr>
+          <a:lstStyle/>
+          <a:p>
+            <a:r>
+              <a:rPr lang="en-US" altLang="zh-CN" dirty="0">
+                <a:solidFill>
+                  <a:srgbClr val="222222"/>
+                </a:solidFill>
+                <a:latin typeface="Lucida Grande"/>
+              </a:rPr>
+              <a:t>When a class definition is entered, a new namespace is created, and used as the local scope — thus, all assignments to local variables go into this new namespace. In particular, function definitions bind the name of the new function here.</a:t>
+            </a:r>
+            <a:endParaRPr lang="zh-CN" altLang="en-US" dirty="0"/>
+          </a:p>
+        </p:txBody>
+      </p:sp>
+      <p:sp>
+        <p:nvSpPr>
+          <p:cNvPr id="3" name="矩形 2">
+            <a:extLst>
+              <a:ext uri="{FF2B5EF4-FFF2-40B4-BE49-F238E27FC236}">
+                <a16:creationId xmlns:a16="http://schemas.microsoft.com/office/drawing/2014/main" id="{8EBDEC59-A6B3-42F9-9D35-77541CCE8D5A}"/>
+              </a:ext>
+            </a:extLst>
+          </p:cNvPr>
+          <p:cNvSpPr/>
+          <p:nvPr/>
+        </p:nvSpPr>
+        <p:spPr>
+          <a:xfrm>
+            <a:off x="853439" y="2289909"/>
+            <a:ext cx="10780543" cy="369332"/>
+          </a:xfrm>
+          <a:prstGeom prst="rect">
+            <a:avLst/>
+          </a:prstGeom>
+        </p:spPr>
+        <p:txBody>
+          <a:bodyPr wrap="square">
+            <a:spAutoFit/>
+          </a:bodyPr>
+          <a:lstStyle/>
+          <a:p>
+            <a:r>
+              <a:rPr lang="en-US" altLang="zh-CN" dirty="0">
+                <a:solidFill>
+                  <a:srgbClr val="222222"/>
+                </a:solidFill>
+                <a:latin typeface="Lucida Grande"/>
+              </a:rPr>
+              <a:t>When a class definition is left normally (via the end), a </a:t>
+            </a:r>
+            <a:r>
+              <a:rPr lang="en-US" altLang="zh-CN" i="1" dirty="0">
+                <a:solidFill>
+                  <a:srgbClr val="222222"/>
+                </a:solidFill>
+                <a:latin typeface="Lucida Grande"/>
+              </a:rPr>
+              <a:t>class object</a:t>
+            </a:r>
+            <a:r>
+              <a:rPr lang="en-US" altLang="zh-CN" dirty="0">
+                <a:solidFill>
+                  <a:srgbClr val="222222"/>
+                </a:solidFill>
+                <a:latin typeface="Lucida Grande"/>
+              </a:rPr>
+              <a:t> is created.</a:t>
+            </a:r>
+            <a:endParaRPr lang="zh-CN" altLang="en-US" dirty="0"/>
+          </a:p>
+        </p:txBody>
+      </p:sp>
+      <p:sp>
+        <p:nvSpPr>
+          <p:cNvPr id="5" name="矩形 4">
+            <a:extLst>
+              <a:ext uri="{FF2B5EF4-FFF2-40B4-BE49-F238E27FC236}">
+                <a16:creationId xmlns:a16="http://schemas.microsoft.com/office/drawing/2014/main" id="{F823B0AC-CBC0-4DB2-BDD2-66A9BA204A43}"/>
+              </a:ext>
+            </a:extLst>
+          </p:cNvPr>
+          <p:cNvSpPr/>
+          <p:nvPr/>
+        </p:nvSpPr>
+        <p:spPr>
+          <a:xfrm>
+            <a:off x="853439" y="2850438"/>
+            <a:ext cx="5035353" cy="369332"/>
+          </a:xfrm>
+          <a:prstGeom prst="rect">
+            <a:avLst/>
+          </a:prstGeom>
+        </p:spPr>
+        <p:txBody>
+          <a:bodyPr wrap="none">
+            <a:spAutoFit/>
+          </a:bodyPr>
+          <a:lstStyle/>
+          <a:p>
+            <a:r>
+              <a:rPr lang="en-US" altLang="zh-CN" dirty="0">
+                <a:solidFill>
+                  <a:srgbClr val="222222"/>
+                </a:solidFill>
+                <a:latin typeface="Lucida Grande"/>
+              </a:rPr>
+              <a:t>the class object is bound here to the class name</a:t>
+            </a:r>
+            <a:endParaRPr lang="zh-CN" altLang="en-US" dirty="0"/>
+          </a:p>
+        </p:txBody>
+      </p:sp>
+      <p:sp>
+        <p:nvSpPr>
+          <p:cNvPr id="6" name="矩形 5">
+            <a:extLst>
+              <a:ext uri="{FF2B5EF4-FFF2-40B4-BE49-F238E27FC236}">
+                <a16:creationId xmlns:a16="http://schemas.microsoft.com/office/drawing/2014/main" id="{333B2E21-CC9E-4EB8-BD67-1B5A52E3829A}"/>
+              </a:ext>
+            </a:extLst>
+          </p:cNvPr>
+          <p:cNvSpPr/>
+          <p:nvPr/>
+        </p:nvSpPr>
+        <p:spPr>
+          <a:xfrm>
+            <a:off x="853438" y="3604794"/>
+            <a:ext cx="10780542" cy="369332"/>
+          </a:xfrm>
+          <a:prstGeom prst="rect">
+            <a:avLst/>
+          </a:prstGeom>
+        </p:spPr>
+        <p:txBody>
+          <a:bodyPr wrap="square">
+            <a:spAutoFit/>
+          </a:bodyPr>
+          <a:lstStyle/>
+          <a:p>
+            <a:r>
+              <a:rPr lang="en-US" altLang="zh-CN" dirty="0">
+                <a:solidFill>
+                  <a:srgbClr val="222222"/>
+                </a:solidFill>
+                <a:latin typeface="Lucida Grande"/>
+              </a:rPr>
+              <a:t>Class objects support two kinds of operations: attribute references and instantiation.</a:t>
+            </a:r>
+            <a:endParaRPr lang="zh-CN" altLang="en-US" dirty="0"/>
+          </a:p>
+        </p:txBody>
+      </p:sp>
+      <p:sp>
+        <p:nvSpPr>
+          <p:cNvPr id="8" name="矩形 7">
+            <a:extLst>
+              <a:ext uri="{FF2B5EF4-FFF2-40B4-BE49-F238E27FC236}">
+                <a16:creationId xmlns:a16="http://schemas.microsoft.com/office/drawing/2014/main" id="{F1F39EAA-B06C-4DE3-B308-556A28520EBB}"/>
+              </a:ext>
+            </a:extLst>
+          </p:cNvPr>
+          <p:cNvSpPr/>
+          <p:nvPr/>
+        </p:nvSpPr>
+        <p:spPr>
+          <a:xfrm>
+            <a:off x="853438" y="4458014"/>
+            <a:ext cx="10780542" cy="646331"/>
+          </a:xfrm>
+          <a:prstGeom prst="rect">
+            <a:avLst/>
+          </a:prstGeom>
+        </p:spPr>
+        <p:txBody>
+          <a:bodyPr wrap="square">
+            <a:spAutoFit/>
+          </a:bodyPr>
+          <a:lstStyle/>
+          <a:p>
+            <a:r>
+              <a:rPr lang="en-US" altLang="zh-CN" dirty="0"/>
+              <a:t>When a class defines an __</a:t>
+            </a:r>
+            <a:r>
+              <a:rPr lang="en-US" altLang="zh-CN" dirty="0" err="1"/>
+              <a:t>init</a:t>
+            </a:r>
+            <a:r>
+              <a:rPr lang="en-US" altLang="zh-CN" dirty="0"/>
+              <a:t>__() method, class instantiation automatically invokes __</a:t>
+            </a:r>
+            <a:r>
+              <a:rPr lang="en-US" altLang="zh-CN" dirty="0" err="1"/>
+              <a:t>init</a:t>
+            </a:r>
+            <a:r>
+              <a:rPr lang="en-US" altLang="zh-CN" dirty="0"/>
+              <a:t>__() for the newly-created class instance.</a:t>
+            </a:r>
+            <a:endParaRPr lang="zh-CN" altLang="en-US" dirty="0"/>
+          </a:p>
+        </p:txBody>
+      </p:sp>
+      <p:pic>
+        <p:nvPicPr>
+          <p:cNvPr id="9" name="图片 8">
+            <a:extLst>
+              <a:ext uri="{FF2B5EF4-FFF2-40B4-BE49-F238E27FC236}">
+                <a16:creationId xmlns:a16="http://schemas.microsoft.com/office/drawing/2014/main" id="{C2DAF6DB-371E-407D-8F1E-4BFB06C5614C}"/>
+              </a:ext>
+            </a:extLst>
+          </p:cNvPr>
+          <p:cNvPicPr>
+            <a:picLocks noChangeAspect="1"/>
+          </p:cNvPicPr>
+          <p:nvPr/>
+        </p:nvPicPr>
+        <p:blipFill>
+          <a:blip r:embed="rId2"/>
+          <a:stretch>
+            <a:fillRect/>
+          </a:stretch>
+        </p:blipFill>
+        <p:spPr>
+          <a:xfrm>
+            <a:off x="3991923" y="4919679"/>
+            <a:ext cx="4208153" cy="1875181"/>
+          </a:xfrm>
+          <a:prstGeom prst="rect">
+            <a:avLst/>
+          </a:prstGeom>
+        </p:spPr>
+      </p:pic>
+    </p:spTree>
+    <p:extLst>
+      <p:ext uri="{BB962C8B-B14F-4D97-AF65-F5344CB8AC3E}">
+        <p14:creationId xmlns:p14="http://schemas.microsoft.com/office/powerpoint/2010/main" val="3316750593"/>
+      </p:ext>
+    </p:extLst>
+  </p:cSld>
+  <p:clrMapOvr>
+    <a:masterClrMapping/>
+  </p:clrMapOvr>
+</p:sld>
+</file>
+
 <file path=ppt/slides/slide3.xml><?xml version="1.0" encoding="utf-8"?>
 <p:sld xmlns:a="http://schemas.openxmlformats.org/drawingml/2006/main" xmlns:r="http://schemas.openxmlformats.org/officeDocument/2006/relationships" xmlns:p="http://schemas.openxmlformats.org/presentationml/2006/main">
   <p:cSld>
@@ -8360,6 +8621,1789 @@
     <p:extLst>
       <p:ext uri="{BB962C8B-B14F-4D97-AF65-F5344CB8AC3E}">
         <p14:creationId xmlns:p14="http://schemas.microsoft.com/office/powerpoint/2010/main" val="237468045"/>
+      </p:ext>
+    </p:extLst>
+  </p:cSld>
+  <p:clrMapOvr>
+    <a:masterClrMapping/>
+  </p:clrMapOvr>
+</p:sld>
+</file>
+
+<file path=ppt/slides/slide30.xml><?xml version="1.0" encoding="utf-8"?>
+<p:sld xmlns:a="http://schemas.openxmlformats.org/drawingml/2006/main" xmlns:r="http://schemas.openxmlformats.org/officeDocument/2006/relationships" xmlns:p="http://schemas.openxmlformats.org/presentationml/2006/main">
+  <p:cSld>
+    <p:spTree>
+      <p:nvGrpSpPr>
+        <p:cNvPr id="1" name=""/>
+        <p:cNvGrpSpPr/>
+        <p:nvPr/>
+      </p:nvGrpSpPr>
+      <p:grpSpPr>
+        <a:xfrm>
+          <a:off x="0" y="0"/>
+          <a:ext cx="0" cy="0"/>
+          <a:chOff x="0" y="0"/>
+          <a:chExt cx="0" cy="0"/>
+        </a:xfrm>
+      </p:grpSpPr>
+      <p:sp>
+        <p:nvSpPr>
+          <p:cNvPr id="2" name="矩形 1">
+            <a:extLst>
+              <a:ext uri="{FF2B5EF4-FFF2-40B4-BE49-F238E27FC236}">
+                <a16:creationId xmlns:a16="http://schemas.microsoft.com/office/drawing/2014/main" id="{19AFCDF2-A8FE-46D2-A792-F7BDB54F5357}"/>
+              </a:ext>
+            </a:extLst>
+          </p:cNvPr>
+          <p:cNvSpPr/>
+          <p:nvPr/>
+        </p:nvSpPr>
+        <p:spPr>
+          <a:xfrm>
+            <a:off x="797168" y="953478"/>
+            <a:ext cx="8135815" cy="369332"/>
+          </a:xfrm>
+          <a:prstGeom prst="rect">
+            <a:avLst/>
+          </a:prstGeom>
+        </p:spPr>
+        <p:txBody>
+          <a:bodyPr wrap="square">
+            <a:spAutoFit/>
+          </a:bodyPr>
+          <a:lstStyle/>
+          <a:p>
+            <a:r>
+              <a:rPr lang="en-US" altLang="zh-CN" dirty="0">
+                <a:solidFill>
+                  <a:srgbClr val="222222"/>
+                </a:solidFill>
+                <a:latin typeface="Lucida Grande"/>
+              </a:rPr>
+              <a:t>like local variables, they spring into existence when they are first assigned to. </a:t>
+            </a:r>
+            <a:endParaRPr lang="zh-CN" altLang="en-US" dirty="0"/>
+          </a:p>
+        </p:txBody>
+      </p:sp>
+      <p:pic>
+        <p:nvPicPr>
+          <p:cNvPr id="3" name="图片 2">
+            <a:extLst>
+              <a:ext uri="{FF2B5EF4-FFF2-40B4-BE49-F238E27FC236}">
+                <a16:creationId xmlns:a16="http://schemas.microsoft.com/office/drawing/2014/main" id="{3775AE26-819C-4130-8F79-21C285B61EE6}"/>
+              </a:ext>
+            </a:extLst>
+          </p:cNvPr>
+          <p:cNvPicPr>
+            <a:picLocks noChangeAspect="1"/>
+          </p:cNvPicPr>
+          <p:nvPr/>
+        </p:nvPicPr>
+        <p:blipFill>
+          <a:blip r:embed="rId2"/>
+          <a:stretch>
+            <a:fillRect/>
+          </a:stretch>
+        </p:blipFill>
+        <p:spPr>
+          <a:xfrm>
+            <a:off x="797168" y="1512891"/>
+            <a:ext cx="3295238" cy="1609524"/>
+          </a:xfrm>
+          <a:prstGeom prst="rect">
+            <a:avLst/>
+          </a:prstGeom>
+        </p:spPr>
+      </p:pic>
+      <p:sp>
+        <p:nvSpPr>
+          <p:cNvPr id="5" name="矩形 4">
+            <a:extLst>
+              <a:ext uri="{FF2B5EF4-FFF2-40B4-BE49-F238E27FC236}">
+                <a16:creationId xmlns:a16="http://schemas.microsoft.com/office/drawing/2014/main" id="{C60DA471-1871-4647-A4B9-B82CAC265C30}"/>
+              </a:ext>
+            </a:extLst>
+          </p:cNvPr>
+          <p:cNvSpPr/>
+          <p:nvPr/>
+        </p:nvSpPr>
+        <p:spPr>
+          <a:xfrm>
+            <a:off x="797167" y="3312496"/>
+            <a:ext cx="10217835" cy="369332"/>
+          </a:xfrm>
+          <a:prstGeom prst="rect">
+            <a:avLst/>
+          </a:prstGeom>
+        </p:spPr>
+        <p:txBody>
+          <a:bodyPr wrap="square">
+            <a:spAutoFit/>
+          </a:bodyPr>
+          <a:lstStyle/>
+          <a:p>
+            <a:r>
+              <a:rPr lang="en-US" altLang="zh-CN" dirty="0"/>
+              <a:t>But </a:t>
+            </a:r>
+            <a:r>
+              <a:rPr lang="en-US" altLang="zh-CN" dirty="0" err="1"/>
+              <a:t>x.f</a:t>
+            </a:r>
+            <a:r>
+              <a:rPr lang="en-US" altLang="zh-CN" dirty="0"/>
+              <a:t> is not the same thing as </a:t>
+            </a:r>
+            <a:r>
+              <a:rPr lang="en-US" altLang="zh-CN" dirty="0" err="1"/>
+              <a:t>MyClass.f</a:t>
+            </a:r>
+            <a:r>
+              <a:rPr lang="en-US" altLang="zh-CN" dirty="0"/>
+              <a:t> — it is a method object, not a function object.</a:t>
+            </a:r>
+            <a:endParaRPr lang="zh-CN" altLang="en-US" dirty="0"/>
+          </a:p>
+        </p:txBody>
+      </p:sp>
+      <p:sp>
+        <p:nvSpPr>
+          <p:cNvPr id="7" name="矩形 6">
+            <a:extLst>
+              <a:ext uri="{FF2B5EF4-FFF2-40B4-BE49-F238E27FC236}">
+                <a16:creationId xmlns:a16="http://schemas.microsoft.com/office/drawing/2014/main" id="{E4E1657E-1048-40D4-8CF6-1D613CD0D283}"/>
+              </a:ext>
+            </a:extLst>
+          </p:cNvPr>
+          <p:cNvSpPr/>
+          <p:nvPr/>
+        </p:nvSpPr>
+        <p:spPr>
+          <a:xfrm>
+            <a:off x="797167" y="3894741"/>
+            <a:ext cx="6025664" cy="369332"/>
+          </a:xfrm>
+          <a:prstGeom prst="rect">
+            <a:avLst/>
+          </a:prstGeom>
+        </p:spPr>
+        <p:txBody>
+          <a:bodyPr wrap="square">
+            <a:spAutoFit/>
+          </a:bodyPr>
+          <a:lstStyle/>
+          <a:p>
+            <a:r>
+              <a:rPr lang="en-US" altLang="zh-CN" dirty="0"/>
+              <a:t>the call </a:t>
+            </a:r>
+            <a:r>
+              <a:rPr lang="en-US" altLang="zh-CN" dirty="0" err="1"/>
+              <a:t>x.f</a:t>
+            </a:r>
+            <a:r>
+              <a:rPr lang="en-US" altLang="zh-CN" dirty="0"/>
+              <a:t>() is exactly equivalent to </a:t>
+            </a:r>
+            <a:r>
+              <a:rPr lang="en-US" altLang="zh-CN" dirty="0" err="1"/>
+              <a:t>MyClass.f</a:t>
+            </a:r>
+            <a:r>
+              <a:rPr lang="en-US" altLang="zh-CN" dirty="0"/>
+              <a:t>(x).</a:t>
+            </a:r>
+            <a:endParaRPr lang="zh-CN" altLang="en-US" dirty="0"/>
+          </a:p>
+        </p:txBody>
+      </p:sp>
+      <p:sp>
+        <p:nvSpPr>
+          <p:cNvPr id="9" name="矩形 8">
+            <a:extLst>
+              <a:ext uri="{FF2B5EF4-FFF2-40B4-BE49-F238E27FC236}">
+                <a16:creationId xmlns:a16="http://schemas.microsoft.com/office/drawing/2014/main" id="{E26760D6-8B58-4A90-A0B5-F3D34AEDFD8C}"/>
+              </a:ext>
+            </a:extLst>
+          </p:cNvPr>
+          <p:cNvSpPr/>
+          <p:nvPr/>
+        </p:nvSpPr>
+        <p:spPr>
+          <a:xfrm>
+            <a:off x="797167" y="4606445"/>
+            <a:ext cx="11385452" cy="1477328"/>
+          </a:xfrm>
+          <a:prstGeom prst="rect">
+            <a:avLst/>
+          </a:prstGeom>
+        </p:spPr>
+        <p:txBody>
+          <a:bodyPr wrap="square">
+            <a:spAutoFit/>
+          </a:bodyPr>
+          <a:lstStyle/>
+          <a:p>
+            <a:r>
+              <a:rPr lang="en-US" altLang="zh-CN" dirty="0">
+                <a:solidFill>
+                  <a:srgbClr val="222222"/>
+                </a:solidFill>
+                <a:latin typeface="Lucida Grande"/>
+              </a:rPr>
+              <a:t>When an instance attribute is referenced that isn’t a data attribute, its class is searched. If the name denotes a valid class attribute that is a function object, a method object is created by packing (pointers to) the instance object and the function object just found together in an abstract object: this is the method object. When the method object is called with an argument list, a new argument list is constructed from the instance object and the argument list, and the function object is called with this new argument list.</a:t>
+            </a:r>
+            <a:endParaRPr lang="zh-CN" altLang="en-US" dirty="0"/>
+          </a:p>
+        </p:txBody>
+      </p:sp>
+    </p:spTree>
+    <p:extLst>
+      <p:ext uri="{BB962C8B-B14F-4D97-AF65-F5344CB8AC3E}">
+        <p14:creationId xmlns:p14="http://schemas.microsoft.com/office/powerpoint/2010/main" val="2321090777"/>
+      </p:ext>
+    </p:extLst>
+  </p:cSld>
+  <p:clrMapOvr>
+    <a:masterClrMapping/>
+  </p:clrMapOvr>
+</p:sld>
+</file>
+
+<file path=ppt/slides/slide31.xml><?xml version="1.0" encoding="utf-8"?>
+<p:sld xmlns:a="http://schemas.openxmlformats.org/drawingml/2006/main" xmlns:r="http://schemas.openxmlformats.org/officeDocument/2006/relationships" xmlns:p="http://schemas.openxmlformats.org/presentationml/2006/main">
+  <p:cSld>
+    <p:spTree>
+      <p:nvGrpSpPr>
+        <p:cNvPr id="1" name=""/>
+        <p:cNvGrpSpPr/>
+        <p:nvPr/>
+      </p:nvGrpSpPr>
+      <p:grpSpPr>
+        <a:xfrm>
+          <a:off x="0" y="0"/>
+          <a:ext cx="0" cy="0"/>
+          <a:chOff x="0" y="0"/>
+          <a:chExt cx="0" cy="0"/>
+        </a:xfrm>
+      </p:grpSpPr>
+      <p:pic>
+        <p:nvPicPr>
+          <p:cNvPr id="2" name="图片 1">
+            <a:extLst>
+              <a:ext uri="{FF2B5EF4-FFF2-40B4-BE49-F238E27FC236}">
+                <a16:creationId xmlns:a16="http://schemas.microsoft.com/office/drawing/2014/main" id="{E7619D3E-9134-489E-9470-4DA8C7A2C742}"/>
+              </a:ext>
+            </a:extLst>
+          </p:cNvPr>
+          <p:cNvPicPr>
+            <a:picLocks noChangeAspect="1"/>
+          </p:cNvPicPr>
+          <p:nvPr/>
+        </p:nvPicPr>
+        <p:blipFill>
+          <a:blip r:embed="rId2"/>
+          <a:stretch>
+            <a:fillRect/>
+          </a:stretch>
+        </p:blipFill>
+        <p:spPr>
+          <a:xfrm>
+            <a:off x="538316" y="301136"/>
+            <a:ext cx="11115368" cy="3498161"/>
+          </a:xfrm>
+          <a:prstGeom prst="rect">
+            <a:avLst/>
+          </a:prstGeom>
+        </p:spPr>
+      </p:pic>
+      <p:pic>
+        <p:nvPicPr>
+          <p:cNvPr id="3" name="图片 2">
+            <a:extLst>
+              <a:ext uri="{FF2B5EF4-FFF2-40B4-BE49-F238E27FC236}">
+                <a16:creationId xmlns:a16="http://schemas.microsoft.com/office/drawing/2014/main" id="{1062A7E8-8D67-4EF8-AB28-FB653152E3BE}"/>
+              </a:ext>
+            </a:extLst>
+          </p:cNvPr>
+          <p:cNvPicPr>
+            <a:picLocks noChangeAspect="1"/>
+          </p:cNvPicPr>
+          <p:nvPr/>
+        </p:nvPicPr>
+        <p:blipFill>
+          <a:blip r:embed="rId3"/>
+          <a:stretch>
+            <a:fillRect/>
+          </a:stretch>
+        </p:blipFill>
+        <p:spPr>
+          <a:xfrm>
+            <a:off x="538316" y="4199854"/>
+            <a:ext cx="11115368" cy="2467711"/>
+          </a:xfrm>
+          <a:prstGeom prst="rect">
+            <a:avLst/>
+          </a:prstGeom>
+        </p:spPr>
+      </p:pic>
+    </p:spTree>
+    <p:extLst>
+      <p:ext uri="{BB962C8B-B14F-4D97-AF65-F5344CB8AC3E}">
+        <p14:creationId xmlns:p14="http://schemas.microsoft.com/office/powerpoint/2010/main" val="2913254810"/>
+      </p:ext>
+    </p:extLst>
+  </p:cSld>
+  <p:clrMapOvr>
+    <a:masterClrMapping/>
+  </p:clrMapOvr>
+</p:sld>
+</file>
+
+<file path=ppt/slides/slide32.xml><?xml version="1.0" encoding="utf-8"?>
+<p:sld xmlns:a="http://schemas.openxmlformats.org/drawingml/2006/main" xmlns:r="http://schemas.openxmlformats.org/officeDocument/2006/relationships" xmlns:p="http://schemas.openxmlformats.org/presentationml/2006/main">
+  <p:cSld>
+    <p:spTree>
+      <p:nvGrpSpPr>
+        <p:cNvPr id="1" name=""/>
+        <p:cNvGrpSpPr/>
+        <p:nvPr/>
+      </p:nvGrpSpPr>
+      <p:grpSpPr>
+        <a:xfrm>
+          <a:off x="0" y="0"/>
+          <a:ext cx="0" cy="0"/>
+          <a:chOff x="0" y="0"/>
+          <a:chExt cx="0" cy="0"/>
+        </a:xfrm>
+      </p:grpSpPr>
+      <p:sp>
+        <p:nvSpPr>
+          <p:cNvPr id="2" name="矩形 1">
+            <a:extLst>
+              <a:ext uri="{FF2B5EF4-FFF2-40B4-BE49-F238E27FC236}">
+                <a16:creationId xmlns:a16="http://schemas.microsoft.com/office/drawing/2014/main" id="{2C8C4CE7-1084-4675-A786-E186E20C07D3}"/>
+              </a:ext>
+            </a:extLst>
+          </p:cNvPr>
+          <p:cNvSpPr/>
+          <p:nvPr/>
+        </p:nvSpPr>
+        <p:spPr>
+          <a:xfrm>
+            <a:off x="684628" y="746035"/>
+            <a:ext cx="10274104" cy="369332"/>
+          </a:xfrm>
+          <a:prstGeom prst="rect">
+            <a:avLst/>
+          </a:prstGeom>
+        </p:spPr>
+        <p:txBody>
+          <a:bodyPr wrap="square">
+            <a:spAutoFit/>
+          </a:bodyPr>
+          <a:lstStyle/>
+          <a:p>
+            <a:r>
+              <a:rPr lang="en-US" altLang="zh-CN" dirty="0"/>
+              <a:t>Each value is an object, and therefore has a class (also called its type). It is stored as </a:t>
+            </a:r>
+            <a:r>
+              <a:rPr lang="en-US" altLang="zh-CN" dirty="0" err="1"/>
+              <a:t>object.__class</a:t>
+            </a:r>
+            <a:r>
+              <a:rPr lang="en-US" altLang="zh-CN" dirty="0"/>
+              <a:t>__.</a:t>
+            </a:r>
+            <a:endParaRPr lang="zh-CN" altLang="en-US" dirty="0"/>
+          </a:p>
+        </p:txBody>
+      </p:sp>
+      <p:sp>
+        <p:nvSpPr>
+          <p:cNvPr id="4" name="矩形 3">
+            <a:extLst>
+              <a:ext uri="{FF2B5EF4-FFF2-40B4-BE49-F238E27FC236}">
+                <a16:creationId xmlns:a16="http://schemas.microsoft.com/office/drawing/2014/main" id="{019D431C-CDC7-4A72-B51F-E9019067B985}"/>
+              </a:ext>
+            </a:extLst>
+          </p:cNvPr>
+          <p:cNvSpPr/>
+          <p:nvPr/>
+        </p:nvSpPr>
+        <p:spPr>
+          <a:xfrm>
+            <a:off x="684628" y="1150733"/>
+            <a:ext cx="10682067" cy="369332"/>
+          </a:xfrm>
+          <a:prstGeom prst="rect">
+            <a:avLst/>
+          </a:prstGeom>
+        </p:spPr>
+        <p:txBody>
+          <a:bodyPr wrap="square">
+            <a:spAutoFit/>
+          </a:bodyPr>
+          <a:lstStyle/>
+          <a:p>
+            <a:r>
+              <a:rPr lang="en-US" altLang="zh-CN" dirty="0"/>
+              <a:t>C++ programmers: all methods in Python are effectively virtual</a:t>
+            </a:r>
+            <a:endParaRPr lang="zh-CN" altLang="en-US" dirty="0"/>
+          </a:p>
+        </p:txBody>
+      </p:sp>
+      <p:sp>
+        <p:nvSpPr>
+          <p:cNvPr id="5" name="Rectangle 2">
+            <a:extLst>
+              <a:ext uri="{FF2B5EF4-FFF2-40B4-BE49-F238E27FC236}">
+                <a16:creationId xmlns:a16="http://schemas.microsoft.com/office/drawing/2014/main" id="{90B3625C-4B04-461F-BC98-7F336DC72DDC}"/>
+              </a:ext>
+            </a:extLst>
+          </p:cNvPr>
+          <p:cNvSpPr>
+            <a:spLocks noChangeArrowheads="1"/>
+          </p:cNvSpPr>
+          <p:nvPr/>
+        </p:nvSpPr>
+        <p:spPr bwMode="auto">
+          <a:xfrm>
+            <a:off x="684628" y="1607088"/>
+            <a:ext cx="11383013" cy="2862322"/>
+          </a:xfrm>
+          <a:prstGeom prst="rect">
+            <a:avLst/>
+          </a:prstGeom>
+          <a:solidFill>
+            <a:srgbClr val="FFFFFF"/>
+          </a:solidFill>
+          <a:ln>
+            <a:noFill/>
+          </a:ln>
+          <a:effectLst/>
+          <a:extLst>
+            <a:ext uri="{91240B29-F687-4F45-9708-019B960494DF}">
+              <a14:hiddenLine xmlns:a14="http://schemas.microsoft.com/office/drawing/2010/main" w="9525">
+                <a:solidFill>
+                  <a:schemeClr val="tx1"/>
+                </a:solidFill>
+                <a:miter lim="800000"/>
+                <a:headEnd/>
+                <a:tailEnd/>
+              </a14:hiddenLine>
+            </a:ext>
+            <a:ext uri="{AF507438-7753-43E0-B8FC-AC1667EBCBE1}">
+              <a14:hiddenEffects xmlns:a14="http://schemas.microsoft.com/office/drawing/2010/main">
+                <a:effectLst>
+                  <a:outerShdw dist="35921" dir="2700000" algn="ctr" rotWithShape="0">
+                    <a:schemeClr val="bg2"/>
+                  </a:outerShdw>
+                </a:effectLst>
+              </a14:hiddenEffects>
+            </a:ext>
+          </a:extLst>
+        </p:spPr>
+        <p:txBody>
+          <a:bodyPr vert="horz" wrap="square" lIns="91440" tIns="45720" rIns="91440" bIns="45720" numCol="1" anchor="ctr" anchorCtr="0" compatLnSpc="1">
+            <a:prstTxWarp prst="textNoShape">
+              <a:avLst/>
+            </a:prstTxWarp>
+            <a:spAutoFit/>
+          </a:bodyPr>
+          <a:lstStyle/>
+          <a:p>
+            <a:pPr marL="0" marR="0" lvl="0" indent="0" algn="l" defTabSz="914400" rtl="0" eaLnBrk="0" fontAlgn="base" latinLnBrk="0" hangingPunct="0">
+              <a:lnSpc>
+                <a:spcPct val="100000"/>
+              </a:lnSpc>
+              <a:spcBef>
+                <a:spcPct val="0"/>
+              </a:spcBef>
+              <a:spcAft>
+                <a:spcPct val="0"/>
+              </a:spcAft>
+              <a:buClrTx/>
+              <a:buSzTx/>
+              <a:buFontTx/>
+              <a:buNone/>
+              <a:tabLst/>
+            </a:pPr>
+            <a:r>
+              <a:rPr kumimoji="0" lang="zh-CN" altLang="zh-CN" sz="2000" b="0" i="0" u="none" strike="noStrike" cap="none" normalizeH="0" baseline="0" dirty="0">
+                <a:ln>
+                  <a:noFill/>
+                </a:ln>
+                <a:solidFill>
+                  <a:srgbClr val="222222"/>
+                </a:solidFill>
+                <a:effectLst/>
+                <a:latin typeface="Arial" panose="020B0604020202020204" pitchFamily="34" charset="0"/>
+                <a:ea typeface="Lucida Grande"/>
+              </a:rPr>
+              <a:t>Python has two built-in functions that work with inheritance:</a:t>
+            </a:r>
+            <a:endParaRPr kumimoji="0" lang="zh-CN" altLang="zh-CN" sz="2000" b="0" i="0" u="none" strike="noStrike" cap="none" normalizeH="0" baseline="0" dirty="0">
+              <a:ln>
+                <a:noFill/>
+              </a:ln>
+              <a:solidFill>
+                <a:schemeClr val="tx1"/>
+              </a:solidFill>
+              <a:effectLst/>
+              <a:latin typeface="Arial" panose="020B0604020202020204" pitchFamily="34" charset="0"/>
+            </a:endParaRPr>
+          </a:p>
+          <a:p>
+            <a:pPr marL="0" marR="0" lvl="0" indent="0" algn="l" defTabSz="914400" rtl="0" eaLnBrk="0" fontAlgn="base" latinLnBrk="0" hangingPunct="0">
+              <a:lnSpc>
+                <a:spcPct val="100000"/>
+              </a:lnSpc>
+              <a:spcBef>
+                <a:spcPct val="0"/>
+              </a:spcBef>
+              <a:spcAft>
+                <a:spcPct val="0"/>
+              </a:spcAft>
+              <a:buClrTx/>
+              <a:buSzTx/>
+              <a:buFontTx/>
+              <a:buChar char="•"/>
+              <a:tabLst/>
+            </a:pPr>
+            <a:r>
+              <a:rPr kumimoji="0" lang="zh-CN" altLang="zh-CN" sz="2000" b="0" i="0" u="none" strike="noStrike" cap="none" normalizeH="0" baseline="0" dirty="0">
+                <a:ln>
+                  <a:noFill/>
+                </a:ln>
+                <a:solidFill>
+                  <a:srgbClr val="222222"/>
+                </a:solidFill>
+                <a:effectLst/>
+                <a:latin typeface="Arial" panose="020B0604020202020204" pitchFamily="34" charset="0"/>
+                <a:ea typeface="Lucida Grande"/>
+              </a:rPr>
+              <a:t>Use </a:t>
+            </a:r>
+            <a:r>
+              <a:rPr kumimoji="0" lang="zh-CN" altLang="zh-CN" sz="2000" b="0" i="0" u="none" strike="noStrike" cap="none" normalizeH="0" baseline="0" dirty="0">
+                <a:ln>
+                  <a:noFill/>
+                </a:ln>
+                <a:solidFill>
+                  <a:srgbClr val="6363BB"/>
+                </a:solidFill>
+                <a:effectLst/>
+                <a:latin typeface="Courier New" panose="02070309020205020404" pitchFamily="49" charset="0"/>
+                <a:ea typeface="Lucida Grande"/>
+                <a:cs typeface="Courier New" panose="02070309020205020404" pitchFamily="49" charset="0"/>
+                <a:hlinkClick r:id="rId2" tooltip="isinstance"/>
+              </a:rPr>
+              <a:t>isinstance()</a:t>
+            </a:r>
+            <a:r>
+              <a:rPr kumimoji="0" lang="zh-CN" altLang="zh-CN" sz="2000" b="0" i="0" u="none" strike="noStrike" cap="none" normalizeH="0" baseline="0" dirty="0">
+                <a:ln>
+                  <a:noFill/>
+                </a:ln>
+                <a:solidFill>
+                  <a:srgbClr val="222222"/>
+                </a:solidFill>
+                <a:effectLst/>
+                <a:ea typeface="Lucida Grande"/>
+              </a:rPr>
+              <a:t> </a:t>
+            </a:r>
+            <a:r>
+              <a:rPr kumimoji="0" lang="zh-CN" altLang="zh-CN" sz="2000" b="0" i="0" u="none" strike="noStrike" cap="none" normalizeH="0" baseline="0" dirty="0">
+                <a:ln>
+                  <a:noFill/>
+                </a:ln>
+                <a:solidFill>
+                  <a:srgbClr val="222222"/>
+                </a:solidFill>
+                <a:effectLst/>
+                <a:latin typeface="Arial" panose="020B0604020202020204" pitchFamily="34" charset="0"/>
+                <a:ea typeface="Lucida Grande"/>
+              </a:rPr>
+              <a:t>to check an instance’s type: </a:t>
+            </a:r>
+            <a:r>
+              <a:rPr kumimoji="0" lang="zh-CN" altLang="zh-CN" sz="2000" b="0" i="0" u="none" strike="noStrike" cap="none" normalizeH="0" baseline="0" dirty="0">
+                <a:ln>
+                  <a:noFill/>
+                </a:ln>
+                <a:solidFill>
+                  <a:srgbClr val="222222"/>
+                </a:solidFill>
+                <a:effectLst/>
+                <a:latin typeface="Courier New" panose="02070309020205020404" pitchFamily="49" charset="0"/>
+                <a:ea typeface="Lucida Grande"/>
+                <a:cs typeface="Courier New" panose="02070309020205020404" pitchFamily="49" charset="0"/>
+              </a:rPr>
+              <a:t>isinstance(obj, int)</a:t>
+            </a:r>
+            <a:r>
+              <a:rPr kumimoji="0" lang="zh-CN" altLang="zh-CN" sz="2000" b="0" i="0" u="none" strike="noStrike" cap="none" normalizeH="0" baseline="0" dirty="0">
+                <a:ln>
+                  <a:noFill/>
+                </a:ln>
+                <a:solidFill>
+                  <a:srgbClr val="222222"/>
+                </a:solidFill>
+                <a:effectLst/>
+                <a:ea typeface="Lucida Grande"/>
+              </a:rPr>
+              <a:t> </a:t>
+            </a:r>
+            <a:endParaRPr kumimoji="0" lang="en-US" altLang="zh-CN" sz="2000" b="0" i="0" u="none" strike="noStrike" cap="none" normalizeH="0" baseline="0" dirty="0">
+              <a:ln>
+                <a:noFill/>
+              </a:ln>
+              <a:solidFill>
+                <a:srgbClr val="222222"/>
+              </a:solidFill>
+              <a:effectLst/>
+              <a:ea typeface="Lucida Grande"/>
+            </a:endParaRPr>
+          </a:p>
+          <a:p>
+            <a:pPr marL="0" marR="0" lvl="0" indent="0" algn="l" defTabSz="914400" rtl="0" eaLnBrk="0" fontAlgn="base" latinLnBrk="0" hangingPunct="0">
+              <a:lnSpc>
+                <a:spcPct val="100000"/>
+              </a:lnSpc>
+              <a:spcBef>
+                <a:spcPct val="0"/>
+              </a:spcBef>
+              <a:spcAft>
+                <a:spcPct val="0"/>
+              </a:spcAft>
+              <a:buClrTx/>
+              <a:buSzTx/>
+              <a:tabLst/>
+            </a:pPr>
+            <a:r>
+              <a:rPr kumimoji="0" lang="en-US" altLang="zh-CN" sz="2000" b="0" i="0" u="none" strike="noStrike" cap="none" normalizeH="0" baseline="0" dirty="0">
+                <a:ln>
+                  <a:noFill/>
+                </a:ln>
+                <a:solidFill>
+                  <a:srgbClr val="222222"/>
+                </a:solidFill>
+                <a:effectLst/>
+                <a:latin typeface="Arial" panose="020B0604020202020204" pitchFamily="34" charset="0"/>
+                <a:ea typeface="Lucida Grande"/>
+              </a:rPr>
+              <a:t> </a:t>
+            </a:r>
+            <a:r>
+              <a:rPr lang="en-US" altLang="zh-CN" sz="2000" dirty="0">
+                <a:solidFill>
+                  <a:srgbClr val="222222"/>
+                </a:solidFill>
+                <a:latin typeface="Arial" panose="020B0604020202020204" pitchFamily="34" charset="0"/>
+                <a:ea typeface="Lucida Grande"/>
+              </a:rPr>
+              <a:t> </a:t>
+            </a:r>
+            <a:r>
+              <a:rPr kumimoji="0" lang="zh-CN" altLang="zh-CN" sz="2000" b="0" i="0" u="none" strike="noStrike" cap="none" normalizeH="0" baseline="0" dirty="0">
+                <a:ln>
+                  <a:noFill/>
+                </a:ln>
+                <a:solidFill>
+                  <a:srgbClr val="222222"/>
+                </a:solidFill>
+                <a:effectLst/>
+                <a:latin typeface="Arial" panose="020B0604020202020204" pitchFamily="34" charset="0"/>
+                <a:ea typeface="Lucida Grande"/>
+              </a:rPr>
+              <a:t>will be </a:t>
+            </a:r>
+            <a:r>
+              <a:rPr kumimoji="0" lang="zh-CN" altLang="zh-CN" sz="2000" b="0" i="0" u="none" strike="noStrike" cap="none" normalizeH="0" baseline="0" dirty="0">
+                <a:ln>
+                  <a:noFill/>
+                </a:ln>
+                <a:solidFill>
+                  <a:srgbClr val="222222"/>
+                </a:solidFill>
+                <a:effectLst/>
+                <a:latin typeface="Courier New" panose="02070309020205020404" pitchFamily="49" charset="0"/>
+                <a:ea typeface="Lucida Grande"/>
+                <a:cs typeface="Courier New" panose="02070309020205020404" pitchFamily="49" charset="0"/>
+              </a:rPr>
+              <a:t>True</a:t>
+            </a:r>
+            <a:r>
+              <a:rPr kumimoji="0" lang="zh-CN" altLang="zh-CN" sz="2000" b="0" i="0" u="none" strike="noStrike" cap="none" normalizeH="0" baseline="0" dirty="0">
+                <a:ln>
+                  <a:noFill/>
+                </a:ln>
+                <a:solidFill>
+                  <a:srgbClr val="222222"/>
+                </a:solidFill>
+                <a:effectLst/>
+                <a:ea typeface="Lucida Grande"/>
+              </a:rPr>
+              <a:t> </a:t>
+            </a:r>
+            <a:r>
+              <a:rPr kumimoji="0" lang="zh-CN" altLang="zh-CN" sz="2000" b="0" i="0" u="none" strike="noStrike" cap="none" normalizeH="0" baseline="0" dirty="0">
+                <a:ln>
+                  <a:noFill/>
+                </a:ln>
+                <a:solidFill>
+                  <a:srgbClr val="222222"/>
+                </a:solidFill>
+                <a:effectLst/>
+                <a:latin typeface="Arial" panose="020B0604020202020204" pitchFamily="34" charset="0"/>
+                <a:ea typeface="Lucida Grande"/>
+              </a:rPr>
+              <a:t>only if </a:t>
+            </a:r>
+            <a:r>
+              <a:rPr kumimoji="0" lang="zh-CN" altLang="zh-CN" sz="2000" b="0" i="0" u="none" strike="noStrike" cap="none" normalizeH="0" baseline="0" dirty="0">
+                <a:ln>
+                  <a:noFill/>
+                </a:ln>
+                <a:solidFill>
+                  <a:srgbClr val="222222"/>
+                </a:solidFill>
+                <a:effectLst/>
+                <a:latin typeface="Courier New" panose="02070309020205020404" pitchFamily="49" charset="0"/>
+                <a:ea typeface="Lucida Grande"/>
+                <a:cs typeface="Courier New" panose="02070309020205020404" pitchFamily="49" charset="0"/>
+              </a:rPr>
+              <a:t>obj.__class__</a:t>
+            </a:r>
+            <a:r>
+              <a:rPr kumimoji="0" lang="zh-CN" altLang="zh-CN" sz="2000" b="0" i="0" u="none" strike="noStrike" cap="none" normalizeH="0" baseline="0" dirty="0">
+                <a:ln>
+                  <a:noFill/>
+                </a:ln>
+                <a:solidFill>
+                  <a:srgbClr val="222222"/>
+                </a:solidFill>
+                <a:effectLst/>
+                <a:ea typeface="Lucida Grande"/>
+              </a:rPr>
+              <a:t> </a:t>
+            </a:r>
+            <a:r>
+              <a:rPr kumimoji="0" lang="zh-CN" altLang="zh-CN" sz="2000" b="0" i="0" u="none" strike="noStrike" cap="none" normalizeH="0" baseline="0" dirty="0">
+                <a:ln>
+                  <a:noFill/>
+                </a:ln>
+                <a:solidFill>
+                  <a:srgbClr val="222222"/>
+                </a:solidFill>
+                <a:effectLst/>
+                <a:latin typeface="Arial" panose="020B0604020202020204" pitchFamily="34" charset="0"/>
+                <a:ea typeface="Lucida Grande"/>
+              </a:rPr>
+              <a:t>is </a:t>
+            </a:r>
+            <a:r>
+              <a:rPr kumimoji="0" lang="zh-CN" altLang="zh-CN" sz="2000" b="0" i="0" u="none" strike="noStrike" cap="none" normalizeH="0" baseline="0" dirty="0">
+                <a:ln>
+                  <a:noFill/>
+                </a:ln>
+                <a:solidFill>
+                  <a:srgbClr val="6363BB"/>
+                </a:solidFill>
+                <a:effectLst/>
+                <a:latin typeface="Courier New" panose="02070309020205020404" pitchFamily="49" charset="0"/>
+                <a:ea typeface="Lucida Grande"/>
+                <a:cs typeface="Courier New" panose="02070309020205020404" pitchFamily="49" charset="0"/>
+                <a:hlinkClick r:id="rId3" tooltip="int"/>
+              </a:rPr>
+              <a:t>int</a:t>
+            </a:r>
+            <a:r>
+              <a:rPr kumimoji="0" lang="zh-CN" altLang="zh-CN" sz="2000" b="0" i="0" u="none" strike="noStrike" cap="none" normalizeH="0" baseline="0" dirty="0">
+                <a:ln>
+                  <a:noFill/>
+                </a:ln>
+                <a:solidFill>
+                  <a:srgbClr val="222222"/>
+                </a:solidFill>
+                <a:effectLst/>
+                <a:ea typeface="Lucida Grande"/>
+              </a:rPr>
+              <a:t> </a:t>
+            </a:r>
+            <a:r>
+              <a:rPr kumimoji="0" lang="zh-CN" altLang="zh-CN" sz="2000" b="0" i="0" u="none" strike="noStrike" cap="none" normalizeH="0" baseline="0" dirty="0">
+                <a:ln>
+                  <a:noFill/>
+                </a:ln>
+                <a:solidFill>
+                  <a:srgbClr val="222222"/>
+                </a:solidFill>
+                <a:effectLst/>
+                <a:latin typeface="Arial" panose="020B0604020202020204" pitchFamily="34" charset="0"/>
+                <a:ea typeface="Lucida Grande"/>
+              </a:rPr>
+              <a:t>or some class derived from </a:t>
+            </a:r>
+            <a:r>
+              <a:rPr kumimoji="0" lang="zh-CN" altLang="zh-CN" sz="2000" b="0" i="0" u="none" strike="noStrike" cap="none" normalizeH="0" baseline="0" dirty="0">
+                <a:ln>
+                  <a:noFill/>
+                </a:ln>
+                <a:solidFill>
+                  <a:srgbClr val="6363BB"/>
+                </a:solidFill>
+                <a:effectLst/>
+                <a:latin typeface="Courier New" panose="02070309020205020404" pitchFamily="49" charset="0"/>
+                <a:ea typeface="Lucida Grande"/>
+                <a:cs typeface="Courier New" panose="02070309020205020404" pitchFamily="49" charset="0"/>
+                <a:hlinkClick r:id="rId3" tooltip="int"/>
+              </a:rPr>
+              <a:t>int</a:t>
+            </a:r>
+            <a:r>
+              <a:rPr kumimoji="0" lang="zh-CN" altLang="zh-CN" sz="2000" b="0" i="0" u="none" strike="noStrike" cap="none" normalizeH="0" baseline="0" dirty="0">
+                <a:ln>
+                  <a:noFill/>
+                </a:ln>
+                <a:solidFill>
+                  <a:srgbClr val="222222"/>
+                </a:solidFill>
+                <a:effectLst/>
+                <a:ea typeface="Lucida Grande"/>
+              </a:rPr>
+              <a:t>.</a:t>
+            </a:r>
+            <a:endParaRPr kumimoji="0" lang="zh-CN" altLang="zh-CN" sz="2000" b="0" i="0" u="none" strike="noStrike" cap="none" normalizeH="0" baseline="0" dirty="0">
+              <a:ln>
+                <a:noFill/>
+              </a:ln>
+              <a:solidFill>
+                <a:srgbClr val="222222"/>
+              </a:solidFill>
+              <a:effectLst/>
+              <a:latin typeface="Arial" panose="020B0604020202020204" pitchFamily="34" charset="0"/>
+              <a:ea typeface="Lucida Grande"/>
+            </a:endParaRPr>
+          </a:p>
+          <a:p>
+            <a:pPr marL="0" marR="0" lvl="0" indent="0" algn="l" defTabSz="914400" rtl="0" eaLnBrk="0" fontAlgn="base" latinLnBrk="0" hangingPunct="0">
+              <a:lnSpc>
+                <a:spcPct val="100000"/>
+              </a:lnSpc>
+              <a:spcBef>
+                <a:spcPct val="0"/>
+              </a:spcBef>
+              <a:spcAft>
+                <a:spcPct val="0"/>
+              </a:spcAft>
+              <a:buClrTx/>
+              <a:buSzTx/>
+              <a:buFontTx/>
+              <a:buChar char="•"/>
+              <a:tabLst/>
+            </a:pPr>
+            <a:r>
+              <a:rPr kumimoji="0" lang="zh-CN" altLang="zh-CN" sz="2000" b="0" i="0" u="none" strike="noStrike" cap="none" normalizeH="0" baseline="0" dirty="0">
+                <a:ln>
+                  <a:noFill/>
+                </a:ln>
+                <a:solidFill>
+                  <a:srgbClr val="222222"/>
+                </a:solidFill>
+                <a:effectLst/>
+                <a:latin typeface="Arial" panose="020B0604020202020204" pitchFamily="34" charset="0"/>
+                <a:ea typeface="Lucida Grande"/>
+              </a:rPr>
+              <a:t>Use </a:t>
+            </a:r>
+            <a:r>
+              <a:rPr kumimoji="0" lang="zh-CN" altLang="zh-CN" sz="2000" b="0" i="0" u="none" strike="noStrike" cap="none" normalizeH="0" baseline="0" dirty="0">
+                <a:ln>
+                  <a:noFill/>
+                </a:ln>
+                <a:solidFill>
+                  <a:srgbClr val="6363BB"/>
+                </a:solidFill>
+                <a:effectLst/>
+                <a:latin typeface="Courier New" panose="02070309020205020404" pitchFamily="49" charset="0"/>
+                <a:ea typeface="Lucida Grande"/>
+                <a:cs typeface="Courier New" panose="02070309020205020404" pitchFamily="49" charset="0"/>
+                <a:hlinkClick r:id="rId4" tooltip="issubclass"/>
+              </a:rPr>
+              <a:t>issubclass()</a:t>
+            </a:r>
+            <a:r>
+              <a:rPr kumimoji="0" lang="zh-CN" altLang="zh-CN" sz="2000" b="0" i="0" u="none" strike="noStrike" cap="none" normalizeH="0" baseline="0" dirty="0">
+                <a:ln>
+                  <a:noFill/>
+                </a:ln>
+                <a:solidFill>
+                  <a:srgbClr val="222222"/>
+                </a:solidFill>
+                <a:effectLst/>
+                <a:ea typeface="Lucida Grande"/>
+              </a:rPr>
+              <a:t> </a:t>
+            </a:r>
+            <a:r>
+              <a:rPr kumimoji="0" lang="zh-CN" altLang="zh-CN" sz="2000" b="0" i="0" u="none" strike="noStrike" cap="none" normalizeH="0" baseline="0" dirty="0">
+                <a:ln>
+                  <a:noFill/>
+                </a:ln>
+                <a:solidFill>
+                  <a:srgbClr val="222222"/>
+                </a:solidFill>
+                <a:effectLst/>
+                <a:latin typeface="Arial" panose="020B0604020202020204" pitchFamily="34" charset="0"/>
+                <a:ea typeface="Lucida Grande"/>
+              </a:rPr>
+              <a:t>to check class inheritance: </a:t>
+            </a:r>
+            <a:r>
+              <a:rPr kumimoji="0" lang="zh-CN" altLang="zh-CN" sz="2000" b="0" i="0" u="none" strike="noStrike" cap="none" normalizeH="0" baseline="0" dirty="0">
+                <a:ln>
+                  <a:noFill/>
+                </a:ln>
+                <a:solidFill>
+                  <a:srgbClr val="222222"/>
+                </a:solidFill>
+                <a:effectLst/>
+                <a:latin typeface="Courier New" panose="02070309020205020404" pitchFamily="49" charset="0"/>
+                <a:ea typeface="Lucida Grande"/>
+                <a:cs typeface="Courier New" panose="02070309020205020404" pitchFamily="49" charset="0"/>
+              </a:rPr>
+              <a:t>issubclass(bool, int)</a:t>
+            </a:r>
+            <a:r>
+              <a:rPr kumimoji="0" lang="zh-CN" altLang="zh-CN" sz="2000" b="0" i="0" u="none" strike="noStrike" cap="none" normalizeH="0" baseline="0" dirty="0">
+                <a:ln>
+                  <a:noFill/>
+                </a:ln>
+                <a:solidFill>
+                  <a:srgbClr val="222222"/>
+                </a:solidFill>
+                <a:effectLst/>
+                <a:ea typeface="Lucida Grande"/>
+              </a:rPr>
+              <a:t> </a:t>
+            </a:r>
+            <a:r>
+              <a:rPr kumimoji="0" lang="zh-CN" altLang="zh-CN" sz="2000" b="0" i="0" u="none" strike="noStrike" cap="none" normalizeH="0" baseline="0" dirty="0">
+                <a:ln>
+                  <a:noFill/>
+                </a:ln>
+                <a:solidFill>
+                  <a:srgbClr val="222222"/>
+                </a:solidFill>
+                <a:effectLst/>
+                <a:latin typeface="Arial" panose="020B0604020202020204" pitchFamily="34" charset="0"/>
+                <a:ea typeface="Lucida Grande"/>
+              </a:rPr>
+              <a:t>is </a:t>
+            </a:r>
+            <a:r>
+              <a:rPr lang="en-US" altLang="zh-CN" sz="2000" dirty="0">
+                <a:solidFill>
+                  <a:srgbClr val="222222"/>
+                </a:solidFill>
+                <a:latin typeface="Arial" panose="020B0604020202020204" pitchFamily="34" charset="0"/>
+                <a:ea typeface="Lucida Grande"/>
+                <a:cs typeface="Courier New" panose="02070309020205020404" pitchFamily="49" charset="0"/>
+              </a:rPr>
+              <a:t> </a:t>
+            </a:r>
+            <a:r>
+              <a:rPr kumimoji="0" lang="zh-CN" altLang="zh-CN" sz="2000" b="0" i="0" u="none" strike="noStrike" cap="none" normalizeH="0" baseline="0" dirty="0">
+                <a:ln>
+                  <a:noFill/>
+                </a:ln>
+                <a:solidFill>
+                  <a:srgbClr val="222222"/>
+                </a:solidFill>
+                <a:effectLst/>
+                <a:latin typeface="Courier New" panose="02070309020205020404" pitchFamily="49" charset="0"/>
+                <a:ea typeface="Lucida Grande"/>
+                <a:cs typeface="Courier New" panose="02070309020205020404" pitchFamily="49" charset="0"/>
+              </a:rPr>
+              <a:t>True</a:t>
+            </a:r>
+            <a:r>
+              <a:rPr kumimoji="0" lang="zh-CN" altLang="zh-CN" sz="2000" b="0" i="0" u="none" strike="noStrike" cap="none" normalizeH="0" baseline="0" dirty="0">
+                <a:ln>
+                  <a:noFill/>
+                </a:ln>
+                <a:solidFill>
+                  <a:srgbClr val="222222"/>
+                </a:solidFill>
+                <a:effectLst/>
+                <a:ea typeface="Lucida Grande"/>
+              </a:rPr>
+              <a:t> </a:t>
+            </a:r>
+            <a:r>
+              <a:rPr kumimoji="0" lang="zh-CN" altLang="zh-CN" sz="2000" b="0" i="0" u="none" strike="noStrike" cap="none" normalizeH="0" baseline="0" dirty="0">
+                <a:ln>
+                  <a:noFill/>
+                </a:ln>
+                <a:solidFill>
+                  <a:srgbClr val="222222"/>
+                </a:solidFill>
+                <a:effectLst/>
+                <a:latin typeface="Arial" panose="020B0604020202020204" pitchFamily="34" charset="0"/>
+                <a:ea typeface="Lucida Grande"/>
+              </a:rPr>
+              <a:t>since </a:t>
+            </a:r>
+            <a:r>
+              <a:rPr kumimoji="0" lang="zh-CN" altLang="zh-CN" sz="2000" b="0" i="0" u="none" strike="noStrike" cap="none" normalizeH="0" baseline="0" dirty="0">
+                <a:ln>
+                  <a:noFill/>
+                </a:ln>
+                <a:solidFill>
+                  <a:srgbClr val="6363BB"/>
+                </a:solidFill>
+                <a:effectLst/>
+                <a:latin typeface="Courier New" panose="02070309020205020404" pitchFamily="49" charset="0"/>
+                <a:ea typeface="Lucida Grande"/>
+                <a:cs typeface="Courier New" panose="02070309020205020404" pitchFamily="49" charset="0"/>
+                <a:hlinkClick r:id="rId5" tooltip="bool"/>
+              </a:rPr>
+              <a:t>bool</a:t>
+            </a:r>
+            <a:r>
+              <a:rPr kumimoji="0" lang="zh-CN" altLang="zh-CN" sz="2000" b="0" i="0" u="none" strike="noStrike" cap="none" normalizeH="0" baseline="0" dirty="0">
+                <a:ln>
+                  <a:noFill/>
+                </a:ln>
+                <a:solidFill>
+                  <a:srgbClr val="222222"/>
+                </a:solidFill>
+                <a:effectLst/>
+                <a:ea typeface="Lucida Grande"/>
+              </a:rPr>
+              <a:t> </a:t>
+            </a:r>
+            <a:r>
+              <a:rPr kumimoji="0" lang="zh-CN" altLang="zh-CN" sz="2000" b="0" i="0" u="none" strike="noStrike" cap="none" normalizeH="0" baseline="0" dirty="0">
+                <a:ln>
+                  <a:noFill/>
+                </a:ln>
+                <a:solidFill>
+                  <a:srgbClr val="222222"/>
+                </a:solidFill>
+                <a:effectLst/>
+                <a:latin typeface="Arial" panose="020B0604020202020204" pitchFamily="34" charset="0"/>
+                <a:ea typeface="Lucida Grande"/>
+              </a:rPr>
+              <a:t>is</a:t>
+            </a:r>
+            <a:endParaRPr kumimoji="0" lang="en-US" altLang="zh-CN" sz="2000" b="0" i="0" u="none" strike="noStrike" cap="none" normalizeH="0" baseline="0" dirty="0">
+              <a:ln>
+                <a:noFill/>
+              </a:ln>
+              <a:solidFill>
+                <a:srgbClr val="222222"/>
+              </a:solidFill>
+              <a:effectLst/>
+              <a:latin typeface="Arial" panose="020B0604020202020204" pitchFamily="34" charset="0"/>
+              <a:ea typeface="Lucida Grande"/>
+            </a:endParaRPr>
+          </a:p>
+          <a:p>
+            <a:pPr marL="0" marR="0" lvl="0" indent="0" algn="l" defTabSz="914400" rtl="0" eaLnBrk="0" fontAlgn="base" latinLnBrk="0" hangingPunct="0">
+              <a:lnSpc>
+                <a:spcPct val="100000"/>
+              </a:lnSpc>
+              <a:spcBef>
+                <a:spcPct val="0"/>
+              </a:spcBef>
+              <a:spcAft>
+                <a:spcPct val="0"/>
+              </a:spcAft>
+              <a:buClrTx/>
+              <a:buSzTx/>
+              <a:tabLst/>
+            </a:pPr>
+            <a:r>
+              <a:rPr lang="en-US" altLang="zh-CN" sz="2000" dirty="0">
+                <a:solidFill>
+                  <a:srgbClr val="222222"/>
+                </a:solidFill>
+                <a:latin typeface="Arial" panose="020B0604020202020204" pitchFamily="34" charset="0"/>
+                <a:ea typeface="Lucida Grande"/>
+              </a:rPr>
+              <a:t> </a:t>
+            </a:r>
+            <a:r>
+              <a:rPr kumimoji="0" lang="zh-CN" altLang="zh-CN" sz="2000" b="0" i="0" u="none" strike="noStrike" cap="none" normalizeH="0" baseline="0" dirty="0">
+                <a:ln>
+                  <a:noFill/>
+                </a:ln>
+                <a:solidFill>
+                  <a:srgbClr val="222222"/>
+                </a:solidFill>
+                <a:effectLst/>
+                <a:latin typeface="Arial" panose="020B0604020202020204" pitchFamily="34" charset="0"/>
+                <a:ea typeface="Lucida Grande"/>
+              </a:rPr>
+              <a:t> a subclass of </a:t>
+            </a:r>
+            <a:r>
+              <a:rPr kumimoji="0" lang="zh-CN" altLang="zh-CN" sz="2000" b="0" i="0" u="none" strike="noStrike" cap="none" normalizeH="0" baseline="0" dirty="0">
+                <a:ln>
+                  <a:noFill/>
+                </a:ln>
+                <a:solidFill>
+                  <a:srgbClr val="6363BB"/>
+                </a:solidFill>
+                <a:effectLst/>
+                <a:latin typeface="Courier New" panose="02070309020205020404" pitchFamily="49" charset="0"/>
+                <a:ea typeface="Lucida Grande"/>
+                <a:cs typeface="Courier New" panose="02070309020205020404" pitchFamily="49" charset="0"/>
+                <a:hlinkClick r:id="rId3" tooltip="int"/>
+              </a:rPr>
+              <a:t>int</a:t>
+            </a:r>
+            <a:r>
+              <a:rPr kumimoji="0" lang="zh-CN" altLang="zh-CN" sz="2000" b="0" i="0" u="none" strike="noStrike" cap="none" normalizeH="0" baseline="0" dirty="0">
+                <a:ln>
+                  <a:noFill/>
+                </a:ln>
+                <a:solidFill>
+                  <a:srgbClr val="222222"/>
+                </a:solidFill>
+                <a:effectLst/>
+                <a:ea typeface="Lucida Grande"/>
+              </a:rPr>
+              <a:t>. However,</a:t>
+            </a:r>
+            <a:r>
+              <a:rPr kumimoji="0" lang="zh-CN" altLang="zh-CN" sz="2000" b="0" i="0" u="none" strike="noStrike" cap="none" normalizeH="0" baseline="0" dirty="0">
+                <a:ln>
+                  <a:noFill/>
+                </a:ln>
+                <a:solidFill>
+                  <a:srgbClr val="222222"/>
+                </a:solidFill>
+                <a:effectLst/>
+                <a:latin typeface="Arial" panose="020B0604020202020204" pitchFamily="34" charset="0"/>
+                <a:ea typeface="Lucida Grande"/>
+              </a:rPr>
+              <a:t> </a:t>
+            </a:r>
+            <a:r>
+              <a:rPr kumimoji="0" lang="zh-CN" altLang="zh-CN" sz="2000" b="0" i="0" u="none" strike="noStrike" cap="none" normalizeH="0" baseline="0" dirty="0">
+                <a:ln>
+                  <a:noFill/>
+                </a:ln>
+                <a:solidFill>
+                  <a:srgbClr val="222222"/>
+                </a:solidFill>
+                <a:effectLst/>
+                <a:latin typeface="Courier New" panose="02070309020205020404" pitchFamily="49" charset="0"/>
+                <a:ea typeface="Lucida Grande"/>
+                <a:cs typeface="Courier New" panose="02070309020205020404" pitchFamily="49" charset="0"/>
+              </a:rPr>
+              <a:t>issubclass(float, int)</a:t>
+            </a:r>
+            <a:r>
+              <a:rPr kumimoji="0" lang="zh-CN" altLang="zh-CN" sz="2000" b="0" i="0" u="none" strike="noStrike" cap="none" normalizeH="0" baseline="0" dirty="0">
+                <a:ln>
+                  <a:noFill/>
+                </a:ln>
+                <a:solidFill>
+                  <a:srgbClr val="222222"/>
+                </a:solidFill>
+                <a:effectLst/>
+                <a:ea typeface="Lucida Grande"/>
+              </a:rPr>
+              <a:t> </a:t>
+            </a:r>
+            <a:r>
+              <a:rPr kumimoji="0" lang="zh-CN" altLang="zh-CN" sz="2000" b="0" i="0" u="none" strike="noStrike" cap="none" normalizeH="0" baseline="0" dirty="0">
+                <a:ln>
+                  <a:noFill/>
+                </a:ln>
+                <a:solidFill>
+                  <a:srgbClr val="222222"/>
+                </a:solidFill>
+                <a:effectLst/>
+                <a:latin typeface="Arial" panose="020B0604020202020204" pitchFamily="34" charset="0"/>
+                <a:ea typeface="Lucida Grande"/>
+              </a:rPr>
+              <a:t>is </a:t>
+            </a:r>
+            <a:r>
+              <a:rPr kumimoji="0" lang="zh-CN" altLang="zh-CN" sz="2000" b="0" i="0" u="none" strike="noStrike" cap="none" normalizeH="0" baseline="0" dirty="0">
+                <a:ln>
+                  <a:noFill/>
+                </a:ln>
+                <a:solidFill>
+                  <a:srgbClr val="222222"/>
+                </a:solidFill>
+                <a:effectLst/>
+                <a:latin typeface="Courier New" panose="02070309020205020404" pitchFamily="49" charset="0"/>
+                <a:ea typeface="Lucida Grande"/>
+                <a:cs typeface="Courier New" panose="02070309020205020404" pitchFamily="49" charset="0"/>
+              </a:rPr>
+              <a:t>False</a:t>
+            </a:r>
+            <a:r>
+              <a:rPr kumimoji="0" lang="zh-CN" altLang="zh-CN" sz="2000" b="0" i="0" u="none" strike="noStrike" cap="none" normalizeH="0" baseline="0" dirty="0">
+                <a:ln>
+                  <a:noFill/>
+                </a:ln>
+                <a:solidFill>
+                  <a:srgbClr val="222222"/>
+                </a:solidFill>
+                <a:effectLst/>
+                <a:ea typeface="Lucida Grande"/>
+              </a:rPr>
+              <a:t> </a:t>
+            </a:r>
+            <a:r>
+              <a:rPr kumimoji="0" lang="zh-CN" altLang="zh-CN" sz="2000" b="0" i="0" u="none" strike="noStrike" cap="none" normalizeH="0" baseline="0" dirty="0">
+                <a:ln>
+                  <a:noFill/>
+                </a:ln>
+                <a:solidFill>
+                  <a:srgbClr val="222222"/>
+                </a:solidFill>
+                <a:effectLst/>
+                <a:latin typeface="Arial" panose="020B0604020202020204" pitchFamily="34" charset="0"/>
+                <a:ea typeface="Lucida Grande"/>
+              </a:rPr>
+              <a:t>since </a:t>
+            </a:r>
+            <a:r>
+              <a:rPr kumimoji="0" lang="zh-CN" altLang="zh-CN" sz="2000" b="0" i="0" u="none" strike="noStrike" cap="none" normalizeH="0" baseline="0" dirty="0">
+                <a:ln>
+                  <a:noFill/>
+                </a:ln>
+                <a:solidFill>
+                  <a:srgbClr val="6363BB"/>
+                </a:solidFill>
+                <a:effectLst/>
+                <a:latin typeface="Courier New" panose="02070309020205020404" pitchFamily="49" charset="0"/>
+                <a:ea typeface="Lucida Grande"/>
+                <a:cs typeface="Courier New" panose="02070309020205020404" pitchFamily="49" charset="0"/>
+                <a:hlinkClick r:id="rId6" tooltip="float"/>
+              </a:rPr>
+              <a:t>float</a:t>
+            </a:r>
+            <a:r>
+              <a:rPr kumimoji="0" lang="zh-CN" altLang="zh-CN" sz="2000" b="0" i="0" u="none" strike="noStrike" cap="none" normalizeH="0" baseline="0" dirty="0">
+                <a:ln>
+                  <a:noFill/>
+                </a:ln>
+                <a:solidFill>
+                  <a:srgbClr val="222222"/>
+                </a:solidFill>
+                <a:effectLst/>
+                <a:ea typeface="Lucida Grande"/>
+              </a:rPr>
+              <a:t> </a:t>
+            </a:r>
+            <a:r>
+              <a:rPr kumimoji="0" lang="zh-CN" altLang="zh-CN" sz="2000" b="0" i="0" u="none" strike="noStrike" cap="none" normalizeH="0" baseline="0" dirty="0">
+                <a:ln>
+                  <a:noFill/>
+                </a:ln>
+                <a:solidFill>
+                  <a:srgbClr val="222222"/>
+                </a:solidFill>
+                <a:effectLst/>
+                <a:latin typeface="Arial" panose="020B0604020202020204" pitchFamily="34" charset="0"/>
+                <a:ea typeface="Lucida Grande"/>
+              </a:rPr>
+              <a:t>is not a subclass </a:t>
+            </a:r>
+            <a:endParaRPr kumimoji="0" lang="en-US" altLang="zh-CN" sz="2000" b="0" i="0" u="none" strike="noStrike" cap="none" normalizeH="0" baseline="0" dirty="0">
+              <a:ln>
+                <a:noFill/>
+              </a:ln>
+              <a:solidFill>
+                <a:srgbClr val="222222"/>
+              </a:solidFill>
+              <a:effectLst/>
+              <a:latin typeface="Arial" panose="020B0604020202020204" pitchFamily="34" charset="0"/>
+              <a:ea typeface="Lucida Grande"/>
+            </a:endParaRPr>
+          </a:p>
+          <a:p>
+            <a:pPr marL="0" marR="0" lvl="0" indent="0" algn="l" defTabSz="914400" rtl="0" eaLnBrk="0" fontAlgn="base" latinLnBrk="0" hangingPunct="0">
+              <a:lnSpc>
+                <a:spcPct val="100000"/>
+              </a:lnSpc>
+              <a:spcBef>
+                <a:spcPct val="0"/>
+              </a:spcBef>
+              <a:spcAft>
+                <a:spcPct val="0"/>
+              </a:spcAft>
+              <a:buClrTx/>
+              <a:buSzTx/>
+              <a:tabLst/>
+            </a:pPr>
+            <a:r>
+              <a:rPr lang="en-US" altLang="zh-CN" sz="2000" dirty="0">
+                <a:solidFill>
+                  <a:srgbClr val="222222"/>
+                </a:solidFill>
+                <a:latin typeface="Arial" panose="020B0604020202020204" pitchFamily="34" charset="0"/>
+                <a:ea typeface="Lucida Grande"/>
+              </a:rPr>
+              <a:t>  </a:t>
+            </a:r>
+            <a:r>
+              <a:rPr kumimoji="0" lang="zh-CN" altLang="zh-CN" sz="2000" b="0" i="0" u="none" strike="noStrike" cap="none" normalizeH="0" baseline="0" dirty="0">
+                <a:ln>
+                  <a:noFill/>
+                </a:ln>
+                <a:solidFill>
+                  <a:srgbClr val="222222"/>
+                </a:solidFill>
+                <a:effectLst/>
+                <a:latin typeface="Arial" panose="020B0604020202020204" pitchFamily="34" charset="0"/>
+                <a:ea typeface="Lucida Grande"/>
+              </a:rPr>
+              <a:t>of </a:t>
+            </a:r>
+            <a:r>
+              <a:rPr kumimoji="0" lang="zh-CN" altLang="zh-CN" sz="2000" b="0" i="0" u="none" strike="noStrike" cap="none" normalizeH="0" baseline="0" dirty="0">
+                <a:ln>
+                  <a:noFill/>
+                </a:ln>
+                <a:solidFill>
+                  <a:srgbClr val="6363BB"/>
+                </a:solidFill>
+                <a:effectLst/>
+                <a:latin typeface="Courier New" panose="02070309020205020404" pitchFamily="49" charset="0"/>
+                <a:ea typeface="Lucida Grande"/>
+                <a:cs typeface="Courier New" panose="02070309020205020404" pitchFamily="49" charset="0"/>
+                <a:hlinkClick r:id="rId3" tooltip="int"/>
+              </a:rPr>
+              <a:t>int</a:t>
+            </a:r>
+            <a:r>
+              <a:rPr kumimoji="0" lang="zh-CN" altLang="zh-CN" sz="2000" b="0" i="0" u="none" strike="noStrike" cap="none" normalizeH="0" baseline="0" dirty="0">
+                <a:ln>
+                  <a:noFill/>
+                </a:ln>
+                <a:solidFill>
+                  <a:srgbClr val="222222"/>
+                </a:solidFill>
+                <a:effectLst/>
+                <a:ea typeface="Lucida Grande"/>
+              </a:rPr>
+              <a:t>.</a:t>
+            </a:r>
+            <a:endParaRPr kumimoji="0" lang="zh-CN" altLang="zh-CN" sz="2000" b="0" i="0" u="none" strike="noStrike" cap="none" normalizeH="0" baseline="0" dirty="0">
+              <a:ln>
+                <a:noFill/>
+              </a:ln>
+              <a:solidFill>
+                <a:srgbClr val="222222"/>
+              </a:solidFill>
+              <a:effectLst/>
+              <a:latin typeface="Arial" panose="020B0604020202020204" pitchFamily="34" charset="0"/>
+              <a:ea typeface="Lucida Grande"/>
+            </a:endParaRPr>
+          </a:p>
+          <a:p>
+            <a:pPr marL="0" marR="0" lvl="0" indent="0" algn="l" defTabSz="914400" rtl="0" eaLnBrk="0" fontAlgn="base" latinLnBrk="0" hangingPunct="0">
+              <a:lnSpc>
+                <a:spcPct val="100000"/>
+              </a:lnSpc>
+              <a:spcBef>
+                <a:spcPct val="0"/>
+              </a:spcBef>
+              <a:spcAft>
+                <a:spcPct val="0"/>
+              </a:spcAft>
+              <a:buClrTx/>
+              <a:buSzTx/>
+              <a:buFontTx/>
+              <a:buNone/>
+              <a:tabLst/>
+            </a:pPr>
+            <a:endParaRPr kumimoji="0" lang="zh-CN" altLang="zh-CN" sz="2000" b="0" i="0" u="none" strike="noStrike" cap="none" normalizeH="0" baseline="0" dirty="0">
+              <a:ln>
+                <a:noFill/>
+              </a:ln>
+              <a:solidFill>
+                <a:schemeClr val="tx1"/>
+              </a:solidFill>
+              <a:effectLst/>
+              <a:latin typeface="Arial" panose="020B0604020202020204" pitchFamily="34" charset="0"/>
+            </a:endParaRPr>
+          </a:p>
+        </p:txBody>
+      </p:sp>
+      <p:pic>
+        <p:nvPicPr>
+          <p:cNvPr id="6" name="图片 5">
+            <a:extLst>
+              <a:ext uri="{FF2B5EF4-FFF2-40B4-BE49-F238E27FC236}">
+                <a16:creationId xmlns:a16="http://schemas.microsoft.com/office/drawing/2014/main" id="{73E835D7-0690-45D7-9F30-8A2FF60B460A}"/>
+              </a:ext>
+            </a:extLst>
+          </p:cNvPr>
+          <p:cNvPicPr>
+            <a:picLocks noChangeAspect="1"/>
+          </p:cNvPicPr>
+          <p:nvPr/>
+        </p:nvPicPr>
+        <p:blipFill>
+          <a:blip r:embed="rId7"/>
+          <a:stretch>
+            <a:fillRect/>
+          </a:stretch>
+        </p:blipFill>
+        <p:spPr>
+          <a:xfrm>
+            <a:off x="684627" y="4469410"/>
+            <a:ext cx="11383013" cy="2279506"/>
+          </a:xfrm>
+          <a:prstGeom prst="rect">
+            <a:avLst/>
+          </a:prstGeom>
+        </p:spPr>
+      </p:pic>
+    </p:spTree>
+    <p:extLst>
+      <p:ext uri="{BB962C8B-B14F-4D97-AF65-F5344CB8AC3E}">
+        <p14:creationId xmlns:p14="http://schemas.microsoft.com/office/powerpoint/2010/main" val="138736929"/>
+      </p:ext>
+    </p:extLst>
+  </p:cSld>
+  <p:clrMapOvr>
+    <a:masterClrMapping/>
+  </p:clrMapOvr>
+</p:sld>
+</file>
+
+<file path=ppt/slides/slide33.xml><?xml version="1.0" encoding="utf-8"?>
+<p:sld xmlns:a="http://schemas.openxmlformats.org/drawingml/2006/main" xmlns:r="http://schemas.openxmlformats.org/officeDocument/2006/relationships" xmlns:p="http://schemas.openxmlformats.org/presentationml/2006/main">
+  <p:cSld>
+    <p:spTree>
+      <p:nvGrpSpPr>
+        <p:cNvPr id="1" name=""/>
+        <p:cNvGrpSpPr/>
+        <p:nvPr/>
+      </p:nvGrpSpPr>
+      <p:grpSpPr>
+        <a:xfrm>
+          <a:off x="0" y="0"/>
+          <a:ext cx="0" cy="0"/>
+          <a:chOff x="0" y="0"/>
+          <a:chExt cx="0" cy="0"/>
+        </a:xfrm>
+      </p:grpSpPr>
+      <p:sp>
+        <p:nvSpPr>
+          <p:cNvPr id="3" name="矩形 2">
+            <a:extLst>
+              <a:ext uri="{FF2B5EF4-FFF2-40B4-BE49-F238E27FC236}">
+                <a16:creationId xmlns:a16="http://schemas.microsoft.com/office/drawing/2014/main" id="{C0786D95-5013-44F5-AC73-C4EA415B09F2}"/>
+              </a:ext>
+            </a:extLst>
+          </p:cNvPr>
+          <p:cNvSpPr/>
+          <p:nvPr/>
+        </p:nvSpPr>
+        <p:spPr>
+          <a:xfrm>
+            <a:off x="642424" y="519556"/>
+            <a:ext cx="10907151" cy="646331"/>
+          </a:xfrm>
+          <a:prstGeom prst="rect">
+            <a:avLst/>
+          </a:prstGeom>
+        </p:spPr>
+        <p:txBody>
+          <a:bodyPr wrap="square">
+            <a:spAutoFit/>
+          </a:bodyPr>
+          <a:lstStyle/>
+          <a:p>
+            <a:r>
+              <a:rPr lang="en-US" altLang="zh-CN" dirty="0"/>
+              <a:t>Instance method objects have attributes, too: </a:t>
+            </a:r>
+            <a:r>
+              <a:rPr lang="en-US" altLang="zh-CN" dirty="0" err="1">
+                <a:solidFill>
+                  <a:srgbClr val="FF0000"/>
+                </a:solidFill>
+              </a:rPr>
+              <a:t>m.__self</a:t>
+            </a:r>
+            <a:r>
+              <a:rPr lang="en-US" altLang="zh-CN" dirty="0">
+                <a:solidFill>
+                  <a:srgbClr val="FF0000"/>
+                </a:solidFill>
+              </a:rPr>
+              <a:t>__ </a:t>
+            </a:r>
+            <a:r>
+              <a:rPr lang="en-US" altLang="zh-CN" dirty="0"/>
+              <a:t>is the instance object with the method m(), and </a:t>
+            </a:r>
+            <a:r>
+              <a:rPr lang="en-US" altLang="zh-CN" dirty="0">
+                <a:solidFill>
+                  <a:srgbClr val="FF0000"/>
+                </a:solidFill>
+              </a:rPr>
+              <a:t>m.__</a:t>
+            </a:r>
+            <a:r>
+              <a:rPr lang="en-US" altLang="zh-CN" dirty="0" err="1">
+                <a:solidFill>
+                  <a:srgbClr val="FF0000"/>
+                </a:solidFill>
+              </a:rPr>
+              <a:t>func</a:t>
+            </a:r>
+            <a:r>
+              <a:rPr lang="en-US" altLang="zh-CN" dirty="0">
+                <a:solidFill>
+                  <a:srgbClr val="FF0000"/>
+                </a:solidFill>
+              </a:rPr>
+              <a:t>__ </a:t>
+            </a:r>
+            <a:r>
+              <a:rPr lang="en-US" altLang="zh-CN" dirty="0"/>
+              <a:t>is the function object corresponding to the method.</a:t>
+            </a:r>
+            <a:endParaRPr lang="zh-CN" altLang="en-US" dirty="0"/>
+          </a:p>
+        </p:txBody>
+      </p:sp>
+      <p:pic>
+        <p:nvPicPr>
+          <p:cNvPr id="4" name="图片 3">
+            <a:extLst>
+              <a:ext uri="{FF2B5EF4-FFF2-40B4-BE49-F238E27FC236}">
+                <a16:creationId xmlns:a16="http://schemas.microsoft.com/office/drawing/2014/main" id="{73862998-6857-4193-B89E-6BFF69DFEEA5}"/>
+              </a:ext>
+            </a:extLst>
+          </p:cNvPr>
+          <p:cNvPicPr>
+            <a:picLocks noChangeAspect="1"/>
+          </p:cNvPicPr>
+          <p:nvPr/>
+        </p:nvPicPr>
+        <p:blipFill>
+          <a:blip r:embed="rId2"/>
+          <a:stretch>
+            <a:fillRect/>
+          </a:stretch>
+        </p:blipFill>
+        <p:spPr>
+          <a:xfrm>
+            <a:off x="112541" y="1641904"/>
+            <a:ext cx="11966917" cy="3922448"/>
+          </a:xfrm>
+          <a:prstGeom prst="rect">
+            <a:avLst/>
+          </a:prstGeom>
+        </p:spPr>
+      </p:pic>
+    </p:spTree>
+    <p:extLst>
+      <p:ext uri="{BB962C8B-B14F-4D97-AF65-F5344CB8AC3E}">
+        <p14:creationId xmlns:p14="http://schemas.microsoft.com/office/powerpoint/2010/main" val="3104245790"/>
+      </p:ext>
+    </p:extLst>
+  </p:cSld>
+  <p:clrMapOvr>
+    <a:masterClrMapping/>
+  </p:clrMapOvr>
+</p:sld>
+</file>
+
+<file path=ppt/slides/slide34.xml><?xml version="1.0" encoding="utf-8"?>
+<p:sld xmlns:a="http://schemas.openxmlformats.org/drawingml/2006/main" xmlns:r="http://schemas.openxmlformats.org/officeDocument/2006/relationships" xmlns:p="http://schemas.openxmlformats.org/presentationml/2006/main">
+  <p:cSld>
+    <p:spTree>
+      <p:nvGrpSpPr>
+        <p:cNvPr id="1" name=""/>
+        <p:cNvGrpSpPr/>
+        <p:nvPr/>
+      </p:nvGrpSpPr>
+      <p:grpSpPr>
+        <a:xfrm>
+          <a:off x="0" y="0"/>
+          <a:ext cx="0" cy="0"/>
+          <a:chOff x="0" y="0"/>
+          <a:chExt cx="0" cy="0"/>
+        </a:xfrm>
+      </p:grpSpPr>
+      <p:pic>
+        <p:nvPicPr>
+          <p:cNvPr id="2" name="图片 1">
+            <a:extLst>
+              <a:ext uri="{FF2B5EF4-FFF2-40B4-BE49-F238E27FC236}">
+                <a16:creationId xmlns:a16="http://schemas.microsoft.com/office/drawing/2014/main" id="{AF6D4A10-5953-4AC5-B8E4-79AAA8E6F937}"/>
+              </a:ext>
+            </a:extLst>
+          </p:cNvPr>
+          <p:cNvPicPr>
+            <a:picLocks noChangeAspect="1"/>
+          </p:cNvPicPr>
+          <p:nvPr/>
+        </p:nvPicPr>
+        <p:blipFill>
+          <a:blip r:embed="rId2"/>
+          <a:stretch>
+            <a:fillRect/>
+          </a:stretch>
+        </p:blipFill>
+        <p:spPr>
+          <a:xfrm>
+            <a:off x="386861" y="578447"/>
+            <a:ext cx="11418277" cy="3125916"/>
+          </a:xfrm>
+          <a:prstGeom prst="rect">
+            <a:avLst/>
+          </a:prstGeom>
+        </p:spPr>
+      </p:pic>
+    </p:spTree>
+    <p:extLst>
+      <p:ext uri="{BB962C8B-B14F-4D97-AF65-F5344CB8AC3E}">
+        <p14:creationId xmlns:p14="http://schemas.microsoft.com/office/powerpoint/2010/main" val="3591412330"/>
+      </p:ext>
+    </p:extLst>
+  </p:cSld>
+  <p:clrMapOvr>
+    <a:masterClrMapping/>
+  </p:clrMapOvr>
+</p:sld>
+</file>
+
+<file path=ppt/slides/slide35.xml><?xml version="1.0" encoding="utf-8"?>
+<p:sld xmlns:a="http://schemas.openxmlformats.org/drawingml/2006/main" xmlns:r="http://schemas.openxmlformats.org/officeDocument/2006/relationships" xmlns:p="http://schemas.openxmlformats.org/presentationml/2006/main">
+  <p:cSld>
+    <p:spTree>
+      <p:nvGrpSpPr>
+        <p:cNvPr id="1" name=""/>
+        <p:cNvGrpSpPr/>
+        <p:nvPr/>
+      </p:nvGrpSpPr>
+      <p:grpSpPr>
+        <a:xfrm>
+          <a:off x="0" y="0"/>
+          <a:ext cx="0" cy="0"/>
+          <a:chOff x="0" y="0"/>
+          <a:chExt cx="0" cy="0"/>
+        </a:xfrm>
+      </p:grpSpPr>
+      <p:pic>
+        <p:nvPicPr>
+          <p:cNvPr id="2" name="图片 1">
+            <a:extLst>
+              <a:ext uri="{FF2B5EF4-FFF2-40B4-BE49-F238E27FC236}">
+                <a16:creationId xmlns:a16="http://schemas.microsoft.com/office/drawing/2014/main" id="{845095EF-60B3-48C8-92C9-861E701F92FB}"/>
+              </a:ext>
+            </a:extLst>
+          </p:cNvPr>
+          <p:cNvPicPr>
+            <a:picLocks noChangeAspect="1"/>
+          </p:cNvPicPr>
+          <p:nvPr/>
+        </p:nvPicPr>
+        <p:blipFill>
+          <a:blip r:embed="rId2"/>
+          <a:stretch>
+            <a:fillRect/>
+          </a:stretch>
+        </p:blipFill>
+        <p:spPr>
+          <a:xfrm>
+            <a:off x="379827" y="587809"/>
+            <a:ext cx="11671495" cy="4604828"/>
+          </a:xfrm>
+          <a:prstGeom prst="rect">
+            <a:avLst/>
+          </a:prstGeom>
+        </p:spPr>
+      </p:pic>
+    </p:spTree>
+    <p:extLst>
+      <p:ext uri="{BB962C8B-B14F-4D97-AF65-F5344CB8AC3E}">
+        <p14:creationId xmlns:p14="http://schemas.microsoft.com/office/powerpoint/2010/main" val="1205930026"/>
+      </p:ext>
+    </p:extLst>
+  </p:cSld>
+  <p:clrMapOvr>
+    <a:masterClrMapping/>
+  </p:clrMapOvr>
+</p:sld>
+</file>
+
+<file path=ppt/slides/slide36.xml><?xml version="1.0" encoding="utf-8"?>
+<p:sld xmlns:a="http://schemas.openxmlformats.org/drawingml/2006/main" xmlns:r="http://schemas.openxmlformats.org/officeDocument/2006/relationships" xmlns:p="http://schemas.openxmlformats.org/presentationml/2006/main">
+  <p:cSld>
+    <p:spTree>
+      <p:nvGrpSpPr>
+        <p:cNvPr id="1" name=""/>
+        <p:cNvGrpSpPr/>
+        <p:nvPr/>
+      </p:nvGrpSpPr>
+      <p:grpSpPr>
+        <a:xfrm>
+          <a:off x="0" y="0"/>
+          <a:ext cx="0" cy="0"/>
+          <a:chOff x="0" y="0"/>
+          <a:chExt cx="0" cy="0"/>
+        </a:xfrm>
+      </p:grpSpPr>
+      <p:pic>
+        <p:nvPicPr>
+          <p:cNvPr id="2" name="图片 1">
+            <a:extLst>
+              <a:ext uri="{FF2B5EF4-FFF2-40B4-BE49-F238E27FC236}">
+                <a16:creationId xmlns:a16="http://schemas.microsoft.com/office/drawing/2014/main" id="{A60DD97F-2DA6-4098-989B-2050A819B91C}"/>
+              </a:ext>
+            </a:extLst>
+          </p:cNvPr>
+          <p:cNvPicPr>
+            <a:picLocks noChangeAspect="1"/>
+          </p:cNvPicPr>
+          <p:nvPr/>
+        </p:nvPicPr>
+        <p:blipFill>
+          <a:blip r:embed="rId2"/>
+          <a:stretch>
+            <a:fillRect/>
+          </a:stretch>
+        </p:blipFill>
+        <p:spPr>
+          <a:xfrm>
+            <a:off x="301580" y="861237"/>
+            <a:ext cx="11588839" cy="4400079"/>
+          </a:xfrm>
+          <a:prstGeom prst="rect">
+            <a:avLst/>
+          </a:prstGeom>
+        </p:spPr>
+      </p:pic>
+    </p:spTree>
+    <p:extLst>
+      <p:ext uri="{BB962C8B-B14F-4D97-AF65-F5344CB8AC3E}">
+        <p14:creationId xmlns:p14="http://schemas.microsoft.com/office/powerpoint/2010/main" val="4177359815"/>
       </p:ext>
     </p:extLst>
   </p:cSld>
@@ -8662,7 +10706,7 @@
               <a:tabLst/>
             </a:pPr>
             <a:r>
-              <a:rPr kumimoji="0" lang="zh-CN" altLang="zh-CN" sz="1200" b="0" i="0" u="none" strike="noStrike" cap="none" normalizeH="0" baseline="0" dirty="0" smtClean="0">
+              <a:rPr kumimoji="0" lang="zh-CN" altLang="zh-CN" sz="1200" b="0" i="0" u="none" strike="noStrike" cap="none" normalizeH="0" baseline="0" dirty="0">
                 <a:ln>
                   <a:noFill/>
                 </a:ln>
@@ -8676,7 +10720,7 @@
               <a:t>a </a:t>
             </a:r>
             <a:r>
-              <a:rPr kumimoji="0" lang="zh-CN" altLang="zh-CN" sz="1100" b="0" i="0" u="none" strike="noStrike" cap="none" normalizeH="0" baseline="0" dirty="0" smtClean="0">
+              <a:rPr kumimoji="0" lang="zh-CN" altLang="zh-CN" sz="1100" b="0" i="0" u="none" strike="noStrike" cap="none" normalizeH="0" baseline="0" dirty="0">
                 <a:ln>
                   <a:noFill/>
                 </a:ln>
@@ -8692,7 +10736,7 @@
               <a:t>try</a:t>
             </a:r>
             <a:r>
-              <a:rPr kumimoji="0" lang="zh-CN" altLang="zh-CN" sz="1200" b="0" i="0" u="none" strike="noStrike" cap="none" normalizeH="0" baseline="0" dirty="0" smtClean="0">
+              <a:rPr kumimoji="0" lang="zh-CN" altLang="zh-CN" sz="1200" b="0" i="0" u="none" strike="noStrike" cap="none" normalizeH="0" baseline="0" dirty="0">
                 <a:ln>
                   <a:noFill/>
                 </a:ln>
@@ -8705,7 +10749,7 @@
               <a:t> </a:t>
             </a:r>
             <a:r>
-              <a:rPr kumimoji="0" lang="zh-CN" altLang="zh-CN" sz="1200" b="0" i="0" u="none" strike="noStrike" cap="none" normalizeH="0" baseline="0" dirty="0" smtClean="0">
+              <a:rPr kumimoji="0" lang="zh-CN" altLang="zh-CN" sz="1200" b="0" i="0" u="none" strike="noStrike" cap="none" normalizeH="0" baseline="0" dirty="0">
                 <a:ln>
                   <a:noFill/>
                 </a:ln>
@@ -8719,7 +10763,7 @@
               <a:t>statement’s </a:t>
             </a:r>
             <a:r>
-              <a:rPr kumimoji="0" lang="zh-CN" altLang="zh-CN" sz="1100" b="0" i="0" u="none" strike="noStrike" cap="none" normalizeH="0" baseline="0" dirty="0" smtClean="0">
+              <a:rPr kumimoji="0" lang="zh-CN" altLang="zh-CN" sz="1100" b="0" i="0" u="none" strike="noStrike" cap="none" normalizeH="0" baseline="0" dirty="0">
                 <a:ln>
                   <a:noFill/>
                 </a:ln>
@@ -8733,7 +10777,7 @@
               <a:t>else</a:t>
             </a:r>
             <a:r>
-              <a:rPr kumimoji="0" lang="zh-CN" altLang="zh-CN" sz="1200" b="0" i="0" u="none" strike="noStrike" cap="none" normalizeH="0" baseline="0" dirty="0" smtClean="0">
+              <a:rPr kumimoji="0" lang="zh-CN" altLang="zh-CN" sz="1200" b="0" i="0" u="none" strike="noStrike" cap="none" normalizeH="0" baseline="0" dirty="0">
                 <a:ln>
                   <a:noFill/>
                 </a:ln>
@@ -8746,7 +10790,7 @@
               <a:t> </a:t>
             </a:r>
             <a:r>
-              <a:rPr kumimoji="0" lang="zh-CN" altLang="zh-CN" sz="1200" b="0" i="0" u="none" strike="noStrike" cap="none" normalizeH="0" baseline="0" dirty="0" smtClean="0">
+              <a:rPr kumimoji="0" lang="zh-CN" altLang="zh-CN" sz="1200" b="0" i="0" u="none" strike="noStrike" cap="none" normalizeH="0" baseline="0" dirty="0">
                 <a:ln>
                   <a:noFill/>
                 </a:ln>
@@ -8760,7 +10804,7 @@
               <a:t>clause runs when no exception occurs, and a loop’s </a:t>
             </a:r>
             <a:r>
-              <a:rPr kumimoji="0" lang="zh-CN" altLang="zh-CN" sz="1100" b="0" i="0" u="none" strike="noStrike" cap="none" normalizeH="0" baseline="0" dirty="0" smtClean="0">
+              <a:rPr kumimoji="0" lang="zh-CN" altLang="zh-CN" sz="1100" b="0" i="0" u="none" strike="noStrike" cap="none" normalizeH="0" baseline="0" dirty="0">
                 <a:ln>
                   <a:noFill/>
                 </a:ln>
@@ -8774,7 +10818,7 @@
               <a:t>else</a:t>
             </a:r>
             <a:r>
-              <a:rPr kumimoji="0" lang="zh-CN" altLang="zh-CN" sz="1200" b="0" i="0" u="none" strike="noStrike" cap="none" normalizeH="0" baseline="0" dirty="0" smtClean="0">
+              <a:rPr kumimoji="0" lang="zh-CN" altLang="zh-CN" sz="1200" b="0" i="0" u="none" strike="noStrike" cap="none" normalizeH="0" baseline="0" dirty="0">
                 <a:ln>
                   <a:noFill/>
                 </a:ln>
@@ -8787,7 +10831,7 @@
               <a:t> </a:t>
             </a:r>
             <a:r>
-              <a:rPr kumimoji="0" lang="zh-CN" altLang="zh-CN" sz="1200" b="0" i="0" u="none" strike="noStrike" cap="none" normalizeH="0" baseline="0" dirty="0" smtClean="0">
+              <a:rPr kumimoji="0" lang="zh-CN" altLang="zh-CN" sz="1200" b="0" i="0" u="none" strike="noStrike" cap="none" normalizeH="0" baseline="0" dirty="0">
                 <a:ln>
                   <a:noFill/>
                 </a:ln>
@@ -8801,7 +10845,7 @@
               <a:t>clause runs when no </a:t>
             </a:r>
             <a:r>
-              <a:rPr kumimoji="0" lang="zh-CN" altLang="zh-CN" sz="1100" b="0" i="0" u="none" strike="noStrike" cap="none" normalizeH="0" baseline="0" dirty="0" smtClean="0">
+              <a:rPr kumimoji="0" lang="zh-CN" altLang="zh-CN" sz="1100" b="0" i="0" u="none" strike="noStrike" cap="none" normalizeH="0" baseline="0" dirty="0">
                 <a:ln>
                   <a:noFill/>
                 </a:ln>
@@ -8815,7 +10859,7 @@
               <a:t>break</a:t>
             </a:r>
             <a:r>
-              <a:rPr kumimoji="0" lang="zh-CN" altLang="zh-CN" sz="1200" b="0" i="0" u="none" strike="noStrike" cap="none" normalizeH="0" baseline="0" dirty="0" smtClean="0">
+              <a:rPr kumimoji="0" lang="zh-CN" altLang="zh-CN" sz="1200" b="0" i="0" u="none" strike="noStrike" cap="none" normalizeH="0" baseline="0" dirty="0">
                 <a:ln>
                   <a:noFill/>
                 </a:ln>
@@ -8828,7 +10872,7 @@
               <a:t> </a:t>
             </a:r>
             <a:r>
-              <a:rPr kumimoji="0" lang="zh-CN" altLang="zh-CN" sz="1200" b="0" i="0" u="none" strike="noStrike" cap="none" normalizeH="0" baseline="0" dirty="0" smtClean="0">
+              <a:rPr kumimoji="0" lang="zh-CN" altLang="zh-CN" sz="1200" b="0" i="0" u="none" strike="noStrike" cap="none" normalizeH="0" baseline="0" dirty="0">
                 <a:ln>
                   <a:noFill/>
                 </a:ln>
@@ -8842,7 +10886,7 @@
               <a:t>occurs.</a:t>
             </a:r>
             <a:r>
-              <a:rPr kumimoji="0" lang="zh-CN" altLang="zh-CN" sz="800" b="0" i="0" u="none" strike="noStrike" cap="none" normalizeH="0" baseline="0" dirty="0" smtClean="0">
+              <a:rPr kumimoji="0" lang="zh-CN" altLang="zh-CN" sz="800" b="0" i="0" u="none" strike="noStrike" cap="none" normalizeH="0" baseline="0" dirty="0">
                 <a:ln>
                   <a:noFill/>
                 </a:ln>
@@ -8854,7 +10898,7 @@
               </a:rPr>
               <a:t> </a:t>
             </a:r>
-            <a:endParaRPr kumimoji="0" lang="zh-CN" altLang="zh-CN" sz="1800" b="0" i="0" u="none" strike="noStrike" cap="none" normalizeH="0" baseline="0" dirty="0" smtClean="0">
+            <a:endParaRPr kumimoji="0" lang="zh-CN" altLang="zh-CN" sz="1800" b="0" i="0" u="none" strike="noStrike" cap="none" normalizeH="0" baseline="0" dirty="0">
               <a:ln>
                 <a:noFill/>
               </a:ln>
@@ -9089,7 +11133,7 @@
               <a:tabLst/>
             </a:pPr>
             <a:r>
-              <a:rPr kumimoji="0" lang="zh-CN" altLang="zh-CN" sz="1200" b="0" i="0" u="none" strike="noStrike" cap="none" normalizeH="0" baseline="0" dirty="0" smtClean="0">
+              <a:rPr kumimoji="0" lang="zh-CN" altLang="zh-CN" sz="1200" b="0" i="0" u="none" strike="noStrike" cap="none" normalizeH="0" baseline="0" dirty="0">
                 <a:ln>
                   <a:noFill/>
                 </a:ln>
@@ -9103,7 +11147,7 @@
               <a:t>even functions without a </a:t>
             </a:r>
             <a:r>
-              <a:rPr kumimoji="0" lang="zh-CN" altLang="zh-CN" sz="1100" b="0" i="0" u="none" strike="noStrike" cap="none" normalizeH="0" baseline="0" dirty="0" smtClean="0">
+              <a:rPr kumimoji="0" lang="zh-CN" altLang="zh-CN" sz="1100" b="0" i="0" u="none" strike="noStrike" cap="none" normalizeH="0" baseline="0" dirty="0">
                 <a:ln>
                   <a:noFill/>
                 </a:ln>
@@ -9119,7 +11163,7 @@
               <a:t>return</a:t>
             </a:r>
             <a:r>
-              <a:rPr kumimoji="0" lang="zh-CN" altLang="zh-CN" sz="1200" b="0" i="0" u="none" strike="noStrike" cap="none" normalizeH="0" baseline="0" dirty="0" smtClean="0">
+              <a:rPr kumimoji="0" lang="zh-CN" altLang="zh-CN" sz="1200" b="0" i="0" u="none" strike="noStrike" cap="none" normalizeH="0" baseline="0" dirty="0">
                 <a:ln>
                   <a:noFill/>
                 </a:ln>
@@ -9132,7 +11176,7 @@
               <a:t> </a:t>
             </a:r>
             <a:r>
-              <a:rPr kumimoji="0" lang="zh-CN" altLang="zh-CN" sz="1200" b="0" i="0" u="none" strike="noStrike" cap="none" normalizeH="0" baseline="0" dirty="0" smtClean="0">
+              <a:rPr kumimoji="0" lang="zh-CN" altLang="zh-CN" sz="1200" b="0" i="0" u="none" strike="noStrike" cap="none" normalizeH="0" baseline="0" dirty="0">
                 <a:ln>
                   <a:noFill/>
                 </a:ln>
@@ -9146,7 +11190,7 @@
               <a:t>statement do return a value, albeit a rather boring one. This value is called </a:t>
             </a:r>
             <a:r>
-              <a:rPr kumimoji="0" lang="zh-CN" altLang="zh-CN" sz="1100" b="0" i="0" u="none" strike="noStrike" cap="none" normalizeH="0" baseline="0" dirty="0" smtClean="0">
+              <a:rPr kumimoji="0" lang="zh-CN" altLang="zh-CN" sz="1100" b="0" i="0" u="none" strike="noStrike" cap="none" normalizeH="0" baseline="0" dirty="0">
                 <a:ln>
                   <a:noFill/>
                 </a:ln>
@@ -9160,7 +11204,7 @@
               <a:t>None</a:t>
             </a:r>
             <a:r>
-              <a:rPr kumimoji="0" lang="zh-CN" altLang="zh-CN" sz="1200" b="0" i="0" u="none" strike="noStrike" cap="none" normalizeH="0" baseline="0" dirty="0" smtClean="0">
+              <a:rPr kumimoji="0" lang="zh-CN" altLang="zh-CN" sz="1200" b="0" i="0" u="none" strike="noStrike" cap="none" normalizeH="0" baseline="0" dirty="0">
                 <a:ln>
                   <a:noFill/>
                 </a:ln>
@@ -9173,7 +11217,7 @@
               <a:t> </a:t>
             </a:r>
             <a:r>
-              <a:rPr kumimoji="0" lang="zh-CN" altLang="zh-CN" sz="1200" b="0" i="0" u="none" strike="noStrike" cap="none" normalizeH="0" baseline="0" dirty="0" smtClean="0">
+              <a:rPr kumimoji="0" lang="zh-CN" altLang="zh-CN" sz="1200" b="0" i="0" u="none" strike="noStrike" cap="none" normalizeH="0" baseline="0" dirty="0">
                 <a:ln>
                   <a:noFill/>
                 </a:ln>
@@ -9187,7 +11231,7 @@
               <a:t>(it’s a built-in name).</a:t>
             </a:r>
             <a:r>
-              <a:rPr kumimoji="0" lang="zh-CN" altLang="zh-CN" sz="800" b="0" i="0" u="none" strike="noStrike" cap="none" normalizeH="0" baseline="0" dirty="0" smtClean="0">
+              <a:rPr kumimoji="0" lang="zh-CN" altLang="zh-CN" sz="800" b="0" i="0" u="none" strike="noStrike" cap="none" normalizeH="0" baseline="0" dirty="0">
                 <a:ln>
                   <a:noFill/>
                 </a:ln>
@@ -9199,7 +11243,7 @@
               </a:rPr>
               <a:t> </a:t>
             </a:r>
-            <a:endParaRPr kumimoji="0" lang="zh-CN" altLang="zh-CN" sz="1800" b="0" i="0" u="none" strike="noStrike" cap="none" normalizeH="0" baseline="0" dirty="0" smtClean="0">
+            <a:endParaRPr kumimoji="0" lang="zh-CN" altLang="zh-CN" sz="1800" b="0" i="0" u="none" strike="noStrike" cap="none" normalizeH="0" baseline="0" dirty="0">
               <a:ln>
                 <a:noFill/>
               </a:ln>
@@ -9337,10 +11381,9 @@
           <a:lstStyle/>
           <a:p>
             <a:r>
-              <a:rPr lang="zh-CN" altLang="en-US" dirty="0" smtClean="0"/>
+              <a:rPr lang="zh-CN" altLang="en-US" dirty="0"/>
               <a:t>默认值也太蛋疼了</a:t>
             </a:r>
-            <a:endParaRPr lang="zh-CN" altLang="en-US" dirty="0"/>
           </a:p>
         </p:txBody>
       </p:sp>
